--- a/Notes/2_Quantum_TheoryI.pptx
+++ b/Notes/2_Quantum_TheoryI.pptx
@@ -220,7 +220,7 @@
           <a:p>
             <a:fld id="{47B5508F-B9DA-3A4B-92BF-6A4138802024}" type="datetimeFigureOut">
               <a:rPr lang="en-US" smtClean="0"/>
-              <a:t>8/28/2019</a:t>
+              <a:t>9/9/20</a:t>
             </a:fld>
             <a:endParaRPr lang="en-US"/>
           </a:p>
@@ -754,7 +754,7 @@
             <a:fld id="{B2F2B4BC-311C-574E-AB1F-5BCC7E00BDAB}" type="datetimeFigureOut">
               <a:rPr lang="en-US" smtClean="0"/>
               <a:pPr/>
-              <a:t>8/28/2019</a:t>
+              <a:t>9/9/20</a:t>
             </a:fld>
             <a:endParaRPr lang="en-US"/>
           </a:p>
@@ -919,7 +919,7 @@
             <a:fld id="{B2F2B4BC-311C-574E-AB1F-5BCC7E00BDAB}" type="datetimeFigureOut">
               <a:rPr lang="en-US" smtClean="0"/>
               <a:pPr/>
-              <a:t>8/28/2019</a:t>
+              <a:t>9/9/20</a:t>
             </a:fld>
             <a:endParaRPr lang="en-US"/>
           </a:p>
@@ -1094,7 +1094,7 @@
             <a:fld id="{B2F2B4BC-311C-574E-AB1F-5BCC7E00BDAB}" type="datetimeFigureOut">
               <a:rPr lang="en-US" smtClean="0"/>
               <a:pPr/>
-              <a:t>8/28/2019</a:t>
+              <a:t>9/9/20</a:t>
             </a:fld>
             <a:endParaRPr lang="en-US"/>
           </a:p>
@@ -1259,7 +1259,7 @@
             <a:fld id="{B2F2B4BC-311C-574E-AB1F-5BCC7E00BDAB}" type="datetimeFigureOut">
               <a:rPr lang="en-US" smtClean="0"/>
               <a:pPr/>
-              <a:t>8/28/2019</a:t>
+              <a:t>9/9/20</a:t>
             </a:fld>
             <a:endParaRPr lang="en-US"/>
           </a:p>
@@ -1501,7 +1501,7 @@
             <a:fld id="{B2F2B4BC-311C-574E-AB1F-5BCC7E00BDAB}" type="datetimeFigureOut">
               <a:rPr lang="en-US" smtClean="0"/>
               <a:pPr/>
-              <a:t>8/28/2019</a:t>
+              <a:t>9/9/20</a:t>
             </a:fld>
             <a:endParaRPr lang="en-US"/>
           </a:p>
@@ -1783,7 +1783,7 @@
             <a:fld id="{B2F2B4BC-311C-574E-AB1F-5BCC7E00BDAB}" type="datetimeFigureOut">
               <a:rPr lang="en-US" smtClean="0"/>
               <a:pPr/>
-              <a:t>8/28/2019</a:t>
+              <a:t>9/9/20</a:t>
             </a:fld>
             <a:endParaRPr lang="en-US"/>
           </a:p>
@@ -2199,7 +2199,7 @@
             <a:fld id="{B2F2B4BC-311C-574E-AB1F-5BCC7E00BDAB}" type="datetimeFigureOut">
               <a:rPr lang="en-US" smtClean="0"/>
               <a:pPr/>
-              <a:t>8/28/2019</a:t>
+              <a:t>9/9/20</a:t>
             </a:fld>
             <a:endParaRPr lang="en-US"/>
           </a:p>
@@ -2313,7 +2313,7 @@
             <a:fld id="{B2F2B4BC-311C-574E-AB1F-5BCC7E00BDAB}" type="datetimeFigureOut">
               <a:rPr lang="en-US" smtClean="0"/>
               <a:pPr/>
-              <a:t>8/28/2019</a:t>
+              <a:t>9/9/20</a:t>
             </a:fld>
             <a:endParaRPr lang="en-US"/>
           </a:p>
@@ -2405,7 +2405,7 @@
             <a:fld id="{B2F2B4BC-311C-574E-AB1F-5BCC7E00BDAB}" type="datetimeFigureOut">
               <a:rPr lang="en-US" smtClean="0"/>
               <a:pPr/>
-              <a:t>8/28/2019</a:t>
+              <a:t>9/9/20</a:t>
             </a:fld>
             <a:endParaRPr lang="en-US"/>
           </a:p>
@@ -2677,7 +2677,7 @@
             <a:fld id="{B2F2B4BC-311C-574E-AB1F-5BCC7E00BDAB}" type="datetimeFigureOut">
               <a:rPr lang="en-US" smtClean="0"/>
               <a:pPr/>
-              <a:t>8/28/2019</a:t>
+              <a:t>9/9/20</a:t>
             </a:fld>
             <a:endParaRPr lang="en-US"/>
           </a:p>
@@ -2926,7 +2926,7 @@
             <a:fld id="{B2F2B4BC-311C-574E-AB1F-5BCC7E00BDAB}" type="datetimeFigureOut">
               <a:rPr lang="en-US" smtClean="0"/>
               <a:pPr/>
-              <a:t>8/28/2019</a:t>
+              <a:t>9/9/20</a:t>
             </a:fld>
             <a:endParaRPr lang="en-US"/>
           </a:p>
@@ -3134,7 +3134,7 @@
             <a:fld id="{B2F2B4BC-311C-574E-AB1F-5BCC7E00BDAB}" type="datetimeFigureOut">
               <a:rPr lang="en-US" smtClean="0"/>
               <a:pPr/>
-              <a:t>8/28/2019</a:t>
+              <a:t>9/9/20</a:t>
             </a:fld>
             <a:endParaRPr lang="en-US"/>
           </a:p>
@@ -3651,7 +3651,7 @@
           <a:graphicData uri="http://schemas.openxmlformats.org/presentationml/2006/ole">
             <mc:AlternateContent xmlns:mc="http://schemas.openxmlformats.org/markup-compatibility/2006">
               <mc:Choice xmlns:v="urn:schemas-microsoft-com:vml" Requires="v">
-                <p:oleObj spid="_x0000_s45226" r:id="rId5" imgW="723960" imgH="361800" progId="">
+                <p:oleObj spid="_x0000_s45230" r:id="rId5" imgW="723960" imgH="361800" progId="">
                   <p:embed/>
                 </p:oleObj>
               </mc:Choice>
@@ -3690,7 +3690,7 @@
                       <a:noFill/>
                       <a:extLst>
                         <a:ext uri="{909E8E84-426E-40dd-AFC4-6F175D3DCCD1}">
-                          <a14:hiddenFill xmlns:a14="http://schemas.microsoft.com/office/drawing/2010/main" xmlns="">
+                          <a14:hiddenFill xmlns="" xmlns:a14="http://schemas.microsoft.com/office/drawing/2010/main">
                             <a:blipFill dpi="0" rotWithShape="0">
                               <a:blip/>
                               <a:srcRect/>
@@ -3731,7 +3731,7 @@
           <a:graphicData uri="http://schemas.openxmlformats.org/presentationml/2006/ole">
             <mc:AlternateContent xmlns:mc="http://schemas.openxmlformats.org/markup-compatibility/2006">
               <mc:Choice xmlns:v="urn:schemas-microsoft-com:vml" Requires="v">
-                <p:oleObj spid="_x0000_s45227" r:id="rId7" imgW="76320" imgH="181080" progId="">
+                <p:oleObj spid="_x0000_s45231" r:id="rId7" imgW="76320" imgH="181080" progId="">
                   <p:embed/>
                 </p:oleObj>
               </mc:Choice>
@@ -3770,7 +3770,7 @@
                       <a:noFill/>
                       <a:extLst>
                         <a:ext uri="{909E8E84-426E-40dd-AFC4-6F175D3DCCD1}">
-                          <a14:hiddenFill xmlns:a14="http://schemas.microsoft.com/office/drawing/2010/main" xmlns="">
+                          <a14:hiddenFill xmlns="" xmlns:a14="http://schemas.microsoft.com/office/drawing/2010/main">
                             <a:blipFill dpi="0" rotWithShape="0">
                               <a:blip/>
                               <a:srcRect/>
@@ -4755,30 +4755,6 @@
           </a:prstGeom>
         </p:spPr>
       </p:pic>
-      <p:pic>
-        <p:nvPicPr>
-          <p:cNvPr id="9" name="Picture 8"/>
-          <p:cNvPicPr>
-            <a:picLocks noChangeAspect="1"/>
-          </p:cNvPicPr>
-          <p:nvPr/>
-        </p:nvPicPr>
-        <p:blipFill>
-          <a:blip r:embed="rId4"/>
-          <a:stretch>
-            <a:fillRect/>
-          </a:stretch>
-        </p:blipFill>
-        <p:spPr>
-          <a:xfrm>
-            <a:off x="3683000" y="967691"/>
-            <a:ext cx="2857500" cy="1346200"/>
-          </a:xfrm>
-          <a:prstGeom prst="rect">
-            <a:avLst/>
-          </a:prstGeom>
-        </p:spPr>
-      </p:pic>
       <p:sp>
         <p:nvSpPr>
           <p:cNvPr id="10" name="Rectangle 9"/>
@@ -4893,7 +4869,7 @@
           <p:nvPr/>
         </p:nvPicPr>
         <p:blipFill>
-          <a:blip r:embed="rId5"/>
+          <a:blip r:embed="rId4"/>
           <a:stretch>
             <a:fillRect/>
           </a:stretch>
@@ -4902,6 +4878,36 @@
           <a:xfrm>
             <a:off x="4111625" y="4524375"/>
             <a:ext cx="622300" cy="1358900"/>
+          </a:xfrm>
+          <a:prstGeom prst="rect">
+            <a:avLst/>
+          </a:prstGeom>
+        </p:spPr>
+      </p:pic>
+      <p:pic>
+        <p:nvPicPr>
+          <p:cNvPr id="2" name="Picture 1">
+            <a:extLst>
+              <a:ext uri="{FF2B5EF4-FFF2-40B4-BE49-F238E27FC236}">
+                <a16:creationId xmlns:a16="http://schemas.microsoft.com/office/drawing/2014/main" id="{700BC108-5A65-734F-8ADE-986B1F5F73A3}"/>
+              </a:ext>
+            </a:extLst>
+          </p:cNvPr>
+          <p:cNvPicPr>
+            <a:picLocks noChangeAspect="1"/>
+          </p:cNvPicPr>
+          <p:nvPr/>
+        </p:nvPicPr>
+        <p:blipFill>
+          <a:blip r:embed="rId5"/>
+          <a:stretch>
+            <a:fillRect/>
+          </a:stretch>
+        </p:blipFill>
+        <p:spPr>
+          <a:xfrm>
+            <a:off x="3799775" y="1020063"/>
+            <a:ext cx="2615751" cy="786435"/>
           </a:xfrm>
           <a:prstGeom prst="rect">
             <a:avLst/>
@@ -5969,29 +5975,6 @@
           </a:prstGeom>
         </p:spPr>
       </p:pic>
-      <p:pic>
-        <p:nvPicPr>
-          <p:cNvPr id="14" name="Picture 13"/>
-          <p:cNvPicPr>
-            <a:picLocks noChangeAspect="1"/>
-          </p:cNvPicPr>
-          <p:nvPr/>
-        </p:nvPicPr>
-        <p:blipFill rotWithShape="1">
-          <a:blip r:embed="rId4"/>
-          <a:srcRect l="38390"/>
-          <a:stretch/>
-        </p:blipFill>
-        <p:spPr>
-          <a:xfrm>
-            <a:off x="3943350" y="4327525"/>
-            <a:ext cx="2730723" cy="1828800"/>
-          </a:xfrm>
-          <a:prstGeom prst="rect">
-            <a:avLst/>
-          </a:prstGeom>
-        </p:spPr>
-      </p:pic>
       <p:sp>
         <p:nvSpPr>
           <p:cNvPr id="15" name="Rectangle 14"/>
@@ -6037,6 +6020,35 @@
           </a:p>
         </p:txBody>
       </p:sp>
+      <p:pic>
+        <p:nvPicPr>
+          <p:cNvPr id="10" name="Picture 9">
+            <a:extLst>
+              <a:ext uri="{FF2B5EF4-FFF2-40B4-BE49-F238E27FC236}">
+                <a16:creationId xmlns:a16="http://schemas.microsoft.com/office/drawing/2014/main" id="{BE14BFE8-96B4-2D43-A398-55225FF39517}"/>
+              </a:ext>
+            </a:extLst>
+          </p:cNvPr>
+          <p:cNvPicPr>
+            <a:picLocks noChangeAspect="1"/>
+          </p:cNvPicPr>
+          <p:nvPr/>
+        </p:nvPicPr>
+        <p:blipFill rotWithShape="1">
+          <a:blip r:embed="rId5"/>
+          <a:srcRect l="14584"/>
+          <a:stretch/>
+        </p:blipFill>
+        <p:spPr>
+          <a:xfrm>
+            <a:off x="4002502" y="4698974"/>
+            <a:ext cx="1771899" cy="894158"/>
+          </a:xfrm>
+          <a:prstGeom prst="rect">
+            <a:avLst/>
+          </a:prstGeom>
+        </p:spPr>
+      </p:pic>
     </p:spTree>
     <p:extLst>
       <p:ext uri="{BB962C8B-B14F-4D97-AF65-F5344CB8AC3E}">
@@ -6159,7 +6171,7 @@
                             </p:stCondLst>
                             <p:childTnLst>
                               <p:par>
-                                <p:cTn id="11" presetID="2" presetClass="entr" presetSubtype="4" fill="hold" nodeType="clickEffect">
+                                <p:cTn id="11" presetID="2" presetClass="entr" presetSubtype="4" fill="hold" grpId="0" nodeType="clickEffect">
                                   <p:stCondLst>
                                     <p:cond delay="0"/>
                                   </p:stCondLst>
@@ -6172,7 +6184,7 @@
                                           </p:stCondLst>
                                         </p:cTn>
                                         <p:tgtEl>
-                                          <p:spTgt spid="14"/>
+                                          <p:spTgt spid="15"/>
                                         </p:tgtEl>
                                         <p:attrNameLst>
                                           <p:attrName>style.visibility</p:attrName>
@@ -6186,7 +6198,7 @@
                                       <p:cBhvr additive="base">
                                         <p:cTn id="13" dur="500" fill="hold"/>
                                         <p:tgtEl>
-                                          <p:spTgt spid="14"/>
+                                          <p:spTgt spid="15"/>
                                         </p:tgtEl>
                                         <p:attrNameLst>
                                           <p:attrName>ppt_x</p:attrName>
@@ -6209,7 +6221,7 @@
                                       <p:cBhvr additive="base">
                                         <p:cTn id="14" dur="500" fill="hold"/>
                                         <p:tgtEl>
-                                          <p:spTgt spid="14"/>
+                                          <p:spTgt spid="15"/>
                                         </p:tgtEl>
                                         <p:attrNameLst>
                                           <p:attrName>ppt_y</p:attrName>
@@ -6250,7 +6262,7 @@
                             </p:stCondLst>
                             <p:childTnLst>
                               <p:par>
-                                <p:cTn id="17" presetID="2" presetClass="entr" presetSubtype="4" fill="hold" grpId="0" nodeType="clickEffect">
+                                <p:cTn id="17" presetID="2" presetClass="entr" presetSubtype="4" fill="hold" nodeType="clickEffect">
                                   <p:stCondLst>
                                     <p:cond delay="0"/>
                                   </p:stCondLst>
@@ -6263,7 +6275,7 @@
                                           </p:stCondLst>
                                         </p:cTn>
                                         <p:tgtEl>
-                                          <p:spTgt spid="15"/>
+                                          <p:spTgt spid="10"/>
                                         </p:tgtEl>
                                         <p:attrNameLst>
                                           <p:attrName>style.visibility</p:attrName>
@@ -6277,7 +6289,7 @@
                                       <p:cBhvr additive="base">
                                         <p:cTn id="19" dur="500" fill="hold"/>
                                         <p:tgtEl>
-                                          <p:spTgt spid="15"/>
+                                          <p:spTgt spid="10"/>
                                         </p:tgtEl>
                                         <p:attrNameLst>
                                           <p:attrName>ppt_x</p:attrName>
@@ -6300,7 +6312,7 @@
                                       <p:cBhvr additive="base">
                                         <p:cTn id="20" dur="500" fill="hold"/>
                                         <p:tgtEl>
-                                          <p:spTgt spid="15"/>
+                                          <p:spTgt spid="10"/>
                                         </p:tgtEl>
                                         <p:attrNameLst>
                                           <p:attrName>ppt_y</p:attrName>
@@ -14787,30 +14799,6 @@
           </a:prstGeom>
         </p:spPr>
       </p:pic>
-      <p:pic>
-        <p:nvPicPr>
-          <p:cNvPr id="16" name="Picture 15"/>
-          <p:cNvPicPr>
-            <a:picLocks noChangeAspect="1"/>
-          </p:cNvPicPr>
-          <p:nvPr/>
-        </p:nvPicPr>
-        <p:blipFill>
-          <a:blip r:embed="rId4"/>
-          <a:stretch>
-            <a:fillRect/>
-          </a:stretch>
-        </p:blipFill>
-        <p:spPr>
-          <a:xfrm>
-            <a:off x="6238875" y="3038475"/>
-            <a:ext cx="2019300" cy="1066800"/>
-          </a:xfrm>
-          <a:prstGeom prst="rect">
-            <a:avLst/>
-          </a:prstGeom>
-        </p:spPr>
-      </p:pic>
       <p:sp>
         <p:nvSpPr>
           <p:cNvPr id="18" name="Rectangle 17"/>
@@ -15057,30 +15045,6 @@
           </a:fontRef>
         </p:style>
       </p:cxnSp>
-      <p:pic>
-        <p:nvPicPr>
-          <p:cNvPr id="26" name="Picture 25"/>
-          <p:cNvPicPr>
-            <a:picLocks noChangeAspect="1"/>
-          </p:cNvPicPr>
-          <p:nvPr/>
-        </p:nvPicPr>
-        <p:blipFill>
-          <a:blip r:embed="rId5"/>
-          <a:stretch>
-            <a:fillRect/>
-          </a:stretch>
-        </p:blipFill>
-        <p:spPr>
-          <a:xfrm>
-            <a:off x="2254250" y="4697133"/>
-            <a:ext cx="2263896" cy="970241"/>
-          </a:xfrm>
-          <a:prstGeom prst="rect">
-            <a:avLst/>
-          </a:prstGeom>
-        </p:spPr>
-      </p:pic>
       <p:sp>
         <p:nvSpPr>
           <p:cNvPr id="27" name="Donut 26"/>
@@ -15265,6 +15229,66 @@
           </a:p>
         </p:txBody>
       </p:sp>
+      <p:pic>
+        <p:nvPicPr>
+          <p:cNvPr id="6" name="Picture 5">
+            <a:extLst>
+              <a:ext uri="{FF2B5EF4-FFF2-40B4-BE49-F238E27FC236}">
+                <a16:creationId xmlns:a16="http://schemas.microsoft.com/office/drawing/2014/main" id="{86F2DD77-6C6E-B243-BE04-D90DABF399DF}"/>
+              </a:ext>
+            </a:extLst>
+          </p:cNvPr>
+          <p:cNvPicPr>
+            <a:picLocks noChangeAspect="1"/>
+          </p:cNvPicPr>
+          <p:nvPr/>
+        </p:nvPicPr>
+        <p:blipFill>
+          <a:blip r:embed="rId4"/>
+          <a:stretch>
+            <a:fillRect/>
+          </a:stretch>
+        </p:blipFill>
+        <p:spPr>
+          <a:xfrm>
+            <a:off x="6439309" y="3035861"/>
+            <a:ext cx="1718527" cy="740744"/>
+          </a:xfrm>
+          <a:prstGeom prst="rect">
+            <a:avLst/>
+          </a:prstGeom>
+        </p:spPr>
+      </p:pic>
+      <p:pic>
+        <p:nvPicPr>
+          <p:cNvPr id="8" name="Picture 7">
+            <a:extLst>
+              <a:ext uri="{FF2B5EF4-FFF2-40B4-BE49-F238E27FC236}">
+                <a16:creationId xmlns:a16="http://schemas.microsoft.com/office/drawing/2014/main" id="{D5E2A0D8-1ED3-CD4B-889F-EE68ACB076ED}"/>
+              </a:ext>
+            </a:extLst>
+          </p:cNvPr>
+          <p:cNvPicPr>
+            <a:picLocks noChangeAspect="1"/>
+          </p:cNvPicPr>
+          <p:nvPr/>
+        </p:nvPicPr>
+        <p:blipFill>
+          <a:blip r:embed="rId5"/>
+          <a:stretch>
+            <a:fillRect/>
+          </a:stretch>
+        </p:blipFill>
+        <p:spPr>
+          <a:xfrm>
+            <a:off x="2411458" y="4777948"/>
+            <a:ext cx="1993106" cy="751499"/>
+          </a:xfrm>
+          <a:prstGeom prst="rect">
+            <a:avLst/>
+          </a:prstGeom>
+        </p:spPr>
+      </p:pic>
     </p:spTree>
     <p:extLst>
       <p:ext uri="{BB962C8B-B14F-4D97-AF65-F5344CB8AC3E}">
@@ -15619,7 +15643,7 @@
                                           </p:stCondLst>
                                         </p:cTn>
                                         <p:tgtEl>
-                                          <p:spTgt spid="16"/>
+                                          <p:spTgt spid="25"/>
                                         </p:tgtEl>
                                         <p:attrNameLst>
                                           <p:attrName>style.visibility</p:attrName>
@@ -15633,79 +15657,6 @@
                                       <p:cBhvr additive="base">
                                         <p:cTn id="25" dur="500" fill="hold"/>
                                         <p:tgtEl>
-                                          <p:spTgt spid="16"/>
-                                        </p:tgtEl>
-                                        <p:attrNameLst>
-                                          <p:attrName>ppt_x</p:attrName>
-                                        </p:attrNameLst>
-                                      </p:cBhvr>
-                                      <p:tavLst>
-                                        <p:tav tm="0">
-                                          <p:val>
-                                            <p:strVal val="#ppt_x"/>
-                                          </p:val>
-                                        </p:tav>
-                                        <p:tav tm="100000">
-                                          <p:val>
-                                            <p:strVal val="#ppt_x"/>
-                                          </p:val>
-                                        </p:tav>
-                                      </p:tavLst>
-                                    </p:anim>
-                                    <p:anim calcmode="lin" valueType="num">
-                                      <p:cBhvr additive="base">
-                                        <p:cTn id="26" dur="500" fill="hold"/>
-                                        <p:tgtEl>
-                                          <p:spTgt spid="16"/>
-                                        </p:tgtEl>
-                                        <p:attrNameLst>
-                                          <p:attrName>ppt_y</p:attrName>
-                                        </p:attrNameLst>
-                                      </p:cBhvr>
-                                      <p:tavLst>
-                                        <p:tav tm="0">
-                                          <p:val>
-                                            <p:strVal val="1+#ppt_h/2"/>
-                                          </p:val>
-                                        </p:tav>
-                                        <p:tav tm="100000">
-                                          <p:val>
-                                            <p:strVal val="#ppt_y"/>
-                                          </p:val>
-                                        </p:tav>
-                                      </p:tavLst>
-                                    </p:anim>
-                                  </p:childTnLst>
-                                </p:cTn>
-                              </p:par>
-                              <p:par>
-                                <p:cTn id="27" presetID="2" presetClass="entr" presetSubtype="4" fill="hold" nodeType="withEffect">
-                                  <p:stCondLst>
-                                    <p:cond delay="0"/>
-                                  </p:stCondLst>
-                                  <p:childTnLst>
-                                    <p:set>
-                                      <p:cBhvr>
-                                        <p:cTn id="28" dur="1" fill="hold">
-                                          <p:stCondLst>
-                                            <p:cond delay="0"/>
-                                          </p:stCondLst>
-                                        </p:cTn>
-                                        <p:tgtEl>
-                                          <p:spTgt spid="25"/>
-                                        </p:tgtEl>
-                                        <p:attrNameLst>
-                                          <p:attrName>style.visibility</p:attrName>
-                                        </p:attrNameLst>
-                                      </p:cBhvr>
-                                      <p:to>
-                                        <p:strVal val="visible"/>
-                                      </p:to>
-                                    </p:set>
-                                    <p:anim calcmode="lin" valueType="num">
-                                      <p:cBhvr additive="base">
-                                        <p:cTn id="29" dur="500" fill="hold"/>
-                                        <p:tgtEl>
                                           <p:spTgt spid="25"/>
                                         </p:tgtEl>
                                         <p:attrNameLst>
@@ -15727,7 +15678,7 @@
                                     </p:anim>
                                     <p:anim calcmode="lin" valueType="num">
                                       <p:cBhvr additive="base">
-                                        <p:cTn id="30" dur="500" fill="hold"/>
+                                        <p:cTn id="26" dur="500" fill="hold"/>
                                         <p:tgtEl>
                                           <p:spTgt spid="25"/>
                                         </p:tgtEl>
@@ -15752,14 +15703,14 @@
                                 </p:cTn>
                               </p:par>
                               <p:par>
-                                <p:cTn id="31" presetID="2" presetClass="entr" presetSubtype="4" fill="hold" grpId="0" nodeType="withEffect">
+                                <p:cTn id="27" presetID="2" presetClass="entr" presetSubtype="4" fill="hold" grpId="0" nodeType="withEffect">
                                   <p:stCondLst>
                                     <p:cond delay="0"/>
                                   </p:stCondLst>
                                   <p:childTnLst>
                                     <p:set>
                                       <p:cBhvr>
-                                        <p:cTn id="32" dur="1" fill="hold">
+                                        <p:cTn id="28" dur="1" fill="hold">
                                           <p:stCondLst>
                                             <p:cond delay="0"/>
                                           </p:stCondLst>
@@ -15777,7 +15728,7 @@
                                     </p:set>
                                     <p:anim calcmode="lin" valueType="num">
                                       <p:cBhvr additive="base">
-                                        <p:cTn id="33" dur="500" fill="hold"/>
+                                        <p:cTn id="29" dur="500" fill="hold"/>
                                         <p:tgtEl>
                                           <p:spTgt spid="24"/>
                                         </p:tgtEl>
@@ -15800,9 +15751,82 @@
                                     </p:anim>
                                     <p:anim calcmode="lin" valueType="num">
                                       <p:cBhvr additive="base">
+                                        <p:cTn id="30" dur="500" fill="hold"/>
+                                        <p:tgtEl>
+                                          <p:spTgt spid="24"/>
+                                        </p:tgtEl>
+                                        <p:attrNameLst>
+                                          <p:attrName>ppt_y</p:attrName>
+                                        </p:attrNameLst>
+                                      </p:cBhvr>
+                                      <p:tavLst>
+                                        <p:tav tm="0">
+                                          <p:val>
+                                            <p:strVal val="1+#ppt_h/2"/>
+                                          </p:val>
+                                        </p:tav>
+                                        <p:tav tm="100000">
+                                          <p:val>
+                                            <p:strVal val="#ppt_y"/>
+                                          </p:val>
+                                        </p:tav>
+                                      </p:tavLst>
+                                    </p:anim>
+                                  </p:childTnLst>
+                                </p:cTn>
+                              </p:par>
+                              <p:par>
+                                <p:cTn id="31" presetID="2" presetClass="entr" presetSubtype="4" fill="hold" nodeType="withEffect">
+                                  <p:stCondLst>
+                                    <p:cond delay="0"/>
+                                  </p:stCondLst>
+                                  <p:childTnLst>
+                                    <p:set>
+                                      <p:cBhvr>
+                                        <p:cTn id="32" dur="1" fill="hold">
+                                          <p:stCondLst>
+                                            <p:cond delay="0"/>
+                                          </p:stCondLst>
+                                        </p:cTn>
+                                        <p:tgtEl>
+                                          <p:spTgt spid="6"/>
+                                        </p:tgtEl>
+                                        <p:attrNameLst>
+                                          <p:attrName>style.visibility</p:attrName>
+                                        </p:attrNameLst>
+                                      </p:cBhvr>
+                                      <p:to>
+                                        <p:strVal val="visible"/>
+                                      </p:to>
+                                    </p:set>
+                                    <p:anim calcmode="lin" valueType="num">
+                                      <p:cBhvr additive="base">
+                                        <p:cTn id="33" dur="500" fill="hold"/>
+                                        <p:tgtEl>
+                                          <p:spTgt spid="6"/>
+                                        </p:tgtEl>
+                                        <p:attrNameLst>
+                                          <p:attrName>ppt_x</p:attrName>
+                                        </p:attrNameLst>
+                                      </p:cBhvr>
+                                      <p:tavLst>
+                                        <p:tav tm="0">
+                                          <p:val>
+                                            <p:strVal val="#ppt_x"/>
+                                          </p:val>
+                                        </p:tav>
+                                        <p:tav tm="100000">
+                                          <p:val>
+                                            <p:strVal val="#ppt_x"/>
+                                          </p:val>
+                                        </p:tav>
+                                      </p:tavLst>
+                                    </p:anim>
+                                    <p:anim calcmode="lin" valueType="num">
+                                      <p:cBhvr additive="base">
                                         <p:cTn id="34" dur="500" fill="hold"/>
                                         <p:tgtEl>
-                                          <p:spTgt spid="24"/>
+                                          <p:spTgt spid="6"/>
                                         </p:tgtEl>
                                         <p:attrNameLst>
                                           <p:attrName>ppt_y</p:attrName>
@@ -16002,7 +16026,7 @@
                                           </p:stCondLst>
                                         </p:cTn>
                                         <p:tgtEl>
-                                          <p:spTgt spid="26"/>
+                                          <p:spTgt spid="8"/>
                                         </p:tgtEl>
                                         <p:attrNameLst>
                                           <p:attrName>style.visibility</p:attrName>
@@ -16016,7 +16040,7 @@
                                       <p:cBhvr additive="base">
                                         <p:cTn id="47" dur="500" fill="hold"/>
                                         <p:tgtEl>
-                                          <p:spTgt spid="26"/>
+                                          <p:spTgt spid="8"/>
                                         </p:tgtEl>
                                         <p:attrNameLst>
                                           <p:attrName>ppt_x</p:attrName>
@@ -16039,7 +16063,7 @@
                                       <p:cBhvr additive="base">
                                         <p:cTn id="48" dur="500" fill="hold"/>
                                         <p:tgtEl>
-                                          <p:spTgt spid="26"/>
+                                          <p:spTgt spid="8"/>
                                         </p:tgtEl>
                                         <p:attrNameLst>
                                           <p:attrName>ppt_y</p:attrName>
@@ -16758,30 +16782,6 @@
           </a:p>
         </p:txBody>
       </p:sp>
-      <p:pic>
-        <p:nvPicPr>
-          <p:cNvPr id="20" name="Picture 19"/>
-          <p:cNvPicPr>
-            <a:picLocks noChangeAspect="1"/>
-          </p:cNvPicPr>
-          <p:nvPr/>
-        </p:nvPicPr>
-        <p:blipFill>
-          <a:blip r:embed="rId4"/>
-          <a:stretch>
-            <a:fillRect/>
-          </a:stretch>
-        </p:blipFill>
-        <p:spPr>
-          <a:xfrm>
-            <a:off x="5892800" y="3678971"/>
-            <a:ext cx="2857500" cy="1346200"/>
-          </a:xfrm>
-          <a:prstGeom prst="rect">
-            <a:avLst/>
-          </a:prstGeom>
-        </p:spPr>
-      </p:pic>
       <p:sp>
         <p:nvSpPr>
           <p:cNvPr id="12" name="Rectangle 11"/>
@@ -16826,6 +16826,36 @@
           </a:p>
         </p:txBody>
       </p:sp>
+      <p:pic>
+        <p:nvPicPr>
+          <p:cNvPr id="2" name="Picture 1">
+            <a:extLst>
+              <a:ext uri="{FF2B5EF4-FFF2-40B4-BE49-F238E27FC236}">
+                <a16:creationId xmlns:a16="http://schemas.microsoft.com/office/drawing/2014/main" id="{07B20DFF-2043-AE45-B00A-1D2062E6C6D3}"/>
+              </a:ext>
+            </a:extLst>
+          </p:cNvPr>
+          <p:cNvPicPr>
+            <a:picLocks noChangeAspect="1"/>
+          </p:cNvPicPr>
+          <p:nvPr/>
+        </p:nvPicPr>
+        <p:blipFill>
+          <a:blip r:embed="rId4"/>
+          <a:stretch>
+            <a:fillRect/>
+          </a:stretch>
+        </p:blipFill>
+        <p:spPr>
+          <a:xfrm>
+            <a:off x="5640368" y="3833193"/>
+            <a:ext cx="2872309" cy="863570"/>
+          </a:xfrm>
+          <a:prstGeom prst="rect">
+            <a:avLst/>
+          </a:prstGeom>
+        </p:spPr>
+      </p:pic>
     </p:spTree>
     <p:extLst>
       <p:ext uri="{BB962C8B-B14F-4D97-AF65-F5344CB8AC3E}">
@@ -16929,97 +16959,24 @@
                                   </p:childTnLst>
                                 </p:cTn>
                               </p:par>
+                            </p:childTnLst>
+                          </p:cTn>
+                        </p:par>
+                        <p:par>
+                          <p:cTn id="9" fill="hold">
+                            <p:stCondLst>
+                              <p:cond delay="500"/>
+                            </p:stCondLst>
+                            <p:childTnLst>
                               <p:par>
-                                <p:cTn id="9" presetID="2" presetClass="entr" presetSubtype="4" fill="hold" nodeType="withEffect">
+                                <p:cTn id="10" presetID="2" presetClass="entr" presetSubtype="4" fill="hold" grpId="0" nodeType="afterEffect">
                                   <p:stCondLst>
                                     <p:cond delay="0"/>
                                   </p:stCondLst>
                                   <p:childTnLst>
                                     <p:set>
                                       <p:cBhvr>
-                                        <p:cTn id="10" dur="1" fill="hold">
-                                          <p:stCondLst>
-                                            <p:cond delay="0"/>
-                                          </p:stCondLst>
-                                        </p:cTn>
-                                        <p:tgtEl>
-                                          <p:spTgt spid="20"/>
-                                        </p:tgtEl>
-                                        <p:attrNameLst>
-                                          <p:attrName>style.visibility</p:attrName>
-                                        </p:attrNameLst>
-                                      </p:cBhvr>
-                                      <p:to>
-                                        <p:strVal val="visible"/>
-                                      </p:to>
-                                    </p:set>
-                                    <p:anim calcmode="lin" valueType="num">
-                                      <p:cBhvr additive="base">
-                                        <p:cTn id="11" dur="500" fill="hold"/>
-                                        <p:tgtEl>
-                                          <p:spTgt spid="20"/>
-                                        </p:tgtEl>
-                                        <p:attrNameLst>
-                                          <p:attrName>ppt_x</p:attrName>
-                                        </p:attrNameLst>
-                                      </p:cBhvr>
-                                      <p:tavLst>
-                                        <p:tav tm="0">
-                                          <p:val>
-                                            <p:strVal val="#ppt_x"/>
-                                          </p:val>
-                                        </p:tav>
-                                        <p:tav tm="100000">
-                                          <p:val>
-                                            <p:strVal val="#ppt_x"/>
-                                          </p:val>
-                                        </p:tav>
-                                      </p:tavLst>
-                                    </p:anim>
-                                    <p:anim calcmode="lin" valueType="num">
-                                      <p:cBhvr additive="base">
-                                        <p:cTn id="12" dur="500" fill="hold"/>
-                                        <p:tgtEl>
-                                          <p:spTgt spid="20"/>
-                                        </p:tgtEl>
-                                        <p:attrNameLst>
-                                          <p:attrName>ppt_y</p:attrName>
-                                        </p:attrNameLst>
-                                      </p:cBhvr>
-                                      <p:tavLst>
-                                        <p:tav tm="0">
-                                          <p:val>
-                                            <p:strVal val="1+#ppt_h/2"/>
-                                          </p:val>
-                                        </p:tav>
-                                        <p:tav tm="100000">
-                                          <p:val>
-                                            <p:strVal val="#ppt_y"/>
-                                          </p:val>
-                                        </p:tav>
-                                      </p:tavLst>
-                                    </p:anim>
-                                  </p:childTnLst>
-                                </p:cTn>
-                              </p:par>
-                            </p:childTnLst>
-                          </p:cTn>
-                        </p:par>
-                        <p:par>
-                          <p:cTn id="13" fill="hold">
-                            <p:stCondLst>
-                              <p:cond delay="500"/>
-                            </p:stCondLst>
-                            <p:childTnLst>
-                              <p:par>
-                                <p:cTn id="14" presetID="2" presetClass="entr" presetSubtype="4" fill="hold" grpId="0" nodeType="afterEffect">
-                                  <p:stCondLst>
-                                    <p:cond delay="0"/>
-                                  </p:stCondLst>
-                                  <p:childTnLst>
-                                    <p:set>
-                                      <p:cBhvr>
-                                        <p:cTn id="15" dur="1" fill="hold">
+                                        <p:cTn id="11" dur="1" fill="hold">
                                           <p:stCondLst>
                                             <p:cond delay="0"/>
                                           </p:stCondLst>
@@ -17037,7 +16994,7 @@
                                     </p:set>
                                     <p:anim calcmode="lin" valueType="num">
                                       <p:cBhvr additive="base">
-                                        <p:cTn id="16" dur="500" fill="hold"/>
+                                        <p:cTn id="12" dur="500" fill="hold"/>
                                         <p:tgtEl>
                                           <p:spTgt spid="19"/>
                                         </p:tgtEl>
@@ -17060,7 +17017,7 @@
                                     </p:anim>
                                     <p:anim calcmode="lin" valueType="num">
                                       <p:cBhvr additive="base">
-                                        <p:cTn id="17" dur="500" fill="hold"/>
+                                        <p:cTn id="13" dur="500" fill="hold"/>
                                         <p:tgtEl>
                                           <p:spTgt spid="19"/>
                                         </p:tgtEl>
@@ -17085,14 +17042,14 @@
                                 </p:cTn>
                               </p:par>
                               <p:par>
-                                <p:cTn id="18" presetID="2" presetClass="entr" presetSubtype="4" fill="hold" nodeType="withEffect">
+                                <p:cTn id="14" presetID="2" presetClass="entr" presetSubtype="4" fill="hold" nodeType="withEffect">
                                   <p:stCondLst>
                                     <p:cond delay="0"/>
                                   </p:stCondLst>
                                   <p:childTnLst>
                                     <p:set>
                                       <p:cBhvr>
-                                        <p:cTn id="19" dur="1" fill="hold">
+                                        <p:cTn id="15" dur="1" fill="hold">
                                           <p:stCondLst>
                                             <p:cond delay="0"/>
                                           </p:stCondLst>
@@ -17110,7 +17067,7 @@
                                     </p:set>
                                     <p:anim calcmode="lin" valueType="num">
                                       <p:cBhvr additive="base">
-                                        <p:cTn id="20" dur="500" fill="hold"/>
+                                        <p:cTn id="16" dur="500" fill="hold"/>
                                         <p:tgtEl>
                                           <p:spTgt spid="11"/>
                                         </p:tgtEl>
@@ -17133,9 +17090,82 @@
                                     </p:anim>
                                     <p:anim calcmode="lin" valueType="num">
                                       <p:cBhvr additive="base">
+                                        <p:cTn id="17" dur="500" fill="hold"/>
+                                        <p:tgtEl>
+                                          <p:spTgt spid="11"/>
+                                        </p:tgtEl>
+                                        <p:attrNameLst>
+                                          <p:attrName>ppt_y</p:attrName>
+                                        </p:attrNameLst>
+                                      </p:cBhvr>
+                                      <p:tavLst>
+                                        <p:tav tm="0">
+                                          <p:val>
+                                            <p:strVal val="1+#ppt_h/2"/>
+                                          </p:val>
+                                        </p:tav>
+                                        <p:tav tm="100000">
+                                          <p:val>
+                                            <p:strVal val="#ppt_y"/>
+                                          </p:val>
+                                        </p:tav>
+                                      </p:tavLst>
+                                    </p:anim>
+                                  </p:childTnLst>
+                                </p:cTn>
+                              </p:par>
+                              <p:par>
+                                <p:cTn id="18" presetID="2" presetClass="entr" presetSubtype="4" fill="hold" grpId="0" nodeType="withEffect">
+                                  <p:stCondLst>
+                                    <p:cond delay="0"/>
+                                  </p:stCondLst>
+                                  <p:childTnLst>
+                                    <p:set>
+                                      <p:cBhvr>
+                                        <p:cTn id="19" dur="1" fill="hold">
+                                          <p:stCondLst>
+                                            <p:cond delay="0"/>
+                                          </p:stCondLst>
+                                        </p:cTn>
+                                        <p:tgtEl>
+                                          <p:spTgt spid="17"/>
+                                        </p:tgtEl>
+                                        <p:attrNameLst>
+                                          <p:attrName>style.visibility</p:attrName>
+                                        </p:attrNameLst>
+                                      </p:cBhvr>
+                                      <p:to>
+                                        <p:strVal val="visible"/>
+                                      </p:to>
+                                    </p:set>
+                                    <p:anim calcmode="lin" valueType="num">
+                                      <p:cBhvr additive="base">
+                                        <p:cTn id="20" dur="500" fill="hold"/>
+                                        <p:tgtEl>
+                                          <p:spTgt spid="17"/>
+                                        </p:tgtEl>
+                                        <p:attrNameLst>
+                                          <p:attrName>ppt_x</p:attrName>
+                                        </p:attrNameLst>
+                                      </p:cBhvr>
+                                      <p:tavLst>
+                                        <p:tav tm="0">
+                                          <p:val>
+                                            <p:strVal val="#ppt_x"/>
+                                          </p:val>
+                                        </p:tav>
+                                        <p:tav tm="100000">
+                                          <p:val>
+                                            <p:strVal val="#ppt_x"/>
+                                          </p:val>
+                                        </p:tav>
+                                      </p:tavLst>
+                                    </p:anim>
+                                    <p:anim calcmode="lin" valueType="num">
+                                      <p:cBhvr additive="base">
                                         <p:cTn id="21" dur="500" fill="hold"/>
                                         <p:tgtEl>
-                                          <p:spTgt spid="11"/>
+                                          <p:spTgt spid="17"/>
                                         </p:tgtEl>
                                         <p:attrNameLst>
                                           <p:attrName>ppt_y</p:attrName>
@@ -17171,7 +17201,7 @@
                                           </p:stCondLst>
                                         </p:cTn>
                                         <p:tgtEl>
-                                          <p:spTgt spid="17"/>
+                                          <p:spTgt spid="15"/>
                                         </p:tgtEl>
                                         <p:attrNameLst>
                                           <p:attrName>style.visibility</p:attrName>
@@ -17185,7 +17215,7 @@
                                       <p:cBhvr additive="base">
                                         <p:cTn id="24" dur="500" fill="hold"/>
                                         <p:tgtEl>
-                                          <p:spTgt spid="17"/>
+                                          <p:spTgt spid="15"/>
                                         </p:tgtEl>
                                         <p:attrNameLst>
                                           <p:attrName>ppt_x</p:attrName>
@@ -17208,7 +17238,7 @@
                                       <p:cBhvr additive="base">
                                         <p:cTn id="25" dur="500" fill="hold"/>
                                         <p:tgtEl>
-                                          <p:spTgt spid="17"/>
+                                          <p:spTgt spid="15"/>
                                         </p:tgtEl>
                                         <p:attrNameLst>
                                           <p:attrName>ppt_y</p:attrName>
@@ -17231,7 +17261,7 @@
                                 </p:cTn>
                               </p:par>
                               <p:par>
-                                <p:cTn id="26" presetID="2" presetClass="entr" presetSubtype="4" fill="hold" grpId="0" nodeType="withEffect">
+                                <p:cTn id="26" presetID="2" presetClass="entr" presetSubtype="4" fill="hold" nodeType="withEffect">
                                   <p:stCondLst>
                                     <p:cond delay="0"/>
                                   </p:stCondLst>
@@ -17244,7 +17274,7 @@
                                           </p:stCondLst>
                                         </p:cTn>
                                         <p:tgtEl>
-                                          <p:spTgt spid="15"/>
+                                          <p:spTgt spid="2"/>
                                         </p:tgtEl>
                                         <p:attrNameLst>
                                           <p:attrName>style.visibility</p:attrName>
@@ -17258,7 +17288,7 @@
                                       <p:cBhvr additive="base">
                                         <p:cTn id="28" dur="500" fill="hold"/>
                                         <p:tgtEl>
-                                          <p:spTgt spid="15"/>
+                                          <p:spTgt spid="2"/>
                                         </p:tgtEl>
                                         <p:attrNameLst>
                                           <p:attrName>ppt_x</p:attrName>
@@ -17281,7 +17311,7 @@
                                       <p:cBhvr additive="base">
                                         <p:cTn id="29" dur="500" fill="hold"/>
                                         <p:tgtEl>
-                                          <p:spTgt spid="15"/>
+                                          <p:spTgt spid="2"/>
                                         </p:tgtEl>
                                         <p:attrNameLst>
                                           <p:attrName>ppt_y</p:attrName>
@@ -17727,30 +17757,6 @@
           </a:p>
         </p:txBody>
       </p:sp>
-      <p:pic>
-        <p:nvPicPr>
-          <p:cNvPr id="7" name="Picture 6"/>
-          <p:cNvPicPr>
-            <a:picLocks noChangeAspect="1"/>
-          </p:cNvPicPr>
-          <p:nvPr/>
-        </p:nvPicPr>
-        <p:blipFill>
-          <a:blip r:embed="rId3"/>
-          <a:stretch>
-            <a:fillRect/>
-          </a:stretch>
-        </p:blipFill>
-        <p:spPr>
-          <a:xfrm>
-            <a:off x="5810250" y="1599346"/>
-            <a:ext cx="2857500" cy="1346200"/>
-          </a:xfrm>
-          <a:prstGeom prst="rect">
-            <a:avLst/>
-          </a:prstGeom>
-        </p:spPr>
-      </p:pic>
       <p:sp>
         <p:nvSpPr>
           <p:cNvPr id="11" name="Rectangle 10"/>
@@ -17880,6 +17886,35 @@
           </p:cNvPicPr>
           <p:nvPr/>
         </p:nvPicPr>
+        <p:blipFill rotWithShape="1">
+          <a:blip r:embed="rId3"/>
+          <a:srcRect r="77112"/>
+          <a:stretch/>
+        </p:blipFill>
+        <p:spPr>
+          <a:xfrm>
+            <a:off x="2686050" y="3975100"/>
+            <a:ext cx="715072" cy="1574800"/>
+          </a:xfrm>
+          <a:prstGeom prst="rect">
+            <a:avLst/>
+          </a:prstGeom>
+        </p:spPr>
+      </p:pic>
+      <p:pic>
+        <p:nvPicPr>
+          <p:cNvPr id="6" name="Picture 5">
+            <a:extLst>
+              <a:ext uri="{FF2B5EF4-FFF2-40B4-BE49-F238E27FC236}">
+                <a16:creationId xmlns:a16="http://schemas.microsoft.com/office/drawing/2014/main" id="{59CF0404-F149-8E45-89BF-D9F17CD485D6}"/>
+              </a:ext>
+            </a:extLst>
+          </p:cNvPr>
+          <p:cNvPicPr>
+            <a:picLocks noChangeAspect="1"/>
+          </p:cNvPicPr>
+          <p:nvPr/>
+        </p:nvPicPr>
         <p:blipFill>
           <a:blip r:embed="rId4"/>
           <a:stretch>
@@ -17888,8 +17923,37 @@
         </p:blipFill>
         <p:spPr>
           <a:xfrm>
-            <a:off x="2686050" y="3975100"/>
-            <a:ext cx="3124200" cy="1574800"/>
+            <a:off x="5637519" y="1664945"/>
+            <a:ext cx="3216499" cy="967052"/>
+          </a:xfrm>
+          <a:prstGeom prst="rect">
+            <a:avLst/>
+          </a:prstGeom>
+        </p:spPr>
+      </p:pic>
+      <p:pic>
+        <p:nvPicPr>
+          <p:cNvPr id="8" name="Picture 7">
+            <a:extLst>
+              <a:ext uri="{FF2B5EF4-FFF2-40B4-BE49-F238E27FC236}">
+                <a16:creationId xmlns:a16="http://schemas.microsoft.com/office/drawing/2014/main" id="{421FAEC1-3080-8042-AE99-34EF85C822EB}"/>
+              </a:ext>
+            </a:extLst>
+          </p:cNvPr>
+          <p:cNvPicPr>
+            <a:picLocks noChangeAspect="1"/>
+          </p:cNvPicPr>
+          <p:nvPr/>
+        </p:nvPicPr>
+        <p:blipFill rotWithShape="1">
+          <a:blip r:embed="rId4"/>
+          <a:srcRect l="20371" b="-4037"/>
+          <a:stretch/>
+        </p:blipFill>
+        <p:spPr>
+          <a:xfrm>
+            <a:off x="3532437" y="4234805"/>
+            <a:ext cx="2079125" cy="816698"/>
           </a:xfrm>
           <a:prstGeom prst="rect">
             <a:avLst/>
@@ -18051,6 +18115,79 @@
                                         <p:cTn id="12" dur="500" fill="hold"/>
                                         <p:tgtEl>
                                           <p:spTgt spid="2"/>
+                                        </p:tgtEl>
+                                        <p:attrNameLst>
+                                          <p:attrName>ppt_y</p:attrName>
+                                        </p:attrNameLst>
+                                      </p:cBhvr>
+                                      <p:tavLst>
+                                        <p:tav tm="0">
+                                          <p:val>
+                                            <p:strVal val="1+#ppt_h/2"/>
+                                          </p:val>
+                                        </p:tav>
+                                        <p:tav tm="100000">
+                                          <p:val>
+                                            <p:strVal val="#ppt_y"/>
+                                          </p:val>
+                                        </p:tav>
+                                      </p:tavLst>
+                                    </p:anim>
+                                  </p:childTnLst>
+                                </p:cTn>
+                              </p:par>
+                              <p:par>
+                                <p:cTn id="13" presetID="2" presetClass="entr" presetSubtype="4" fill="hold" nodeType="withEffect">
+                                  <p:stCondLst>
+                                    <p:cond delay="0"/>
+                                  </p:stCondLst>
+                                  <p:childTnLst>
+                                    <p:set>
+                                      <p:cBhvr>
+                                        <p:cTn id="14" dur="1" fill="hold">
+                                          <p:stCondLst>
+                                            <p:cond delay="0"/>
+                                          </p:stCondLst>
+                                        </p:cTn>
+                                        <p:tgtEl>
+                                          <p:spTgt spid="8"/>
+                                        </p:tgtEl>
+                                        <p:attrNameLst>
+                                          <p:attrName>style.visibility</p:attrName>
+                                        </p:attrNameLst>
+                                      </p:cBhvr>
+                                      <p:to>
+                                        <p:strVal val="visible"/>
+                                      </p:to>
+                                    </p:set>
+                                    <p:anim calcmode="lin" valueType="num">
+                                      <p:cBhvr additive="base">
+                                        <p:cTn id="15" dur="500" fill="hold"/>
+                                        <p:tgtEl>
+                                          <p:spTgt spid="8"/>
+                                        </p:tgtEl>
+                                        <p:attrNameLst>
+                                          <p:attrName>ppt_x</p:attrName>
+                                        </p:attrNameLst>
+                                      </p:cBhvr>
+                                      <p:tavLst>
+                                        <p:tav tm="0">
+                                          <p:val>
+                                            <p:strVal val="#ppt_x"/>
+                                          </p:val>
+                                        </p:tav>
+                                        <p:tav tm="100000">
+                                          <p:val>
+                                            <p:strVal val="#ppt_x"/>
+                                          </p:val>
+                                        </p:tav>
+                                      </p:tavLst>
+                                    </p:anim>
+                                    <p:anim calcmode="lin" valueType="num">
+                                      <p:cBhvr additive="base">
+                                        <p:cTn id="16" dur="500" fill="hold"/>
+                                        <p:tgtEl>
+                                          <p:spTgt spid="8"/>
                                         </p:tgtEl>
                                         <p:attrNameLst>
                                           <p:attrName>ppt_y</p:attrName>

--- a/Notes/2_Quantum_TheoryI.pptx
+++ b/Notes/2_Quantum_TheoryI.pptx
@@ -5,7 +5,7 @@
     <p:sldMasterId id="2147483648" r:id="rId1"/>
   </p:sldMasterIdLst>
   <p:notesMasterIdLst>
-    <p:notesMasterId r:id="rId15"/>
+    <p:notesMasterId r:id="rId19"/>
   </p:notesMasterIdLst>
   <p:sldIdLst>
     <p:sldId id="278" r:id="rId2"/>
@@ -21,6 +21,10 @@
     <p:sldId id="289" r:id="rId12"/>
     <p:sldId id="290" r:id="rId13"/>
     <p:sldId id="287" r:id="rId14"/>
+    <p:sldId id="295" r:id="rId15"/>
+    <p:sldId id="296" r:id="rId16"/>
+    <p:sldId id="293" r:id="rId17"/>
+    <p:sldId id="294" r:id="rId18"/>
   </p:sldIdLst>
   <p:sldSz cx="9144000" cy="6858000" type="screen4x3"/>
   <p:notesSz cx="6858000" cy="9144000"/>
@@ -220,7 +224,7 @@
           <a:p>
             <a:fld id="{47B5508F-B9DA-3A4B-92BF-6A4138802024}" type="datetimeFigureOut">
               <a:rPr lang="en-US" smtClean="0"/>
-              <a:t>9/9/20</a:t>
+              <a:t>9/4/23</a:t>
             </a:fld>
             <a:endParaRPr lang="en-US"/>
           </a:p>
@@ -754,7 +758,7 @@
             <a:fld id="{B2F2B4BC-311C-574E-AB1F-5BCC7E00BDAB}" type="datetimeFigureOut">
               <a:rPr lang="en-US" smtClean="0"/>
               <a:pPr/>
-              <a:t>9/9/20</a:t>
+              <a:t>9/4/23</a:t>
             </a:fld>
             <a:endParaRPr lang="en-US"/>
           </a:p>
@@ -919,7 +923,7 @@
             <a:fld id="{B2F2B4BC-311C-574E-AB1F-5BCC7E00BDAB}" type="datetimeFigureOut">
               <a:rPr lang="en-US" smtClean="0"/>
               <a:pPr/>
-              <a:t>9/9/20</a:t>
+              <a:t>9/4/23</a:t>
             </a:fld>
             <a:endParaRPr lang="en-US"/>
           </a:p>
@@ -1094,7 +1098,7 @@
             <a:fld id="{B2F2B4BC-311C-574E-AB1F-5BCC7E00BDAB}" type="datetimeFigureOut">
               <a:rPr lang="en-US" smtClean="0"/>
               <a:pPr/>
-              <a:t>9/9/20</a:t>
+              <a:t>9/4/23</a:t>
             </a:fld>
             <a:endParaRPr lang="en-US"/>
           </a:p>
@@ -1259,7 +1263,7 @@
             <a:fld id="{B2F2B4BC-311C-574E-AB1F-5BCC7E00BDAB}" type="datetimeFigureOut">
               <a:rPr lang="en-US" smtClean="0"/>
               <a:pPr/>
-              <a:t>9/9/20</a:t>
+              <a:t>9/4/23</a:t>
             </a:fld>
             <a:endParaRPr lang="en-US"/>
           </a:p>
@@ -1501,7 +1505,7 @@
             <a:fld id="{B2F2B4BC-311C-574E-AB1F-5BCC7E00BDAB}" type="datetimeFigureOut">
               <a:rPr lang="en-US" smtClean="0"/>
               <a:pPr/>
-              <a:t>9/9/20</a:t>
+              <a:t>9/4/23</a:t>
             </a:fld>
             <a:endParaRPr lang="en-US"/>
           </a:p>
@@ -1783,7 +1787,7 @@
             <a:fld id="{B2F2B4BC-311C-574E-AB1F-5BCC7E00BDAB}" type="datetimeFigureOut">
               <a:rPr lang="en-US" smtClean="0"/>
               <a:pPr/>
-              <a:t>9/9/20</a:t>
+              <a:t>9/4/23</a:t>
             </a:fld>
             <a:endParaRPr lang="en-US"/>
           </a:p>
@@ -2199,7 +2203,7 @@
             <a:fld id="{B2F2B4BC-311C-574E-AB1F-5BCC7E00BDAB}" type="datetimeFigureOut">
               <a:rPr lang="en-US" smtClean="0"/>
               <a:pPr/>
-              <a:t>9/9/20</a:t>
+              <a:t>9/4/23</a:t>
             </a:fld>
             <a:endParaRPr lang="en-US"/>
           </a:p>
@@ -2313,7 +2317,7 @@
             <a:fld id="{B2F2B4BC-311C-574E-AB1F-5BCC7E00BDAB}" type="datetimeFigureOut">
               <a:rPr lang="en-US" smtClean="0"/>
               <a:pPr/>
-              <a:t>9/9/20</a:t>
+              <a:t>9/4/23</a:t>
             </a:fld>
             <a:endParaRPr lang="en-US"/>
           </a:p>
@@ -2405,7 +2409,7 @@
             <a:fld id="{B2F2B4BC-311C-574E-AB1F-5BCC7E00BDAB}" type="datetimeFigureOut">
               <a:rPr lang="en-US" smtClean="0"/>
               <a:pPr/>
-              <a:t>9/9/20</a:t>
+              <a:t>9/4/23</a:t>
             </a:fld>
             <a:endParaRPr lang="en-US"/>
           </a:p>
@@ -2677,7 +2681,7 @@
             <a:fld id="{B2F2B4BC-311C-574E-AB1F-5BCC7E00BDAB}" type="datetimeFigureOut">
               <a:rPr lang="en-US" smtClean="0"/>
               <a:pPr/>
-              <a:t>9/9/20</a:t>
+              <a:t>9/4/23</a:t>
             </a:fld>
             <a:endParaRPr lang="en-US"/>
           </a:p>
@@ -2926,7 +2930,7 @@
             <a:fld id="{B2F2B4BC-311C-574E-AB1F-5BCC7E00BDAB}" type="datetimeFigureOut">
               <a:rPr lang="en-US" smtClean="0"/>
               <a:pPr/>
-              <a:t>9/9/20</a:t>
+              <a:t>9/4/23</a:t>
             </a:fld>
             <a:endParaRPr lang="en-US"/>
           </a:p>
@@ -3134,7 +3138,7 @@
             <a:fld id="{B2F2B4BC-311C-574E-AB1F-5BCC7E00BDAB}" type="datetimeFigureOut">
               <a:rPr lang="en-US" smtClean="0"/>
               <a:pPr/>
-              <a:t>9/9/20</a:t>
+              <a:t>9/4/23</a:t>
             </a:fld>
             <a:endParaRPr lang="en-US"/>
           </a:p>
@@ -3514,7 +3518,7 @@
           <p:nvPr/>
         </p:nvPicPr>
         <p:blipFill>
-          <a:blip r:embed="rId4"/>
+          <a:blip r:embed="rId3"/>
           <a:srcRect/>
           <a:stretch>
             <a:fillRect/>
@@ -3546,7 +3550,7 @@
           <p:nvPr/>
         </p:nvPicPr>
         <p:blipFill>
-          <a:blip r:embed="rId4"/>
+          <a:blip r:embed="rId3"/>
           <a:srcRect/>
           <a:stretch>
             <a:fillRect/>
@@ -3651,12 +3655,12 @@
           <a:graphicData uri="http://schemas.openxmlformats.org/presentationml/2006/ole">
             <mc:AlternateContent xmlns:mc="http://schemas.openxmlformats.org/markup-compatibility/2006">
               <mc:Choice xmlns:v="urn:schemas-microsoft-com:vml" Requires="v">
-                <p:oleObj spid="_x0000_s45230" r:id="rId5" imgW="723960" imgH="361800" progId="">
+                <p:oleObj r:id="rId4" imgW="723960" imgH="361800" progId="">
                   <p:embed/>
                 </p:oleObj>
               </mc:Choice>
               <mc:Fallback>
-                <p:oleObj r:id="rId5" imgW="723960" imgH="361800" progId="">
+                <p:oleObj r:id="rId4" imgW="723960" imgH="361800" progId="">
                   <p:embed/>
                   <p:pic>
                     <p:nvPicPr>
@@ -3667,7 +3671,7 @@
                       <p:nvPr/>
                     </p:nvPicPr>
                     <p:blipFill>
-                      <a:blip r:embed="rId6">
+                      <a:blip r:embed="rId5">
                         <a:extLst>
                           <a:ext uri="{28A0092B-C50C-407E-A947-70E740481C1C}">
                             <a14:useLocalDpi xmlns:a14="http://schemas.microsoft.com/office/drawing/2010/main" val="0"/>
@@ -3731,12 +3735,12 @@
           <a:graphicData uri="http://schemas.openxmlformats.org/presentationml/2006/ole">
             <mc:AlternateContent xmlns:mc="http://schemas.openxmlformats.org/markup-compatibility/2006">
               <mc:Choice xmlns:v="urn:schemas-microsoft-com:vml" Requires="v">
-                <p:oleObj spid="_x0000_s45231" r:id="rId7" imgW="76320" imgH="181080" progId="">
+                <p:oleObj r:id="rId6" imgW="76320" imgH="181080" progId="">
                   <p:embed/>
                 </p:oleObj>
               </mc:Choice>
               <mc:Fallback>
-                <p:oleObj r:id="rId7" imgW="76320" imgH="181080" progId="">
+                <p:oleObj r:id="rId6" imgW="76320" imgH="181080" progId="">
                   <p:embed/>
                   <p:pic>
                     <p:nvPicPr>
@@ -3747,7 +3751,7 @@
                       <p:nvPr/>
                     </p:nvPicPr>
                     <p:blipFill>
-                      <a:blip r:embed="rId8">
+                      <a:blip r:embed="rId7">
                         <a:extLst>
                           <a:ext uri="{28A0092B-C50C-407E-A947-70E740481C1C}">
                             <a14:useLocalDpi xmlns:a14="http://schemas.microsoft.com/office/drawing/2010/main" val="0"/>
@@ -3798,7 +3802,7 @@
           <p:nvPr/>
         </p:nvPicPr>
         <p:blipFill>
-          <a:blip r:embed="rId9"/>
+          <a:blip r:embed="rId8"/>
           <a:stretch>
             <a:fillRect/>
           </a:stretch>
@@ -7076,6 +7080,721 @@
                     <p:cTn id="3" fill="hold">
                       <p:stCondLst>
                         <p:cond delay="indefinite"/>
+                        <p:cond evt="onBegin" delay="0">
+                          <p:tn val="2"/>
+                        </p:cond>
+                      </p:stCondLst>
+                      <p:childTnLst>
+                        <p:par>
+                          <p:cTn id="4" fill="hold">
+                            <p:stCondLst>
+                              <p:cond delay="0"/>
+                            </p:stCondLst>
+                            <p:childTnLst>
+                              <p:par>
+                                <p:cTn id="5" presetID="2" presetClass="entr" presetSubtype="4" fill="hold" grpId="0" nodeType="withEffect">
+                                  <p:stCondLst>
+                                    <p:cond delay="0"/>
+                                  </p:stCondLst>
+                                  <p:childTnLst>
+                                    <p:set>
+                                      <p:cBhvr>
+                                        <p:cTn id="6" dur="1" fill="hold">
+                                          <p:stCondLst>
+                                            <p:cond delay="0"/>
+                                          </p:stCondLst>
+                                        </p:cTn>
+                                        <p:tgtEl>
+                                          <p:spTgt spid="6"/>
+                                        </p:tgtEl>
+                                        <p:attrNameLst>
+                                          <p:attrName>style.visibility</p:attrName>
+                                        </p:attrNameLst>
+                                      </p:cBhvr>
+                                      <p:to>
+                                        <p:strVal val="visible"/>
+                                      </p:to>
+                                    </p:set>
+                                    <p:anim calcmode="lin" valueType="num">
+                                      <p:cBhvr additive="base">
+                                        <p:cTn id="7" dur="500" fill="hold"/>
+                                        <p:tgtEl>
+                                          <p:spTgt spid="6"/>
+                                        </p:tgtEl>
+                                        <p:attrNameLst>
+                                          <p:attrName>ppt_x</p:attrName>
+                                        </p:attrNameLst>
+                                      </p:cBhvr>
+                                      <p:tavLst>
+                                        <p:tav tm="0">
+                                          <p:val>
+                                            <p:strVal val="#ppt_x"/>
+                                          </p:val>
+                                        </p:tav>
+                                        <p:tav tm="100000">
+                                          <p:val>
+                                            <p:strVal val="#ppt_x"/>
+                                          </p:val>
+                                        </p:tav>
+                                      </p:tavLst>
+                                    </p:anim>
+                                    <p:anim calcmode="lin" valueType="num">
+                                      <p:cBhvr additive="base">
+                                        <p:cTn id="8" dur="500" fill="hold"/>
+                                        <p:tgtEl>
+                                          <p:spTgt spid="6"/>
+                                        </p:tgtEl>
+                                        <p:attrNameLst>
+                                          <p:attrName>ppt_y</p:attrName>
+                                        </p:attrNameLst>
+                                      </p:cBhvr>
+                                      <p:tavLst>
+                                        <p:tav tm="0">
+                                          <p:val>
+                                            <p:strVal val="1+#ppt_h/2"/>
+                                          </p:val>
+                                        </p:tav>
+                                        <p:tav tm="100000">
+                                          <p:val>
+                                            <p:strVal val="#ppt_y"/>
+                                          </p:val>
+                                        </p:tav>
+                                      </p:tavLst>
+                                    </p:anim>
+                                  </p:childTnLst>
+                                </p:cTn>
+                              </p:par>
+                            </p:childTnLst>
+                          </p:cTn>
+                        </p:par>
+                      </p:childTnLst>
+                    </p:cTn>
+                  </p:par>
+                </p:childTnLst>
+              </p:cTn>
+              <p:prevCondLst>
+                <p:cond evt="onPrev" delay="0">
+                  <p:tgtEl>
+                    <p:sldTgt/>
+                  </p:tgtEl>
+                </p:cond>
+              </p:prevCondLst>
+              <p:nextCondLst>
+                <p:cond evt="onNext" delay="0">
+                  <p:tgtEl>
+                    <p:sldTgt/>
+                  </p:tgtEl>
+                </p:cond>
+              </p:nextCondLst>
+            </p:seq>
+          </p:childTnLst>
+        </p:cTn>
+      </p:par>
+    </p:tnLst>
+    <p:bldLst>
+      <p:bldP spid="6" grpId="0" animBg="1"/>
+    </p:bldLst>
+  </p:timing>
+</p:sld>
+</file>
+
+<file path=ppt/slides/slide14.xml><?xml version="1.0" encoding="utf-8"?>
+<p:sld xmlns:a="http://schemas.openxmlformats.org/drawingml/2006/main" xmlns:r="http://schemas.openxmlformats.org/officeDocument/2006/relationships" xmlns:p="http://schemas.openxmlformats.org/presentationml/2006/main">
+  <p:cSld>
+    <p:spTree>
+      <p:nvGrpSpPr>
+        <p:cNvPr id="1" name=""/>
+        <p:cNvGrpSpPr/>
+        <p:nvPr/>
+      </p:nvGrpSpPr>
+      <p:grpSpPr>
+        <a:xfrm>
+          <a:off x="0" y="0"/>
+          <a:ext cx="0" cy="0"/>
+          <a:chOff x="0" y="0"/>
+          <a:chExt cx="0" cy="0"/>
+        </a:xfrm>
+      </p:grpSpPr>
+      <p:pic>
+        <p:nvPicPr>
+          <p:cNvPr id="4" name="Picture 2">
+            <a:extLst>
+              <a:ext uri="{FF2B5EF4-FFF2-40B4-BE49-F238E27FC236}">
+                <a16:creationId xmlns:a16="http://schemas.microsoft.com/office/drawing/2014/main" id="{BF612DB8-088B-256D-7D6E-48DC9173E939}"/>
+              </a:ext>
+            </a:extLst>
+          </p:cNvPr>
+          <p:cNvPicPr>
+            <a:picLocks noChangeAspect="1" noChangeArrowheads="1"/>
+          </p:cNvPicPr>
+          <p:nvPr/>
+        </p:nvPicPr>
+        <p:blipFill>
+          <a:blip r:embed="rId2" cstate="print"/>
+          <a:srcRect/>
+          <a:stretch>
+            <a:fillRect/>
+          </a:stretch>
+        </p:blipFill>
+        <p:spPr bwMode="auto">
+          <a:xfrm>
+            <a:off x="484188" y="76200"/>
+            <a:ext cx="8202612" cy="239712"/>
+          </a:xfrm>
+          <a:prstGeom prst="rect">
+            <a:avLst/>
+          </a:prstGeom>
+          <a:noFill/>
+          <a:ln w="9525">
+            <a:noFill/>
+            <a:round/>
+            <a:headEnd/>
+            <a:tailEnd/>
+          </a:ln>
+        </p:spPr>
+      </p:pic>
+      <p:sp>
+        <p:nvSpPr>
+          <p:cNvPr id="5" name="Rectangle 4">
+            <a:extLst>
+              <a:ext uri="{FF2B5EF4-FFF2-40B4-BE49-F238E27FC236}">
+                <a16:creationId xmlns:a16="http://schemas.microsoft.com/office/drawing/2014/main" id="{E23D8279-BE12-3745-C62B-ADFDEED00A17}"/>
+              </a:ext>
+            </a:extLst>
+          </p:cNvPr>
+          <p:cNvSpPr>
+            <a:spLocks noChangeArrowheads="1"/>
+          </p:cNvSpPr>
+          <p:nvPr/>
+        </p:nvSpPr>
+        <p:spPr bwMode="auto">
+          <a:xfrm>
+            <a:off x="56093" y="360160"/>
+            <a:ext cx="8991601" cy="519071"/>
+          </a:xfrm>
+          <a:prstGeom prst="rect">
+            <a:avLst/>
+          </a:prstGeom>
+          <a:noFill/>
+          <a:ln w="9525">
+            <a:noFill/>
+            <a:round/>
+            <a:headEnd/>
+            <a:tailEnd/>
+          </a:ln>
+        </p:spPr>
+        <p:txBody>
+          <a:bodyPr lIns="0" tIns="0" rIns="0" bIns="0" anchor="ctr"/>
+          <a:lstStyle/>
+          <a:p>
+            <a:pPr algn="ctr">
+              <a:buClr>
+                <a:srgbClr val="000000"/>
+              </a:buClr>
+              <a:buSzPct val="100000"/>
+              <a:buFont typeface="Times New Roman" pitchFamily="18" charset="0"/>
+              <a:buNone/>
+              <a:tabLst>
+                <a:tab pos="0" algn="l"/>
+                <a:tab pos="914400" algn="l"/>
+                <a:tab pos="1828800" algn="l"/>
+                <a:tab pos="2743200" algn="l"/>
+                <a:tab pos="3657600" algn="l"/>
+                <a:tab pos="4572000" algn="l"/>
+                <a:tab pos="5486400" algn="l"/>
+                <a:tab pos="6400800" algn="l"/>
+                <a:tab pos="7315200" algn="l"/>
+                <a:tab pos="8229600" algn="l"/>
+                <a:tab pos="9144000" algn="l"/>
+                <a:tab pos="10058400" algn="l"/>
+              </a:tabLst>
+            </a:pPr>
+            <a:r>
+              <a:rPr lang="en-GB" sz="4000" dirty="0">
+                <a:solidFill>
+                  <a:srgbClr val="000000"/>
+                </a:solidFill>
+                <a:latin typeface="Times New Roman" pitchFamily="18" charset="0"/>
+              </a:rPr>
+              <a:t>Example</a:t>
+            </a:r>
+          </a:p>
+        </p:txBody>
+      </p:sp>
+      <p:sp>
+        <p:nvSpPr>
+          <p:cNvPr id="2" name="Rectangle 1">
+            <a:extLst>
+              <a:ext uri="{FF2B5EF4-FFF2-40B4-BE49-F238E27FC236}">
+                <a16:creationId xmlns:a16="http://schemas.microsoft.com/office/drawing/2014/main" id="{093F9D71-CAE7-B21F-E8F6-8F09C3C935F1}"/>
+              </a:ext>
+            </a:extLst>
+          </p:cNvPr>
+          <p:cNvSpPr/>
+          <p:nvPr/>
+        </p:nvSpPr>
+        <p:spPr>
+          <a:xfrm>
+            <a:off x="135468" y="1026306"/>
+            <a:ext cx="8686800" cy="1569660"/>
+          </a:xfrm>
+          <a:prstGeom prst="rect">
+            <a:avLst/>
+          </a:prstGeom>
+        </p:spPr>
+        <p:txBody>
+          <a:bodyPr wrap="square">
+            <a:spAutoFit/>
+          </a:bodyPr>
+          <a:lstStyle/>
+          <a:p>
+            <a:pPr marL="106363">
+              <a:lnSpc>
+                <a:spcPct val="100000"/>
+              </a:lnSpc>
+              <a:spcBef>
+                <a:spcPts val="800"/>
+              </a:spcBef>
+              <a:tabLst>
+                <a:tab pos="430213" algn="l"/>
+                <a:tab pos="1344613" algn="l"/>
+                <a:tab pos="2259013" algn="l"/>
+                <a:tab pos="3173413" algn="l"/>
+                <a:tab pos="4087813" algn="l"/>
+                <a:tab pos="5002213" algn="l"/>
+                <a:tab pos="5916613" algn="l"/>
+                <a:tab pos="6831013" algn="l"/>
+                <a:tab pos="7745413" algn="l"/>
+                <a:tab pos="8659813" algn="l"/>
+                <a:tab pos="9574213" algn="l"/>
+                <a:tab pos="10488613" algn="l"/>
+              </a:tabLst>
+            </a:pPr>
+            <a:r>
+              <a:rPr lang="en-US" sz="2400" dirty="0">
+                <a:solidFill>
+                  <a:srgbClr val="000000"/>
+                </a:solidFill>
+                <a:latin typeface="Times New Roman" pitchFamily="18" charset="0"/>
+              </a:rPr>
+              <a:t>According to the Rayleigh-Jeans eq., how many times more intense should the emitted radiation intensity be at </a:t>
+            </a:r>
+            <a:r>
+              <a:rPr lang="en-US" sz="2400" dirty="0">
+                <a:solidFill>
+                  <a:srgbClr val="000000"/>
+                </a:solidFill>
+                <a:latin typeface="Symbol" pitchFamily="2" charset="2"/>
+              </a:rPr>
+              <a:t>l</a:t>
+            </a:r>
+            <a:r>
+              <a:rPr lang="en-US" sz="2400" dirty="0">
+                <a:solidFill>
+                  <a:srgbClr val="000000"/>
+                </a:solidFill>
+                <a:latin typeface="Times New Roman" pitchFamily="18" charset="0"/>
+              </a:rPr>
+              <a:t> = 300nm (in the UVA), 250nm (in the UVB) and 100nm (in the UVC) vs. </a:t>
+            </a:r>
+            <a:r>
+              <a:rPr lang="en-US" sz="2400" dirty="0">
+                <a:solidFill>
+                  <a:srgbClr val="000000"/>
+                </a:solidFill>
+                <a:latin typeface="Symbol" pitchFamily="2" charset="2"/>
+              </a:rPr>
+              <a:t>l</a:t>
+            </a:r>
+            <a:r>
+              <a:rPr lang="en-US" sz="2400" dirty="0">
+                <a:solidFill>
+                  <a:srgbClr val="000000"/>
+                </a:solidFill>
+                <a:latin typeface="Times New Roman" pitchFamily="18" charset="0"/>
+              </a:rPr>
+              <a:t> = 700nm (red)? The thing emitting radiation is at </a:t>
+            </a:r>
+            <a:r>
+              <a:rPr lang="en-US" sz="2400" i="1" dirty="0">
+                <a:solidFill>
+                  <a:srgbClr val="000000"/>
+                </a:solidFill>
+                <a:latin typeface="Times New Roman" pitchFamily="18" charset="0"/>
+              </a:rPr>
+              <a:t>T</a:t>
+            </a:r>
+            <a:r>
+              <a:rPr lang="en-US" sz="2400" dirty="0">
+                <a:solidFill>
+                  <a:srgbClr val="000000"/>
+                </a:solidFill>
+                <a:latin typeface="Times New Roman" pitchFamily="18" charset="0"/>
+              </a:rPr>
+              <a:t> = 2000K.</a:t>
+            </a:r>
+          </a:p>
+        </p:txBody>
+      </p:sp>
+      <p:sp>
+        <p:nvSpPr>
+          <p:cNvPr id="6" name="Rectangle 5">
+            <a:extLst>
+              <a:ext uri="{FF2B5EF4-FFF2-40B4-BE49-F238E27FC236}">
+                <a16:creationId xmlns:a16="http://schemas.microsoft.com/office/drawing/2014/main" id="{ADC291C9-3440-5BAC-D25F-4FFEA91AE778}"/>
+              </a:ext>
+            </a:extLst>
+          </p:cNvPr>
+          <p:cNvSpPr/>
+          <p:nvPr/>
+        </p:nvSpPr>
+        <p:spPr>
+          <a:xfrm>
+            <a:off x="875791" y="2778210"/>
+            <a:ext cx="7517930" cy="2462213"/>
+          </a:xfrm>
+          <a:prstGeom prst="rect">
+            <a:avLst/>
+          </a:prstGeom>
+          <a:solidFill>
+            <a:srgbClr val="000C78"/>
+          </a:solidFill>
+        </p:spPr>
+        <p:txBody>
+          <a:bodyPr wrap="square">
+            <a:spAutoFit/>
+          </a:bodyPr>
+          <a:lstStyle/>
+          <a:p>
+            <a:r>
+              <a:rPr lang="en-US" sz="1400" dirty="0">
+                <a:solidFill>
+                  <a:schemeClr val="bg1"/>
+                </a:solidFill>
+                <a:latin typeface="Courier"/>
+                <a:cs typeface="Courier"/>
+              </a:rPr>
+              <a:t>library(che302r)</a:t>
+            </a:r>
+          </a:p>
+          <a:p>
+            <a:endParaRPr lang="en-US" sz="1400" dirty="0">
+              <a:solidFill>
+                <a:schemeClr val="bg1"/>
+              </a:solidFill>
+              <a:latin typeface="Courier"/>
+              <a:cs typeface="Courier"/>
+            </a:endParaRPr>
+          </a:p>
+          <a:p>
+            <a:r>
+              <a:rPr lang="en-US" sz="1400" dirty="0">
+                <a:solidFill>
+                  <a:srgbClr val="FFFF00"/>
+                </a:solidFill>
+                <a:latin typeface="Courier"/>
+                <a:cs typeface="Courier"/>
+              </a:rPr>
+              <a:t># Rayleigh-Jeans. Really starts to blow up in the UV:</a:t>
+            </a:r>
+          </a:p>
+          <a:p>
+            <a:r>
+              <a:rPr lang="en-US" sz="1400" dirty="0">
+                <a:solidFill>
+                  <a:schemeClr val="bg1"/>
+                </a:solidFill>
+                <a:latin typeface="Courier"/>
+                <a:cs typeface="Courier"/>
+              </a:rPr>
+              <a:t>TT &lt;- 2000</a:t>
+            </a:r>
+          </a:p>
+          <a:p>
+            <a:r>
+              <a:rPr lang="en-US" sz="1400" dirty="0">
+                <a:solidFill>
+                  <a:schemeClr val="bg1"/>
+                </a:solidFill>
+                <a:latin typeface="Courier"/>
+                <a:cs typeface="Courier"/>
+              </a:rPr>
+              <a:t>(2*cl*kB*TT/((300*1e-9)^4))/(2*cl*kB*TT/((700*1e-9)^4)) </a:t>
+            </a:r>
+            <a:r>
+              <a:rPr lang="en-US" sz="1400" dirty="0">
+                <a:solidFill>
+                  <a:srgbClr val="FFFF00"/>
+                </a:solidFill>
+                <a:latin typeface="Courier"/>
+                <a:cs typeface="Courier"/>
+              </a:rPr>
+              <a:t># UVA vs red</a:t>
+            </a:r>
+          </a:p>
+          <a:p>
+            <a:r>
+              <a:rPr lang="en-US" sz="1400" dirty="0">
+                <a:solidFill>
+                  <a:schemeClr val="bg1"/>
+                </a:solidFill>
+                <a:latin typeface="Courier"/>
+                <a:cs typeface="Courier"/>
+              </a:rPr>
+              <a:t>(2*cl*kB*TT/((250*1e-9)^4))/(2*cl*kB*TT/((700*1e-9)^4)) </a:t>
+            </a:r>
+            <a:r>
+              <a:rPr lang="en-US" sz="1400" dirty="0">
+                <a:solidFill>
+                  <a:srgbClr val="FFFF00"/>
+                </a:solidFill>
+                <a:latin typeface="Courier"/>
+                <a:cs typeface="Courier"/>
+              </a:rPr>
+              <a:t># UVB vs red</a:t>
+            </a:r>
+          </a:p>
+          <a:p>
+            <a:r>
+              <a:rPr lang="en-US" sz="1400" dirty="0">
+                <a:solidFill>
+                  <a:schemeClr val="bg1"/>
+                </a:solidFill>
+                <a:latin typeface="Courier"/>
+                <a:cs typeface="Courier"/>
+              </a:rPr>
+              <a:t>(2*cl*kB*TT/((100*1e-9)^4))/(2*cl*kB*TT/((700*1e-9)^4)) </a:t>
+            </a:r>
+            <a:r>
+              <a:rPr lang="en-US" sz="1400" dirty="0">
+                <a:solidFill>
+                  <a:srgbClr val="FFFF00"/>
+                </a:solidFill>
+                <a:latin typeface="Courier"/>
+                <a:cs typeface="Courier"/>
+              </a:rPr>
+              <a:t># UVC vs red</a:t>
+            </a:r>
+          </a:p>
+          <a:p>
+            <a:endParaRPr lang="en-US" sz="1400" dirty="0">
+              <a:solidFill>
+                <a:schemeClr val="bg1"/>
+              </a:solidFill>
+              <a:latin typeface="Courier"/>
+              <a:cs typeface="Courier"/>
+            </a:endParaRPr>
+          </a:p>
+          <a:p>
+            <a:r>
+              <a:rPr lang="en-US" sz="1400" dirty="0" err="1">
+                <a:solidFill>
+                  <a:schemeClr val="bg1"/>
+                </a:solidFill>
+                <a:latin typeface="Courier"/>
+                <a:cs typeface="Courier"/>
+              </a:rPr>
+              <a:t>lam.ax</a:t>
+            </a:r>
+            <a:r>
+              <a:rPr lang="en-US" sz="1400" dirty="0">
+                <a:solidFill>
+                  <a:schemeClr val="bg1"/>
+                </a:solidFill>
+                <a:latin typeface="Courier"/>
+                <a:cs typeface="Courier"/>
+              </a:rPr>
+              <a:t> &lt;- seq(from=250, 830, </a:t>
+            </a:r>
+            <a:r>
+              <a:rPr lang="en-US" sz="1400" dirty="0" err="1">
+                <a:solidFill>
+                  <a:schemeClr val="bg1"/>
+                </a:solidFill>
+                <a:latin typeface="Courier"/>
+                <a:cs typeface="Courier"/>
+              </a:rPr>
+              <a:t>length.out</a:t>
+            </a:r>
+            <a:r>
+              <a:rPr lang="en-US" sz="1400" dirty="0">
+                <a:solidFill>
+                  <a:schemeClr val="bg1"/>
+                </a:solidFill>
+                <a:latin typeface="Courier"/>
+                <a:cs typeface="Courier"/>
+              </a:rPr>
+              <a:t>=1000) </a:t>
+            </a:r>
+            <a:r>
+              <a:rPr lang="en-US" sz="1400" dirty="0">
+                <a:solidFill>
+                  <a:srgbClr val="FFFF00"/>
+                </a:solidFill>
+                <a:latin typeface="Courier"/>
+                <a:cs typeface="Courier"/>
+              </a:rPr>
+              <a:t># lambda in nm</a:t>
+            </a:r>
+          </a:p>
+          <a:p>
+            <a:r>
+              <a:rPr lang="en-US" sz="1400" dirty="0">
+                <a:solidFill>
+                  <a:schemeClr val="bg1"/>
+                </a:solidFill>
+                <a:latin typeface="Courier"/>
+                <a:cs typeface="Courier"/>
+              </a:rPr>
+              <a:t>rho    &lt;- 2*cl*kB*TT/((</a:t>
+            </a:r>
+            <a:r>
+              <a:rPr lang="en-US" sz="1400" dirty="0" err="1">
+                <a:solidFill>
+                  <a:schemeClr val="bg1"/>
+                </a:solidFill>
+                <a:latin typeface="Courier"/>
+                <a:cs typeface="Courier"/>
+              </a:rPr>
+              <a:t>lam.ax</a:t>
+            </a:r>
+            <a:r>
+              <a:rPr lang="en-US" sz="1400" dirty="0">
+                <a:solidFill>
+                  <a:schemeClr val="bg1"/>
+                </a:solidFill>
+                <a:latin typeface="Courier"/>
+                <a:cs typeface="Courier"/>
+              </a:rPr>
+              <a:t>*1e-9)^4)</a:t>
+            </a:r>
+          </a:p>
+          <a:p>
+            <a:r>
+              <a:rPr lang="en-US" sz="1400" dirty="0">
+                <a:solidFill>
+                  <a:schemeClr val="bg1"/>
+                </a:solidFill>
+                <a:latin typeface="Courier"/>
+                <a:cs typeface="Courier"/>
+              </a:rPr>
+              <a:t>plot(</a:t>
+            </a:r>
+            <a:r>
+              <a:rPr lang="en-US" sz="1400" dirty="0" err="1">
+                <a:solidFill>
+                  <a:schemeClr val="bg1"/>
+                </a:solidFill>
+                <a:latin typeface="Courier"/>
+                <a:cs typeface="Courier"/>
+              </a:rPr>
+              <a:t>lam.ax</a:t>
+            </a:r>
+            <a:r>
+              <a:rPr lang="en-US" sz="1400" dirty="0">
+                <a:solidFill>
+                  <a:schemeClr val="bg1"/>
+                </a:solidFill>
+                <a:latin typeface="Courier"/>
+                <a:cs typeface="Courier"/>
+              </a:rPr>
+              <a:t>, rho, </a:t>
+            </a:r>
+            <a:r>
+              <a:rPr lang="en-US" sz="1400" dirty="0" err="1">
+                <a:solidFill>
+                  <a:schemeClr val="bg1"/>
+                </a:solidFill>
+                <a:latin typeface="Courier"/>
+                <a:cs typeface="Courier"/>
+              </a:rPr>
+              <a:t>xlab</a:t>
+            </a:r>
+            <a:r>
+              <a:rPr lang="en-US" sz="1400" dirty="0">
+                <a:solidFill>
+                  <a:schemeClr val="bg1"/>
+                </a:solidFill>
+                <a:latin typeface="Courier"/>
+                <a:cs typeface="Courier"/>
+              </a:rPr>
+              <a:t>=</a:t>
+            </a:r>
+            <a:r>
+              <a:rPr lang="en-US" sz="1400" dirty="0">
+                <a:solidFill>
+                  <a:srgbClr val="00B050"/>
+                </a:solidFill>
+                <a:latin typeface="Courier"/>
+                <a:cs typeface="Courier"/>
+              </a:rPr>
+              <a:t>"lambda"</a:t>
+            </a:r>
+            <a:r>
+              <a:rPr lang="en-US" sz="1400" dirty="0">
+                <a:solidFill>
+                  <a:schemeClr val="bg1"/>
+                </a:solidFill>
+                <a:latin typeface="Courier"/>
+                <a:cs typeface="Courier"/>
+              </a:rPr>
+              <a:t>)</a:t>
+            </a:r>
+          </a:p>
+        </p:txBody>
+      </p:sp>
+      <p:pic>
+        <p:nvPicPr>
+          <p:cNvPr id="8" name="Picture 7">
+            <a:extLst>
+              <a:ext uri="{FF2B5EF4-FFF2-40B4-BE49-F238E27FC236}">
+                <a16:creationId xmlns:a16="http://schemas.microsoft.com/office/drawing/2014/main" id="{E2F6916B-18D5-97C9-1540-6081B75392D2}"/>
+              </a:ext>
+            </a:extLst>
+          </p:cNvPr>
+          <p:cNvPicPr>
+            <a:picLocks noChangeAspect="1"/>
+          </p:cNvPicPr>
+          <p:nvPr/>
+        </p:nvPicPr>
+        <p:blipFill>
+          <a:blip r:embed="rId3"/>
+          <a:stretch>
+            <a:fillRect/>
+          </a:stretch>
+        </p:blipFill>
+        <p:spPr>
+          <a:xfrm>
+            <a:off x="2004158" y="5560681"/>
+            <a:ext cx="4525596" cy="937159"/>
+          </a:xfrm>
+          <a:prstGeom prst="rect">
+            <a:avLst/>
+          </a:prstGeom>
+        </p:spPr>
+      </p:pic>
+    </p:spTree>
+    <p:extLst>
+      <p:ext uri="{BB962C8B-B14F-4D97-AF65-F5344CB8AC3E}">
+        <p14:creationId xmlns:p14="http://schemas.microsoft.com/office/powerpoint/2010/main" val="930496676"/>
+      </p:ext>
+    </p:extLst>
+  </p:cSld>
+  <p:clrMapOvr>
+    <a:masterClrMapping/>
+  </p:clrMapOvr>
+  <p:timing>
+    <p:tnLst>
+      <p:par>
+        <p:cTn id="1" dur="indefinite" restart="never" nodeType="tmRoot">
+          <p:childTnLst>
+            <p:seq concurrent="1" nextAc="seek">
+              <p:cTn id="2" dur="indefinite" nodeType="mainSeq">
+                <p:childTnLst>
+                  <p:par>
+                    <p:cTn id="3" fill="hold">
+                      <p:stCondLst>
+                        <p:cond delay="indefinite"/>
                       </p:stCondLst>
                       <p:childTnLst>
                         <p:par>
@@ -7157,6 +7876,79 @@
                                   </p:childTnLst>
                                 </p:cTn>
                               </p:par>
+                              <p:par>
+                                <p:cTn id="9" presetID="2" presetClass="entr" presetSubtype="4" fill="hold" nodeType="withEffect">
+                                  <p:stCondLst>
+                                    <p:cond delay="0"/>
+                                  </p:stCondLst>
+                                  <p:childTnLst>
+                                    <p:set>
+                                      <p:cBhvr>
+                                        <p:cTn id="10" dur="1" fill="hold">
+                                          <p:stCondLst>
+                                            <p:cond delay="0"/>
+                                          </p:stCondLst>
+                                        </p:cTn>
+                                        <p:tgtEl>
+                                          <p:spTgt spid="8"/>
+                                        </p:tgtEl>
+                                        <p:attrNameLst>
+                                          <p:attrName>style.visibility</p:attrName>
+                                        </p:attrNameLst>
+                                      </p:cBhvr>
+                                      <p:to>
+                                        <p:strVal val="visible"/>
+                                      </p:to>
+                                    </p:set>
+                                    <p:anim calcmode="lin" valueType="num">
+                                      <p:cBhvr additive="base">
+                                        <p:cTn id="11" dur="500" fill="hold"/>
+                                        <p:tgtEl>
+                                          <p:spTgt spid="8"/>
+                                        </p:tgtEl>
+                                        <p:attrNameLst>
+                                          <p:attrName>ppt_x</p:attrName>
+                                        </p:attrNameLst>
+                                      </p:cBhvr>
+                                      <p:tavLst>
+                                        <p:tav tm="0">
+                                          <p:val>
+                                            <p:strVal val="#ppt_x"/>
+                                          </p:val>
+                                        </p:tav>
+                                        <p:tav tm="100000">
+                                          <p:val>
+                                            <p:strVal val="#ppt_x"/>
+                                          </p:val>
+                                        </p:tav>
+                                      </p:tavLst>
+                                    </p:anim>
+                                    <p:anim calcmode="lin" valueType="num">
+                                      <p:cBhvr additive="base">
+                                        <p:cTn id="12" dur="500" fill="hold"/>
+                                        <p:tgtEl>
+                                          <p:spTgt spid="8"/>
+                                        </p:tgtEl>
+                                        <p:attrNameLst>
+                                          <p:attrName>ppt_y</p:attrName>
+                                        </p:attrNameLst>
+                                      </p:cBhvr>
+                                      <p:tavLst>
+                                        <p:tav tm="0">
+                                          <p:val>
+                                            <p:strVal val="1+#ppt_h/2"/>
+                                          </p:val>
+                                        </p:tav>
+                                        <p:tav tm="100000">
+                                          <p:val>
+                                            <p:strVal val="#ppt_y"/>
+                                          </p:val>
+                                        </p:tav>
+                                      </p:tavLst>
+                                    </p:anim>
+                                  </p:childTnLst>
+                                </p:cTn>
+                              </p:par>
                             </p:childTnLst>
                           </p:cTn>
                         </p:par>
@@ -7187,6 +7979,1195 @@
     <p:bldLst>
       <p:bldP spid="6" grpId="0" animBg="1"/>
     </p:bldLst>
+  </p:timing>
+</p:sld>
+</file>
+
+<file path=ppt/slides/slide15.xml><?xml version="1.0" encoding="utf-8"?>
+<p:sld xmlns:a="http://schemas.openxmlformats.org/drawingml/2006/main" xmlns:r="http://schemas.openxmlformats.org/officeDocument/2006/relationships" xmlns:p="http://schemas.openxmlformats.org/presentationml/2006/main">
+  <p:cSld>
+    <p:spTree>
+      <p:nvGrpSpPr>
+        <p:cNvPr id="1" name=""/>
+        <p:cNvGrpSpPr/>
+        <p:nvPr/>
+      </p:nvGrpSpPr>
+      <p:grpSpPr>
+        <a:xfrm>
+          <a:off x="0" y="0"/>
+          <a:ext cx="0" cy="0"/>
+          <a:chOff x="0" y="0"/>
+          <a:chExt cx="0" cy="0"/>
+        </a:xfrm>
+      </p:grpSpPr>
+      <p:pic>
+        <p:nvPicPr>
+          <p:cNvPr id="4" name="Picture 2">
+            <a:extLst>
+              <a:ext uri="{FF2B5EF4-FFF2-40B4-BE49-F238E27FC236}">
+                <a16:creationId xmlns:a16="http://schemas.microsoft.com/office/drawing/2014/main" id="{6478CBB3-AEDC-AD39-A824-16FC23EEEC1C}"/>
+              </a:ext>
+            </a:extLst>
+          </p:cNvPr>
+          <p:cNvPicPr>
+            <a:picLocks noChangeAspect="1" noChangeArrowheads="1"/>
+          </p:cNvPicPr>
+          <p:nvPr/>
+        </p:nvPicPr>
+        <p:blipFill>
+          <a:blip r:embed="rId2" cstate="print"/>
+          <a:srcRect/>
+          <a:stretch>
+            <a:fillRect/>
+          </a:stretch>
+        </p:blipFill>
+        <p:spPr bwMode="auto">
+          <a:xfrm>
+            <a:off x="484188" y="76200"/>
+            <a:ext cx="8202612" cy="239712"/>
+          </a:xfrm>
+          <a:prstGeom prst="rect">
+            <a:avLst/>
+          </a:prstGeom>
+          <a:noFill/>
+          <a:ln w="9525">
+            <a:noFill/>
+            <a:round/>
+            <a:headEnd/>
+            <a:tailEnd/>
+          </a:ln>
+        </p:spPr>
+      </p:pic>
+      <p:pic>
+        <p:nvPicPr>
+          <p:cNvPr id="5" name="Picture 4">
+            <a:extLst>
+              <a:ext uri="{FF2B5EF4-FFF2-40B4-BE49-F238E27FC236}">
+                <a16:creationId xmlns:a16="http://schemas.microsoft.com/office/drawing/2014/main" id="{470B9CCD-B125-272F-096D-9C5682CCC266}"/>
+              </a:ext>
+            </a:extLst>
+          </p:cNvPr>
+          <p:cNvPicPr>
+            <a:picLocks noChangeAspect="1"/>
+          </p:cNvPicPr>
+          <p:nvPr/>
+        </p:nvPicPr>
+        <p:blipFill>
+          <a:blip r:embed="rId3"/>
+          <a:stretch>
+            <a:fillRect/>
+          </a:stretch>
+        </p:blipFill>
+        <p:spPr>
+          <a:xfrm>
+            <a:off x="972047" y="1554161"/>
+            <a:ext cx="6836011" cy="4617427"/>
+          </a:xfrm>
+          <a:prstGeom prst="rect">
+            <a:avLst/>
+          </a:prstGeom>
+        </p:spPr>
+      </p:pic>
+    </p:spTree>
+    <p:extLst>
+      <p:ext uri="{BB962C8B-B14F-4D97-AF65-F5344CB8AC3E}">
+        <p14:creationId xmlns:p14="http://schemas.microsoft.com/office/powerpoint/2010/main" val="3411876459"/>
+      </p:ext>
+    </p:extLst>
+  </p:cSld>
+  <p:clrMapOvr>
+    <a:masterClrMapping/>
+  </p:clrMapOvr>
+</p:sld>
+</file>
+
+<file path=ppt/slides/slide16.xml><?xml version="1.0" encoding="utf-8"?>
+<p:sld xmlns:a="http://schemas.openxmlformats.org/drawingml/2006/main" xmlns:r="http://schemas.openxmlformats.org/officeDocument/2006/relationships" xmlns:p="http://schemas.openxmlformats.org/presentationml/2006/main">
+  <p:cSld>
+    <p:spTree>
+      <p:nvGrpSpPr>
+        <p:cNvPr id="1" name=""/>
+        <p:cNvGrpSpPr/>
+        <p:nvPr/>
+      </p:nvGrpSpPr>
+      <p:grpSpPr>
+        <a:xfrm>
+          <a:off x="0" y="0"/>
+          <a:ext cx="0" cy="0"/>
+          <a:chOff x="0" y="0"/>
+          <a:chExt cx="0" cy="0"/>
+        </a:xfrm>
+      </p:grpSpPr>
+      <p:pic>
+        <p:nvPicPr>
+          <p:cNvPr id="4" name="Picture 2">
+            <a:extLst>
+              <a:ext uri="{FF2B5EF4-FFF2-40B4-BE49-F238E27FC236}">
+                <a16:creationId xmlns:a16="http://schemas.microsoft.com/office/drawing/2014/main" id="{BF612DB8-088B-256D-7D6E-48DC9173E939}"/>
+              </a:ext>
+            </a:extLst>
+          </p:cNvPr>
+          <p:cNvPicPr>
+            <a:picLocks noChangeAspect="1" noChangeArrowheads="1"/>
+          </p:cNvPicPr>
+          <p:nvPr/>
+        </p:nvPicPr>
+        <p:blipFill>
+          <a:blip r:embed="rId2" cstate="print"/>
+          <a:srcRect/>
+          <a:stretch>
+            <a:fillRect/>
+          </a:stretch>
+        </p:blipFill>
+        <p:spPr bwMode="auto">
+          <a:xfrm>
+            <a:off x="484188" y="76200"/>
+            <a:ext cx="8202612" cy="239712"/>
+          </a:xfrm>
+          <a:prstGeom prst="rect">
+            <a:avLst/>
+          </a:prstGeom>
+          <a:noFill/>
+          <a:ln w="9525">
+            <a:noFill/>
+            <a:round/>
+            <a:headEnd/>
+            <a:tailEnd/>
+          </a:ln>
+        </p:spPr>
+      </p:pic>
+      <p:sp>
+        <p:nvSpPr>
+          <p:cNvPr id="5" name="Rectangle 4">
+            <a:extLst>
+              <a:ext uri="{FF2B5EF4-FFF2-40B4-BE49-F238E27FC236}">
+                <a16:creationId xmlns:a16="http://schemas.microsoft.com/office/drawing/2014/main" id="{E23D8279-BE12-3745-C62B-ADFDEED00A17}"/>
+              </a:ext>
+            </a:extLst>
+          </p:cNvPr>
+          <p:cNvSpPr>
+            <a:spLocks noChangeArrowheads="1"/>
+          </p:cNvSpPr>
+          <p:nvPr/>
+        </p:nvSpPr>
+        <p:spPr bwMode="auto">
+          <a:xfrm>
+            <a:off x="56093" y="465667"/>
+            <a:ext cx="8991601" cy="1127125"/>
+          </a:xfrm>
+          <a:prstGeom prst="rect">
+            <a:avLst/>
+          </a:prstGeom>
+          <a:noFill/>
+          <a:ln w="9525">
+            <a:noFill/>
+            <a:round/>
+            <a:headEnd/>
+            <a:tailEnd/>
+          </a:ln>
+        </p:spPr>
+        <p:txBody>
+          <a:bodyPr lIns="0" tIns="0" rIns="0" bIns="0" anchor="ctr"/>
+          <a:lstStyle/>
+          <a:p>
+            <a:pPr algn="ctr">
+              <a:buClr>
+                <a:srgbClr val="000000"/>
+              </a:buClr>
+              <a:buSzPct val="100000"/>
+              <a:buFont typeface="Times New Roman" pitchFamily="18" charset="0"/>
+              <a:buNone/>
+              <a:tabLst>
+                <a:tab pos="0" algn="l"/>
+                <a:tab pos="914400" algn="l"/>
+                <a:tab pos="1828800" algn="l"/>
+                <a:tab pos="2743200" algn="l"/>
+                <a:tab pos="3657600" algn="l"/>
+                <a:tab pos="4572000" algn="l"/>
+                <a:tab pos="5486400" algn="l"/>
+                <a:tab pos="6400800" algn="l"/>
+                <a:tab pos="7315200" algn="l"/>
+                <a:tab pos="8229600" algn="l"/>
+                <a:tab pos="9144000" algn="l"/>
+                <a:tab pos="10058400" algn="l"/>
+              </a:tabLst>
+            </a:pPr>
+            <a:r>
+              <a:rPr lang="en-GB" sz="4000" dirty="0">
+                <a:solidFill>
+                  <a:srgbClr val="000000"/>
+                </a:solidFill>
+                <a:latin typeface="Times New Roman" pitchFamily="18" charset="0"/>
+              </a:rPr>
+              <a:t>Example</a:t>
+            </a:r>
+          </a:p>
+        </p:txBody>
+      </p:sp>
+      <p:sp>
+        <p:nvSpPr>
+          <p:cNvPr id="2" name="Rectangle 1">
+            <a:extLst>
+              <a:ext uri="{FF2B5EF4-FFF2-40B4-BE49-F238E27FC236}">
+                <a16:creationId xmlns:a16="http://schemas.microsoft.com/office/drawing/2014/main" id="{093F9D71-CAE7-B21F-E8F6-8F09C3C935F1}"/>
+              </a:ext>
+            </a:extLst>
+          </p:cNvPr>
+          <p:cNvSpPr/>
+          <p:nvPr/>
+        </p:nvSpPr>
+        <p:spPr>
+          <a:xfrm>
+            <a:off x="135468" y="1659348"/>
+            <a:ext cx="8686800" cy="461665"/>
+          </a:xfrm>
+          <a:prstGeom prst="rect">
+            <a:avLst/>
+          </a:prstGeom>
+        </p:spPr>
+        <p:txBody>
+          <a:bodyPr wrap="square">
+            <a:spAutoFit/>
+          </a:bodyPr>
+          <a:lstStyle/>
+          <a:p>
+            <a:pPr marL="106363">
+              <a:lnSpc>
+                <a:spcPct val="100000"/>
+              </a:lnSpc>
+              <a:spcBef>
+                <a:spcPts val="800"/>
+              </a:spcBef>
+              <a:tabLst>
+                <a:tab pos="430213" algn="l"/>
+                <a:tab pos="1344613" algn="l"/>
+                <a:tab pos="2259013" algn="l"/>
+                <a:tab pos="3173413" algn="l"/>
+                <a:tab pos="4087813" algn="l"/>
+                <a:tab pos="5002213" algn="l"/>
+                <a:tab pos="5916613" algn="l"/>
+                <a:tab pos="6831013" algn="l"/>
+                <a:tab pos="7745413" algn="l"/>
+                <a:tab pos="8659813" algn="l"/>
+                <a:tab pos="9574213" algn="l"/>
+                <a:tab pos="10488613" algn="l"/>
+              </a:tabLst>
+            </a:pPr>
+            <a:r>
+              <a:rPr lang="en-US" sz="2400" dirty="0">
+                <a:solidFill>
+                  <a:srgbClr val="000000"/>
+                </a:solidFill>
+                <a:latin typeface="Times New Roman" pitchFamily="18" charset="0"/>
+              </a:rPr>
+              <a:t>According to Wein’s eq.,  at any temperature T </a:t>
+            </a:r>
+            <a:r>
+              <a:rPr lang="en-US" sz="2400" dirty="0" err="1">
+                <a:solidFill>
+                  <a:srgbClr val="000000"/>
+                </a:solidFill>
+                <a:latin typeface="Symbol" pitchFamily="2" charset="2"/>
+              </a:rPr>
+              <a:t>l</a:t>
+            </a:r>
+            <a:r>
+              <a:rPr lang="en-US" sz="2400" baseline="-25000" dirty="0" err="1">
+                <a:solidFill>
+                  <a:srgbClr val="000000"/>
+                </a:solidFill>
+                <a:latin typeface="Times New Roman" pitchFamily="18" charset="0"/>
+              </a:rPr>
+              <a:t>max</a:t>
+            </a:r>
+            <a:r>
+              <a:rPr lang="en-US" sz="2400" dirty="0">
+                <a:solidFill>
+                  <a:srgbClr val="000000"/>
+                </a:solidFill>
+                <a:latin typeface="Times New Roman" pitchFamily="18" charset="0"/>
+              </a:rPr>
+              <a:t> occurs at: </a:t>
+            </a:r>
+          </a:p>
+        </p:txBody>
+      </p:sp>
+      <p:pic>
+        <p:nvPicPr>
+          <p:cNvPr id="3" name="Picture 2">
+            <a:extLst>
+              <a:ext uri="{FF2B5EF4-FFF2-40B4-BE49-F238E27FC236}">
+                <a16:creationId xmlns:a16="http://schemas.microsoft.com/office/drawing/2014/main" id="{F123D61D-89BB-1983-0C01-39226C7864E1}"/>
+              </a:ext>
+            </a:extLst>
+          </p:cNvPr>
+          <p:cNvPicPr>
+            <a:picLocks noChangeAspect="1"/>
+          </p:cNvPicPr>
+          <p:nvPr/>
+        </p:nvPicPr>
+        <p:blipFill>
+          <a:blip r:embed="rId3"/>
+          <a:stretch>
+            <a:fillRect/>
+          </a:stretch>
+        </p:blipFill>
+        <p:spPr>
+          <a:xfrm>
+            <a:off x="3214613" y="2358111"/>
+            <a:ext cx="1813610" cy="677985"/>
+          </a:xfrm>
+          <a:prstGeom prst="rect">
+            <a:avLst/>
+          </a:prstGeom>
+        </p:spPr>
+      </p:pic>
+      <p:sp>
+        <p:nvSpPr>
+          <p:cNvPr id="7" name="Rectangle 6">
+            <a:extLst>
+              <a:ext uri="{FF2B5EF4-FFF2-40B4-BE49-F238E27FC236}">
+                <a16:creationId xmlns:a16="http://schemas.microsoft.com/office/drawing/2014/main" id="{B8352098-108B-63B9-23BA-8EE91B41C9CF}"/>
+              </a:ext>
+            </a:extLst>
+          </p:cNvPr>
+          <p:cNvSpPr/>
+          <p:nvPr/>
+        </p:nvSpPr>
+        <p:spPr>
+          <a:xfrm>
+            <a:off x="255385" y="3606461"/>
+            <a:ext cx="8279015" cy="1313180"/>
+          </a:xfrm>
+          <a:prstGeom prst="rect">
+            <a:avLst/>
+          </a:prstGeom>
+        </p:spPr>
+        <p:txBody>
+          <a:bodyPr wrap="square">
+            <a:spAutoFit/>
+          </a:bodyPr>
+          <a:lstStyle/>
+          <a:p>
+            <a:pPr marL="563563" indent="-457200">
+              <a:lnSpc>
+                <a:spcPct val="100000"/>
+              </a:lnSpc>
+              <a:spcBef>
+                <a:spcPts val="800"/>
+              </a:spcBef>
+              <a:buAutoNum type="alphaLcPeriod"/>
+              <a:tabLst>
+                <a:tab pos="430213" algn="l"/>
+                <a:tab pos="1344613" algn="l"/>
+                <a:tab pos="2259013" algn="l"/>
+                <a:tab pos="3173413" algn="l"/>
+                <a:tab pos="4087813" algn="l"/>
+                <a:tab pos="5002213" algn="l"/>
+                <a:tab pos="5916613" algn="l"/>
+                <a:tab pos="6831013" algn="l"/>
+                <a:tab pos="7745413" algn="l"/>
+                <a:tab pos="8659813" algn="l"/>
+                <a:tab pos="9574213" algn="l"/>
+                <a:tab pos="10488613" algn="l"/>
+              </a:tabLst>
+            </a:pPr>
+            <a:r>
+              <a:rPr lang="en-US" sz="2200" dirty="0">
+                <a:solidFill>
+                  <a:srgbClr val="000000"/>
+                </a:solidFill>
+                <a:latin typeface="Times New Roman" pitchFamily="18" charset="0"/>
+              </a:rPr>
+              <a:t>What are the steps involved for getting the above from Wein’s eq.?</a:t>
+            </a:r>
+          </a:p>
+          <a:p>
+            <a:pPr marL="563563" indent="-457200">
+              <a:lnSpc>
+                <a:spcPct val="100000"/>
+              </a:lnSpc>
+              <a:spcBef>
+                <a:spcPts val="800"/>
+              </a:spcBef>
+              <a:buAutoNum type="alphaLcPeriod"/>
+              <a:tabLst>
+                <a:tab pos="430213" algn="l"/>
+                <a:tab pos="1344613" algn="l"/>
+                <a:tab pos="2259013" algn="l"/>
+                <a:tab pos="3173413" algn="l"/>
+                <a:tab pos="4087813" algn="l"/>
+                <a:tab pos="5002213" algn="l"/>
+                <a:tab pos="5916613" algn="l"/>
+                <a:tab pos="6831013" algn="l"/>
+                <a:tab pos="7745413" algn="l"/>
+                <a:tab pos="8659813" algn="l"/>
+                <a:tab pos="9574213" algn="l"/>
+                <a:tab pos="10488613" algn="l"/>
+              </a:tabLst>
+            </a:pPr>
+            <a:r>
+              <a:rPr lang="en-US" sz="2200" dirty="0">
+                <a:solidFill>
+                  <a:srgbClr val="000000"/>
+                </a:solidFill>
+                <a:latin typeface="Times New Roman" pitchFamily="18" charset="0"/>
+              </a:rPr>
+              <a:t>What is </a:t>
+            </a:r>
+            <a:r>
+              <a:rPr lang="en-US" sz="2000" dirty="0" err="1">
+                <a:solidFill>
+                  <a:srgbClr val="000000"/>
+                </a:solidFill>
+                <a:latin typeface="Symbol" pitchFamily="2" charset="2"/>
+              </a:rPr>
+              <a:t>l</a:t>
+            </a:r>
+            <a:r>
+              <a:rPr lang="en-US" sz="2000" baseline="-25000" dirty="0" err="1">
+                <a:solidFill>
+                  <a:srgbClr val="000000"/>
+                </a:solidFill>
+                <a:latin typeface="Times New Roman" pitchFamily="18" charset="0"/>
+              </a:rPr>
+              <a:t>max</a:t>
+            </a:r>
+            <a:r>
+              <a:rPr lang="en-US" sz="2200" dirty="0">
+                <a:solidFill>
+                  <a:srgbClr val="000000"/>
+                </a:solidFill>
+                <a:latin typeface="Times New Roman" pitchFamily="18" charset="0"/>
+              </a:rPr>
+              <a:t> for </a:t>
+            </a:r>
+            <a:r>
+              <a:rPr lang="en-US" sz="2200" i="1" dirty="0">
+                <a:solidFill>
+                  <a:srgbClr val="000000"/>
+                </a:solidFill>
+                <a:latin typeface="Times New Roman" pitchFamily="18" charset="0"/>
+              </a:rPr>
+              <a:t>T</a:t>
+            </a:r>
+            <a:r>
+              <a:rPr lang="en-US" sz="2200" dirty="0">
+                <a:solidFill>
+                  <a:srgbClr val="000000"/>
+                </a:solidFill>
+                <a:latin typeface="Times New Roman" pitchFamily="18" charset="0"/>
+              </a:rPr>
+              <a:t> = 5K, 50K, 500K, 5000K? Units too!</a:t>
+            </a:r>
+          </a:p>
+          <a:p>
+            <a:pPr marL="563563" indent="-457200">
+              <a:lnSpc>
+                <a:spcPct val="100000"/>
+              </a:lnSpc>
+              <a:spcBef>
+                <a:spcPts val="800"/>
+              </a:spcBef>
+              <a:buAutoNum type="alphaLcPeriod"/>
+              <a:tabLst>
+                <a:tab pos="430213" algn="l"/>
+                <a:tab pos="1344613" algn="l"/>
+                <a:tab pos="2259013" algn="l"/>
+                <a:tab pos="3173413" algn="l"/>
+                <a:tab pos="4087813" algn="l"/>
+                <a:tab pos="5002213" algn="l"/>
+                <a:tab pos="5916613" algn="l"/>
+                <a:tab pos="6831013" algn="l"/>
+                <a:tab pos="7745413" algn="l"/>
+                <a:tab pos="8659813" algn="l"/>
+                <a:tab pos="9574213" algn="l"/>
+                <a:tab pos="10488613" algn="l"/>
+              </a:tabLst>
+            </a:pPr>
+            <a:r>
+              <a:rPr lang="en-US" sz="2200" dirty="0">
+                <a:solidFill>
+                  <a:srgbClr val="000000"/>
+                </a:solidFill>
+                <a:latin typeface="Times New Roman" pitchFamily="18" charset="0"/>
+              </a:rPr>
+              <a:t>What does </a:t>
+            </a:r>
+            <a:r>
+              <a:rPr lang="en-US" sz="2000" dirty="0" err="1">
+                <a:solidFill>
+                  <a:srgbClr val="000000"/>
+                </a:solidFill>
+                <a:latin typeface="Symbol" pitchFamily="2" charset="2"/>
+              </a:rPr>
+              <a:t>l</a:t>
+            </a:r>
+            <a:r>
+              <a:rPr lang="en-US" sz="2000" baseline="-25000" dirty="0" err="1">
+                <a:solidFill>
+                  <a:srgbClr val="000000"/>
+                </a:solidFill>
+                <a:latin typeface="Times New Roman" pitchFamily="18" charset="0"/>
+              </a:rPr>
+              <a:t>max</a:t>
+            </a:r>
+            <a:r>
+              <a:rPr lang="en-US" sz="2200" dirty="0">
+                <a:solidFill>
+                  <a:srgbClr val="000000"/>
+                </a:solidFill>
+                <a:latin typeface="Times New Roman" pitchFamily="18" charset="0"/>
+              </a:rPr>
+              <a:t> appear to be doing as temperature increases?</a:t>
+            </a:r>
+          </a:p>
+        </p:txBody>
+      </p:sp>
+    </p:spTree>
+    <p:extLst>
+      <p:ext uri="{BB962C8B-B14F-4D97-AF65-F5344CB8AC3E}">
+        <p14:creationId xmlns:p14="http://schemas.microsoft.com/office/powerpoint/2010/main" val="3820561683"/>
+      </p:ext>
+    </p:extLst>
+  </p:cSld>
+  <p:clrMapOvr>
+    <a:masterClrMapping/>
+  </p:clrMapOvr>
+</p:sld>
+</file>
+
+<file path=ppt/slides/slide17.xml><?xml version="1.0" encoding="utf-8"?>
+<p:sld xmlns:a="http://schemas.openxmlformats.org/drawingml/2006/main" xmlns:r="http://schemas.openxmlformats.org/officeDocument/2006/relationships" xmlns:p="http://schemas.openxmlformats.org/presentationml/2006/main">
+  <p:cSld>
+    <p:spTree>
+      <p:nvGrpSpPr>
+        <p:cNvPr id="1" name=""/>
+        <p:cNvGrpSpPr/>
+        <p:nvPr/>
+      </p:nvGrpSpPr>
+      <p:grpSpPr>
+        <a:xfrm>
+          <a:off x="0" y="0"/>
+          <a:ext cx="0" cy="0"/>
+          <a:chOff x="0" y="0"/>
+          <a:chExt cx="0" cy="0"/>
+        </a:xfrm>
+      </p:grpSpPr>
+      <p:pic>
+        <p:nvPicPr>
+          <p:cNvPr id="4" name="Picture 2">
+            <a:extLst>
+              <a:ext uri="{FF2B5EF4-FFF2-40B4-BE49-F238E27FC236}">
+                <a16:creationId xmlns:a16="http://schemas.microsoft.com/office/drawing/2014/main" id="{BF612DB8-088B-256D-7D6E-48DC9173E939}"/>
+              </a:ext>
+            </a:extLst>
+          </p:cNvPr>
+          <p:cNvPicPr>
+            <a:picLocks noChangeAspect="1" noChangeArrowheads="1"/>
+          </p:cNvPicPr>
+          <p:nvPr/>
+        </p:nvPicPr>
+        <p:blipFill>
+          <a:blip r:embed="rId2" cstate="print"/>
+          <a:srcRect/>
+          <a:stretch>
+            <a:fillRect/>
+          </a:stretch>
+        </p:blipFill>
+        <p:spPr bwMode="auto">
+          <a:xfrm>
+            <a:off x="484188" y="76200"/>
+            <a:ext cx="8202612" cy="239712"/>
+          </a:xfrm>
+          <a:prstGeom prst="rect">
+            <a:avLst/>
+          </a:prstGeom>
+          <a:noFill/>
+          <a:ln w="9525">
+            <a:noFill/>
+            <a:round/>
+            <a:headEnd/>
+            <a:tailEnd/>
+          </a:ln>
+        </p:spPr>
+      </p:pic>
+      <p:sp>
+        <p:nvSpPr>
+          <p:cNvPr id="8" name="Rectangle 7">
+            <a:extLst>
+              <a:ext uri="{FF2B5EF4-FFF2-40B4-BE49-F238E27FC236}">
+                <a16:creationId xmlns:a16="http://schemas.microsoft.com/office/drawing/2014/main" id="{F7D344C5-0CCD-37DE-2B99-8A046BCF4BD3}"/>
+              </a:ext>
+            </a:extLst>
+          </p:cNvPr>
+          <p:cNvSpPr/>
+          <p:nvPr/>
+        </p:nvSpPr>
+        <p:spPr>
+          <a:xfrm>
+            <a:off x="449019" y="454402"/>
+            <a:ext cx="8308119" cy="3416320"/>
+          </a:xfrm>
+          <a:prstGeom prst="rect">
+            <a:avLst/>
+          </a:prstGeom>
+          <a:solidFill>
+            <a:srgbClr val="000C78"/>
+          </a:solidFill>
+        </p:spPr>
+        <p:txBody>
+          <a:bodyPr wrap="square">
+            <a:spAutoFit/>
+          </a:bodyPr>
+          <a:lstStyle/>
+          <a:p>
+            <a:r>
+              <a:rPr lang="en-US" dirty="0">
+                <a:solidFill>
+                  <a:schemeClr val="bg1"/>
+                </a:solidFill>
+                <a:latin typeface="Courier"/>
+                <a:cs typeface="Courier"/>
+              </a:rPr>
+              <a:t>library(che302r)</a:t>
+            </a:r>
+          </a:p>
+          <a:p>
+            <a:endParaRPr lang="en-US" dirty="0">
+              <a:solidFill>
+                <a:schemeClr val="bg1"/>
+              </a:solidFill>
+              <a:latin typeface="Courier"/>
+              <a:cs typeface="Courier"/>
+            </a:endParaRPr>
+          </a:p>
+          <a:p>
+            <a:r>
+              <a:rPr lang="en-US" dirty="0">
+                <a:solidFill>
+                  <a:schemeClr val="bg1"/>
+                </a:solidFill>
+                <a:latin typeface="Courier"/>
+                <a:cs typeface="Courier"/>
+              </a:rPr>
+              <a:t>b  &lt;- (h * cl)/(5 * kB)</a:t>
+            </a:r>
+          </a:p>
+          <a:p>
+            <a:r>
+              <a:rPr lang="en-US" dirty="0">
+                <a:solidFill>
+                  <a:schemeClr val="bg1"/>
+                </a:solidFill>
+                <a:latin typeface="Courier"/>
+                <a:cs typeface="Courier"/>
+              </a:rPr>
+              <a:t>Ts &lt;- c(5, 50, 500, 5000)</a:t>
+            </a:r>
+          </a:p>
+          <a:p>
+            <a:endParaRPr lang="en-US" dirty="0">
+              <a:solidFill>
+                <a:schemeClr val="bg1"/>
+              </a:solidFill>
+              <a:latin typeface="Courier"/>
+              <a:cs typeface="Courier"/>
+            </a:endParaRPr>
+          </a:p>
+          <a:p>
+            <a:r>
+              <a:rPr lang="en-US" dirty="0">
+                <a:solidFill>
+                  <a:srgbClr val="FFFF00"/>
+                </a:solidFill>
+                <a:latin typeface="Courier"/>
+                <a:cs typeface="Courier"/>
+              </a:rPr>
+              <a:t># Wein's "displacement" law:</a:t>
+            </a:r>
+          </a:p>
+          <a:p>
+            <a:r>
+              <a:rPr lang="en-US" dirty="0">
+                <a:solidFill>
+                  <a:schemeClr val="bg1"/>
+                </a:solidFill>
+                <a:latin typeface="Courier"/>
+                <a:cs typeface="Courier"/>
+              </a:rPr>
+              <a:t>b/Ts * 1e9 </a:t>
+            </a:r>
+            <a:r>
+              <a:rPr lang="en-US" dirty="0">
+                <a:solidFill>
+                  <a:srgbClr val="FFFF00"/>
+                </a:solidFill>
+                <a:latin typeface="Courier"/>
+                <a:cs typeface="Courier"/>
+              </a:rPr>
+              <a:t># lambda units: nm</a:t>
+            </a:r>
+          </a:p>
+          <a:p>
+            <a:endParaRPr lang="en-US" dirty="0">
+              <a:solidFill>
+                <a:schemeClr val="bg1"/>
+              </a:solidFill>
+              <a:latin typeface="Courier"/>
+              <a:cs typeface="Courier"/>
+            </a:endParaRPr>
+          </a:p>
+          <a:p>
+            <a:r>
+              <a:rPr lang="en-US" dirty="0">
+                <a:solidFill>
+                  <a:srgbClr val="FFFF00"/>
+                </a:solidFill>
+                <a:latin typeface="Courier"/>
+                <a:cs typeface="Courier"/>
+              </a:rPr>
+              <a:t># Plot Wein's "displacement" law:</a:t>
+            </a:r>
+            <a:endParaRPr lang="en-US" dirty="0">
+              <a:solidFill>
+                <a:schemeClr val="bg1"/>
+              </a:solidFill>
+              <a:latin typeface="Courier"/>
+              <a:cs typeface="Courier"/>
+            </a:endParaRPr>
+          </a:p>
+          <a:p>
+            <a:r>
+              <a:rPr lang="en-US" dirty="0">
+                <a:solidFill>
+                  <a:schemeClr val="bg1"/>
+                </a:solidFill>
+                <a:latin typeface="Courier"/>
+                <a:cs typeface="Courier"/>
+              </a:rPr>
+              <a:t>Tax     &lt;- seq(from=1, to=2000, </a:t>
+            </a:r>
+            <a:r>
+              <a:rPr lang="en-US" dirty="0" err="1">
+                <a:solidFill>
+                  <a:schemeClr val="bg1"/>
+                </a:solidFill>
+                <a:latin typeface="Courier"/>
+                <a:cs typeface="Courier"/>
+              </a:rPr>
+              <a:t>length.out</a:t>
+            </a:r>
+            <a:r>
+              <a:rPr lang="en-US" dirty="0">
+                <a:solidFill>
+                  <a:schemeClr val="bg1"/>
+                </a:solidFill>
+                <a:latin typeface="Courier"/>
+                <a:cs typeface="Courier"/>
+              </a:rPr>
+              <a:t>=1000)</a:t>
+            </a:r>
+          </a:p>
+          <a:p>
+            <a:r>
+              <a:rPr lang="en-US" dirty="0" err="1">
+                <a:solidFill>
+                  <a:schemeClr val="bg1"/>
+                </a:solidFill>
+                <a:latin typeface="Courier"/>
+                <a:cs typeface="Courier"/>
+              </a:rPr>
+              <a:t>lam.max</a:t>
+            </a:r>
+            <a:r>
+              <a:rPr lang="en-US" dirty="0">
+                <a:solidFill>
+                  <a:schemeClr val="bg1"/>
+                </a:solidFill>
+                <a:latin typeface="Courier"/>
+                <a:cs typeface="Courier"/>
+              </a:rPr>
+              <a:t> &lt;- b/Tax</a:t>
+            </a:r>
+          </a:p>
+          <a:p>
+            <a:r>
+              <a:rPr lang="en-US" dirty="0">
+                <a:solidFill>
+                  <a:schemeClr val="bg1"/>
+                </a:solidFill>
+                <a:latin typeface="Courier"/>
+                <a:cs typeface="Courier"/>
+              </a:rPr>
+              <a:t>plot(Tax, </a:t>
+            </a:r>
+            <a:r>
+              <a:rPr lang="en-US" dirty="0" err="1">
+                <a:solidFill>
+                  <a:schemeClr val="bg1"/>
+                </a:solidFill>
+                <a:latin typeface="Courier"/>
+                <a:cs typeface="Courier"/>
+              </a:rPr>
+              <a:t>lam.max</a:t>
+            </a:r>
+            <a:r>
+              <a:rPr lang="en-US" dirty="0">
+                <a:solidFill>
+                  <a:schemeClr val="bg1"/>
+                </a:solidFill>
+                <a:latin typeface="Courier"/>
+                <a:cs typeface="Courier"/>
+              </a:rPr>
+              <a:t>, </a:t>
+            </a:r>
+            <a:r>
+              <a:rPr lang="en-US" dirty="0" err="1">
+                <a:solidFill>
+                  <a:schemeClr val="bg1"/>
+                </a:solidFill>
+                <a:latin typeface="Courier"/>
+                <a:cs typeface="Courier"/>
+              </a:rPr>
+              <a:t>typ</a:t>
+            </a:r>
+            <a:r>
+              <a:rPr lang="en-US" dirty="0">
+                <a:solidFill>
+                  <a:schemeClr val="bg1"/>
+                </a:solidFill>
+                <a:latin typeface="Courier"/>
+                <a:cs typeface="Courier"/>
+              </a:rPr>
+              <a:t>=</a:t>
+            </a:r>
+            <a:r>
+              <a:rPr lang="en-US" dirty="0">
+                <a:solidFill>
+                  <a:srgbClr val="00B050"/>
+                </a:solidFill>
+                <a:latin typeface="Courier"/>
+                <a:cs typeface="Courier"/>
+              </a:rPr>
+              <a:t>"l"</a:t>
+            </a:r>
+            <a:r>
+              <a:rPr lang="en-US" dirty="0">
+                <a:solidFill>
+                  <a:schemeClr val="bg1"/>
+                </a:solidFill>
+                <a:latin typeface="Courier"/>
+                <a:cs typeface="Courier"/>
+              </a:rPr>
+              <a:t>, </a:t>
+            </a:r>
+            <a:r>
+              <a:rPr lang="en-US" dirty="0" err="1">
+                <a:solidFill>
+                  <a:schemeClr val="bg1"/>
+                </a:solidFill>
+                <a:latin typeface="Courier"/>
+                <a:cs typeface="Courier"/>
+              </a:rPr>
+              <a:t>xlab</a:t>
+            </a:r>
+            <a:r>
+              <a:rPr lang="en-US" dirty="0">
+                <a:solidFill>
+                  <a:schemeClr val="bg1"/>
+                </a:solidFill>
+                <a:latin typeface="Courier"/>
+                <a:cs typeface="Courier"/>
+              </a:rPr>
+              <a:t>=</a:t>
+            </a:r>
+            <a:r>
+              <a:rPr lang="en-US" dirty="0">
+                <a:solidFill>
+                  <a:srgbClr val="00B050"/>
+                </a:solidFill>
+                <a:latin typeface="Courier"/>
+                <a:cs typeface="Courier"/>
+              </a:rPr>
+              <a:t>"T"</a:t>
+            </a:r>
+            <a:r>
+              <a:rPr lang="en-US" dirty="0">
+                <a:solidFill>
+                  <a:schemeClr val="bg1"/>
+                </a:solidFill>
+                <a:latin typeface="Courier"/>
+                <a:cs typeface="Courier"/>
+              </a:rPr>
+              <a:t>)</a:t>
+            </a:r>
+          </a:p>
+        </p:txBody>
+      </p:sp>
+      <p:pic>
+        <p:nvPicPr>
+          <p:cNvPr id="9" name="Picture 8">
+            <a:extLst>
+              <a:ext uri="{FF2B5EF4-FFF2-40B4-BE49-F238E27FC236}">
+                <a16:creationId xmlns:a16="http://schemas.microsoft.com/office/drawing/2014/main" id="{C1B2A687-FC31-5A80-6F40-2DC30A9CA051}"/>
+              </a:ext>
+            </a:extLst>
+          </p:cNvPr>
+          <p:cNvPicPr>
+            <a:picLocks noChangeAspect="1"/>
+          </p:cNvPicPr>
+          <p:nvPr/>
+        </p:nvPicPr>
+        <p:blipFill>
+          <a:blip r:embed="rId3"/>
+          <a:stretch>
+            <a:fillRect/>
+          </a:stretch>
+        </p:blipFill>
+        <p:spPr>
+          <a:xfrm>
+            <a:off x="4603078" y="1847993"/>
+            <a:ext cx="4508500" cy="558800"/>
+          </a:xfrm>
+          <a:prstGeom prst="rect">
+            <a:avLst/>
+          </a:prstGeom>
+        </p:spPr>
+      </p:pic>
+      <p:pic>
+        <p:nvPicPr>
+          <p:cNvPr id="10" name="Picture 9">
+            <a:extLst>
+              <a:ext uri="{FF2B5EF4-FFF2-40B4-BE49-F238E27FC236}">
+                <a16:creationId xmlns:a16="http://schemas.microsoft.com/office/drawing/2014/main" id="{4C67F259-3848-54A7-474F-96D4BE549809}"/>
+              </a:ext>
+            </a:extLst>
+          </p:cNvPr>
+          <p:cNvPicPr>
+            <a:picLocks noChangeAspect="1"/>
+          </p:cNvPicPr>
+          <p:nvPr/>
+        </p:nvPicPr>
+        <p:blipFill>
+          <a:blip r:embed="rId4"/>
+          <a:stretch>
+            <a:fillRect/>
+          </a:stretch>
+        </p:blipFill>
+        <p:spPr>
+          <a:xfrm>
+            <a:off x="2274277" y="3929338"/>
+            <a:ext cx="4257861" cy="2916940"/>
+          </a:xfrm>
+          <a:prstGeom prst="rect">
+            <a:avLst/>
+          </a:prstGeom>
+        </p:spPr>
+      </p:pic>
+    </p:spTree>
+    <p:extLst>
+      <p:ext uri="{BB962C8B-B14F-4D97-AF65-F5344CB8AC3E}">
+        <p14:creationId xmlns:p14="http://schemas.microsoft.com/office/powerpoint/2010/main" val="1135145950"/>
+      </p:ext>
+    </p:extLst>
+  </p:cSld>
+  <p:clrMapOvr>
+    <a:masterClrMapping/>
+  </p:clrMapOvr>
+  <p:timing>
+    <p:tnLst>
+      <p:par>
+        <p:cTn id="1" dur="indefinite" restart="never" nodeType="tmRoot">
+          <p:childTnLst>
+            <p:seq concurrent="1" nextAc="seek">
+              <p:cTn id="2" dur="indefinite" nodeType="mainSeq">
+                <p:childTnLst>
+                  <p:par>
+                    <p:cTn id="3" fill="hold">
+                      <p:stCondLst>
+                        <p:cond delay="indefinite"/>
+                      </p:stCondLst>
+                      <p:childTnLst>
+                        <p:par>
+                          <p:cTn id="4" fill="hold">
+                            <p:stCondLst>
+                              <p:cond delay="0"/>
+                            </p:stCondLst>
+                            <p:childTnLst>
+                              <p:par>
+                                <p:cTn id="5" presetID="2" presetClass="entr" presetSubtype="4" fill="hold" nodeType="clickEffect">
+                                  <p:stCondLst>
+                                    <p:cond delay="0"/>
+                                  </p:stCondLst>
+                                  <p:childTnLst>
+                                    <p:set>
+                                      <p:cBhvr>
+                                        <p:cTn id="6" dur="1" fill="hold">
+                                          <p:stCondLst>
+                                            <p:cond delay="0"/>
+                                          </p:stCondLst>
+                                        </p:cTn>
+                                        <p:tgtEl>
+                                          <p:spTgt spid="10"/>
+                                        </p:tgtEl>
+                                        <p:attrNameLst>
+                                          <p:attrName>style.visibility</p:attrName>
+                                        </p:attrNameLst>
+                                      </p:cBhvr>
+                                      <p:to>
+                                        <p:strVal val="visible"/>
+                                      </p:to>
+                                    </p:set>
+                                    <p:anim calcmode="lin" valueType="num">
+                                      <p:cBhvr additive="base">
+                                        <p:cTn id="7" dur="500" fill="hold"/>
+                                        <p:tgtEl>
+                                          <p:spTgt spid="10"/>
+                                        </p:tgtEl>
+                                        <p:attrNameLst>
+                                          <p:attrName>ppt_x</p:attrName>
+                                        </p:attrNameLst>
+                                      </p:cBhvr>
+                                      <p:tavLst>
+                                        <p:tav tm="0">
+                                          <p:val>
+                                            <p:strVal val="#ppt_x"/>
+                                          </p:val>
+                                        </p:tav>
+                                        <p:tav tm="100000">
+                                          <p:val>
+                                            <p:strVal val="#ppt_x"/>
+                                          </p:val>
+                                        </p:tav>
+                                      </p:tavLst>
+                                    </p:anim>
+                                    <p:anim calcmode="lin" valueType="num">
+                                      <p:cBhvr additive="base">
+                                        <p:cTn id="8" dur="500" fill="hold"/>
+                                        <p:tgtEl>
+                                          <p:spTgt spid="10"/>
+                                        </p:tgtEl>
+                                        <p:attrNameLst>
+                                          <p:attrName>ppt_y</p:attrName>
+                                        </p:attrNameLst>
+                                      </p:cBhvr>
+                                      <p:tavLst>
+                                        <p:tav tm="0">
+                                          <p:val>
+                                            <p:strVal val="1+#ppt_h/2"/>
+                                          </p:val>
+                                        </p:tav>
+                                        <p:tav tm="100000">
+                                          <p:val>
+                                            <p:strVal val="#ppt_y"/>
+                                          </p:val>
+                                        </p:tav>
+                                      </p:tavLst>
+                                    </p:anim>
+                                  </p:childTnLst>
+                                </p:cTn>
+                              </p:par>
+                              <p:par>
+                                <p:cTn id="9" presetID="2" presetClass="entr" presetSubtype="4" fill="hold" nodeType="withEffect">
+                                  <p:stCondLst>
+                                    <p:cond delay="0"/>
+                                  </p:stCondLst>
+                                  <p:childTnLst>
+                                    <p:set>
+                                      <p:cBhvr>
+                                        <p:cTn id="10" dur="1" fill="hold">
+                                          <p:stCondLst>
+                                            <p:cond delay="0"/>
+                                          </p:stCondLst>
+                                        </p:cTn>
+                                        <p:tgtEl>
+                                          <p:spTgt spid="9"/>
+                                        </p:tgtEl>
+                                        <p:attrNameLst>
+                                          <p:attrName>style.visibility</p:attrName>
+                                        </p:attrNameLst>
+                                      </p:cBhvr>
+                                      <p:to>
+                                        <p:strVal val="visible"/>
+                                      </p:to>
+                                    </p:set>
+                                    <p:anim calcmode="lin" valueType="num">
+                                      <p:cBhvr additive="base">
+                                        <p:cTn id="11" dur="500" fill="hold"/>
+                                        <p:tgtEl>
+                                          <p:spTgt spid="9"/>
+                                        </p:tgtEl>
+                                        <p:attrNameLst>
+                                          <p:attrName>ppt_x</p:attrName>
+                                        </p:attrNameLst>
+                                      </p:cBhvr>
+                                      <p:tavLst>
+                                        <p:tav tm="0">
+                                          <p:val>
+                                            <p:strVal val="#ppt_x"/>
+                                          </p:val>
+                                        </p:tav>
+                                        <p:tav tm="100000">
+                                          <p:val>
+                                            <p:strVal val="#ppt_x"/>
+                                          </p:val>
+                                        </p:tav>
+                                      </p:tavLst>
+                                    </p:anim>
+                                    <p:anim calcmode="lin" valueType="num">
+                                      <p:cBhvr additive="base">
+                                        <p:cTn id="12" dur="500" fill="hold"/>
+                                        <p:tgtEl>
+                                          <p:spTgt spid="9"/>
+                                        </p:tgtEl>
+                                        <p:attrNameLst>
+                                          <p:attrName>ppt_y</p:attrName>
+                                        </p:attrNameLst>
+                                      </p:cBhvr>
+                                      <p:tavLst>
+                                        <p:tav tm="0">
+                                          <p:val>
+                                            <p:strVal val="1+#ppt_h/2"/>
+                                          </p:val>
+                                        </p:tav>
+                                        <p:tav tm="100000">
+                                          <p:val>
+                                            <p:strVal val="#ppt_y"/>
+                                          </p:val>
+                                        </p:tav>
+                                      </p:tavLst>
+                                    </p:anim>
+                                  </p:childTnLst>
+                                </p:cTn>
+                              </p:par>
+                            </p:childTnLst>
+                          </p:cTn>
+                        </p:par>
+                      </p:childTnLst>
+                    </p:cTn>
+                  </p:par>
+                </p:childTnLst>
+              </p:cTn>
+              <p:prevCondLst>
+                <p:cond evt="onPrev" delay="0">
+                  <p:tgtEl>
+                    <p:sldTgt/>
+                  </p:tgtEl>
+                </p:cond>
+              </p:prevCondLst>
+              <p:nextCondLst>
+                <p:cond evt="onNext" delay="0">
+                  <p:tgtEl>
+                    <p:sldTgt/>
+                  </p:tgtEl>
+                </p:cond>
+              </p:nextCondLst>
+            </p:seq>
+          </p:childTnLst>
+        </p:cTn>
+      </p:par>
+    </p:tnLst>
   </p:timing>
 </p:sld>
 </file>

--- a/Notes/2_Quantum_TheoryI.pptx
+++ b/Notes/2_Quantum_TheoryI.pptx
@@ -224,7 +224,7 @@
           <a:p>
             <a:fld id="{47B5508F-B9DA-3A4B-92BF-6A4138802024}" type="datetimeFigureOut">
               <a:rPr lang="en-US" smtClean="0"/>
-              <a:t>9/4/23</a:t>
+              <a:t>9/5/23</a:t>
             </a:fld>
             <a:endParaRPr lang="en-US"/>
           </a:p>
@@ -758,7 +758,7 @@
             <a:fld id="{B2F2B4BC-311C-574E-AB1F-5BCC7E00BDAB}" type="datetimeFigureOut">
               <a:rPr lang="en-US" smtClean="0"/>
               <a:pPr/>
-              <a:t>9/4/23</a:t>
+              <a:t>9/5/23</a:t>
             </a:fld>
             <a:endParaRPr lang="en-US"/>
           </a:p>
@@ -923,7 +923,7 @@
             <a:fld id="{B2F2B4BC-311C-574E-AB1F-5BCC7E00BDAB}" type="datetimeFigureOut">
               <a:rPr lang="en-US" smtClean="0"/>
               <a:pPr/>
-              <a:t>9/4/23</a:t>
+              <a:t>9/5/23</a:t>
             </a:fld>
             <a:endParaRPr lang="en-US"/>
           </a:p>
@@ -1098,7 +1098,7 @@
             <a:fld id="{B2F2B4BC-311C-574E-AB1F-5BCC7E00BDAB}" type="datetimeFigureOut">
               <a:rPr lang="en-US" smtClean="0"/>
               <a:pPr/>
-              <a:t>9/4/23</a:t>
+              <a:t>9/5/23</a:t>
             </a:fld>
             <a:endParaRPr lang="en-US"/>
           </a:p>
@@ -1263,7 +1263,7 @@
             <a:fld id="{B2F2B4BC-311C-574E-AB1F-5BCC7E00BDAB}" type="datetimeFigureOut">
               <a:rPr lang="en-US" smtClean="0"/>
               <a:pPr/>
-              <a:t>9/4/23</a:t>
+              <a:t>9/5/23</a:t>
             </a:fld>
             <a:endParaRPr lang="en-US"/>
           </a:p>
@@ -1505,7 +1505,7 @@
             <a:fld id="{B2F2B4BC-311C-574E-AB1F-5BCC7E00BDAB}" type="datetimeFigureOut">
               <a:rPr lang="en-US" smtClean="0"/>
               <a:pPr/>
-              <a:t>9/4/23</a:t>
+              <a:t>9/5/23</a:t>
             </a:fld>
             <a:endParaRPr lang="en-US"/>
           </a:p>
@@ -1787,7 +1787,7 @@
             <a:fld id="{B2F2B4BC-311C-574E-AB1F-5BCC7E00BDAB}" type="datetimeFigureOut">
               <a:rPr lang="en-US" smtClean="0"/>
               <a:pPr/>
-              <a:t>9/4/23</a:t>
+              <a:t>9/5/23</a:t>
             </a:fld>
             <a:endParaRPr lang="en-US"/>
           </a:p>
@@ -2203,7 +2203,7 @@
             <a:fld id="{B2F2B4BC-311C-574E-AB1F-5BCC7E00BDAB}" type="datetimeFigureOut">
               <a:rPr lang="en-US" smtClean="0"/>
               <a:pPr/>
-              <a:t>9/4/23</a:t>
+              <a:t>9/5/23</a:t>
             </a:fld>
             <a:endParaRPr lang="en-US"/>
           </a:p>
@@ -2317,7 +2317,7 @@
             <a:fld id="{B2F2B4BC-311C-574E-AB1F-5BCC7E00BDAB}" type="datetimeFigureOut">
               <a:rPr lang="en-US" smtClean="0"/>
               <a:pPr/>
-              <a:t>9/4/23</a:t>
+              <a:t>9/5/23</a:t>
             </a:fld>
             <a:endParaRPr lang="en-US"/>
           </a:p>
@@ -2409,7 +2409,7 @@
             <a:fld id="{B2F2B4BC-311C-574E-AB1F-5BCC7E00BDAB}" type="datetimeFigureOut">
               <a:rPr lang="en-US" smtClean="0"/>
               <a:pPr/>
-              <a:t>9/4/23</a:t>
+              <a:t>9/5/23</a:t>
             </a:fld>
             <a:endParaRPr lang="en-US"/>
           </a:p>
@@ -2681,7 +2681,7 @@
             <a:fld id="{B2F2B4BC-311C-574E-AB1F-5BCC7E00BDAB}" type="datetimeFigureOut">
               <a:rPr lang="en-US" smtClean="0"/>
               <a:pPr/>
-              <a:t>9/4/23</a:t>
+              <a:t>9/5/23</a:t>
             </a:fld>
             <a:endParaRPr lang="en-US"/>
           </a:p>
@@ -2930,7 +2930,7 @@
             <a:fld id="{B2F2B4BC-311C-574E-AB1F-5BCC7E00BDAB}" type="datetimeFigureOut">
               <a:rPr lang="en-US" smtClean="0"/>
               <a:pPr/>
-              <a:t>9/4/23</a:t>
+              <a:t>9/5/23</a:t>
             </a:fld>
             <a:endParaRPr lang="en-US"/>
           </a:p>
@@ -3138,7 +3138,7 @@
             <a:fld id="{B2F2B4BC-311C-574E-AB1F-5BCC7E00BDAB}" type="datetimeFigureOut">
               <a:rPr lang="en-US" smtClean="0"/>
               <a:pPr/>
-              <a:t>9/4/23</a:t>
+              <a:t>9/5/23</a:t>
             </a:fld>
             <a:endParaRPr lang="en-US"/>
           </a:p>
@@ -3694,7 +3694,7 @@
                       <a:noFill/>
                       <a:extLst>
                         <a:ext uri="{909E8E84-426E-40dd-AFC4-6F175D3DCCD1}">
-                          <a14:hiddenFill xmlns="" xmlns:a14="http://schemas.microsoft.com/office/drawing/2010/main">
+                          <a14:hiddenFill xmlns:a14="http://schemas.microsoft.com/office/drawing/2010/main" xmlns="">
                             <a:blipFill dpi="0" rotWithShape="0">
                               <a:blip/>
                               <a:srcRect/>
@@ -3774,7 +3774,7 @@
                       <a:noFill/>
                       <a:extLst>
                         <a:ext uri="{909E8E84-426E-40dd-AFC4-6F175D3DCCD1}">
-                          <a14:hiddenFill xmlns="" xmlns:a14="http://schemas.microsoft.com/office/drawing/2010/main">
+                          <a14:hiddenFill xmlns:a14="http://schemas.microsoft.com/office/drawing/2010/main" xmlns="">
                             <a:blipFill dpi="0" rotWithShape="0">
                               <a:blip/>
                               <a:srcRect/>
@@ -8260,7 +8260,25 @@
                 </a:solidFill>
                 <a:latin typeface="Times New Roman" pitchFamily="18" charset="0"/>
               </a:rPr>
-              <a:t>According to Wein’s eq.,  at any temperature T </a:t>
+              <a:t>According to Wein’s eq.,  at any temperature </a:t>
+            </a:r>
+            <a:r>
+              <a:rPr lang="en-US" sz="2400" i="1" dirty="0">
+                <a:solidFill>
+                  <a:srgbClr val="000000"/>
+                </a:solidFill>
+                <a:latin typeface="Times New Roman" pitchFamily="18" charset="0"/>
+              </a:rPr>
+              <a:t>T</a:t>
+            </a:r>
+            <a:r>
+              <a:rPr lang="en-US" sz="2400" dirty="0">
+                <a:solidFill>
+                  <a:srgbClr val="000000"/>
+                </a:solidFill>
+                <a:latin typeface="Times New Roman" pitchFamily="18" charset="0"/>
+              </a:rPr>
+              <a:t>, </a:t>
             </a:r>
             <a:r>
               <a:rPr lang="en-US" sz="2400" dirty="0" err="1">

--- a/Notes/2_Quantum_TheoryI.pptx
+++ b/Notes/2_Quantum_TheoryI.pptx
@@ -224,7 +224,7 @@
           <a:p>
             <a:fld id="{47B5508F-B9DA-3A4B-92BF-6A4138802024}" type="datetimeFigureOut">
               <a:rPr lang="en-US" smtClean="0"/>
-              <a:t>9/5/23</a:t>
+              <a:t>9/6/24</a:t>
             </a:fld>
             <a:endParaRPr lang="en-US"/>
           </a:p>
@@ -758,7 +758,7 @@
             <a:fld id="{B2F2B4BC-311C-574E-AB1F-5BCC7E00BDAB}" type="datetimeFigureOut">
               <a:rPr lang="en-US" smtClean="0"/>
               <a:pPr/>
-              <a:t>9/5/23</a:t>
+              <a:t>9/6/24</a:t>
             </a:fld>
             <a:endParaRPr lang="en-US"/>
           </a:p>
@@ -923,7 +923,7 @@
             <a:fld id="{B2F2B4BC-311C-574E-AB1F-5BCC7E00BDAB}" type="datetimeFigureOut">
               <a:rPr lang="en-US" smtClean="0"/>
               <a:pPr/>
-              <a:t>9/5/23</a:t>
+              <a:t>9/6/24</a:t>
             </a:fld>
             <a:endParaRPr lang="en-US"/>
           </a:p>
@@ -1098,7 +1098,7 @@
             <a:fld id="{B2F2B4BC-311C-574E-AB1F-5BCC7E00BDAB}" type="datetimeFigureOut">
               <a:rPr lang="en-US" smtClean="0"/>
               <a:pPr/>
-              <a:t>9/5/23</a:t>
+              <a:t>9/6/24</a:t>
             </a:fld>
             <a:endParaRPr lang="en-US"/>
           </a:p>
@@ -1263,7 +1263,7 @@
             <a:fld id="{B2F2B4BC-311C-574E-AB1F-5BCC7E00BDAB}" type="datetimeFigureOut">
               <a:rPr lang="en-US" smtClean="0"/>
               <a:pPr/>
-              <a:t>9/5/23</a:t>
+              <a:t>9/6/24</a:t>
             </a:fld>
             <a:endParaRPr lang="en-US"/>
           </a:p>
@@ -1505,7 +1505,7 @@
             <a:fld id="{B2F2B4BC-311C-574E-AB1F-5BCC7E00BDAB}" type="datetimeFigureOut">
               <a:rPr lang="en-US" smtClean="0"/>
               <a:pPr/>
-              <a:t>9/5/23</a:t>
+              <a:t>9/6/24</a:t>
             </a:fld>
             <a:endParaRPr lang="en-US"/>
           </a:p>
@@ -1787,7 +1787,7 @@
             <a:fld id="{B2F2B4BC-311C-574E-AB1F-5BCC7E00BDAB}" type="datetimeFigureOut">
               <a:rPr lang="en-US" smtClean="0"/>
               <a:pPr/>
-              <a:t>9/5/23</a:t>
+              <a:t>9/6/24</a:t>
             </a:fld>
             <a:endParaRPr lang="en-US"/>
           </a:p>
@@ -2203,7 +2203,7 @@
             <a:fld id="{B2F2B4BC-311C-574E-AB1F-5BCC7E00BDAB}" type="datetimeFigureOut">
               <a:rPr lang="en-US" smtClean="0"/>
               <a:pPr/>
-              <a:t>9/5/23</a:t>
+              <a:t>9/6/24</a:t>
             </a:fld>
             <a:endParaRPr lang="en-US"/>
           </a:p>
@@ -2317,7 +2317,7 @@
             <a:fld id="{B2F2B4BC-311C-574E-AB1F-5BCC7E00BDAB}" type="datetimeFigureOut">
               <a:rPr lang="en-US" smtClean="0"/>
               <a:pPr/>
-              <a:t>9/5/23</a:t>
+              <a:t>9/6/24</a:t>
             </a:fld>
             <a:endParaRPr lang="en-US"/>
           </a:p>
@@ -2409,7 +2409,7 @@
             <a:fld id="{B2F2B4BC-311C-574E-AB1F-5BCC7E00BDAB}" type="datetimeFigureOut">
               <a:rPr lang="en-US" smtClean="0"/>
               <a:pPr/>
-              <a:t>9/5/23</a:t>
+              <a:t>9/6/24</a:t>
             </a:fld>
             <a:endParaRPr lang="en-US"/>
           </a:p>
@@ -2681,7 +2681,7 @@
             <a:fld id="{B2F2B4BC-311C-574E-AB1F-5BCC7E00BDAB}" type="datetimeFigureOut">
               <a:rPr lang="en-US" smtClean="0"/>
               <a:pPr/>
-              <a:t>9/5/23</a:t>
+              <a:t>9/6/24</a:t>
             </a:fld>
             <a:endParaRPr lang="en-US"/>
           </a:p>
@@ -2930,7 +2930,7 @@
             <a:fld id="{B2F2B4BC-311C-574E-AB1F-5BCC7E00BDAB}" type="datetimeFigureOut">
               <a:rPr lang="en-US" smtClean="0"/>
               <a:pPr/>
-              <a:t>9/5/23</a:t>
+              <a:t>9/6/24</a:t>
             </a:fld>
             <a:endParaRPr lang="en-US"/>
           </a:p>
@@ -3138,7 +3138,7 @@
             <a:fld id="{B2F2B4BC-311C-574E-AB1F-5BCC7E00BDAB}" type="datetimeFigureOut">
               <a:rPr lang="en-US" smtClean="0"/>
               <a:pPr/>
-              <a:t>9/5/23</a:t>
+              <a:t>9/6/24</a:t>
             </a:fld>
             <a:endParaRPr lang="en-US"/>
           </a:p>
@@ -3694,7 +3694,7 @@
                       <a:noFill/>
                       <a:extLst>
                         <a:ext uri="{909E8E84-426E-40dd-AFC4-6F175D3DCCD1}">
-                          <a14:hiddenFill xmlns:a14="http://schemas.microsoft.com/office/drawing/2010/main" xmlns="">
+                          <a14:hiddenFill xmlns="" xmlns:a14="http://schemas.microsoft.com/office/drawing/2010/main">
                             <a:blipFill dpi="0" rotWithShape="0">
                               <a:blip/>
                               <a:srcRect/>
@@ -3774,7 +3774,7 @@
                       <a:noFill/>
                       <a:extLst>
                         <a:ext uri="{909E8E84-426E-40dd-AFC4-6F175D3DCCD1}">
-                          <a14:hiddenFill xmlns:a14="http://schemas.microsoft.com/office/drawing/2010/main" xmlns="">
+                          <a14:hiddenFill xmlns="" xmlns:a14="http://schemas.microsoft.com/office/drawing/2010/main">
                             <a:blipFill dpi="0" rotWithShape="0">
                               <a:blip/>
                               <a:srcRect/>
@@ -6492,7 +6492,7 @@
         <p:spPr>
           <a:xfrm>
             <a:off x="135468" y="1745566"/>
-            <a:ext cx="8686800" cy="3559949"/>
+            <a:ext cx="8686800" cy="4154984"/>
           </a:xfrm>
           <a:prstGeom prst="rect">
             <a:avLst/>
@@ -7009,7 +7009,49 @@
                 </a:solidFill>
                 <a:latin typeface="Times New Roman" pitchFamily="18" charset="0"/>
               </a:rPr>
-              <a:t> = frequency</a:t>
+              <a:t> = (time) frequency</a:t>
+            </a:r>
+          </a:p>
+          <a:p>
+            <a:pPr marL="430213" indent="-323850">
+              <a:spcBef>
+                <a:spcPts val="800"/>
+              </a:spcBef>
+              <a:buFont typeface="Times New Roman" pitchFamily="18" charset="0"/>
+              <a:buChar char="•"/>
+              <a:tabLst>
+                <a:tab pos="430213" algn="l"/>
+                <a:tab pos="1344613" algn="l"/>
+                <a:tab pos="2259013" algn="l"/>
+                <a:tab pos="3173413" algn="l"/>
+                <a:tab pos="4087813" algn="l"/>
+                <a:tab pos="5002213" algn="l"/>
+                <a:tab pos="5916613" algn="l"/>
+                <a:tab pos="6831013" algn="l"/>
+                <a:tab pos="7745413" algn="l"/>
+                <a:tab pos="8659813" algn="l"/>
+                <a:tab pos="9574213" algn="l"/>
+                <a:tab pos="10488613" algn="l"/>
+              </a:tabLst>
+            </a:pPr>
+            <a:r>
+              <a:rPr lang="en-US" sz="3200" i="1" dirty="0">
+                <a:solidFill>
+                  <a:srgbClr val="000000"/>
+                </a:solidFill>
+                <a:latin typeface="Symbol" charset="2"/>
+                <a:cs typeface="Symbol" charset="2"/>
+              </a:rPr>
+              <a:t>n</a:t>
+            </a:r>
+            <a:r>
+              <a:rPr lang="en-US" sz="3200" dirty="0">
+                <a:solidFill>
+                  <a:srgbClr val="000000"/>
+                </a:solidFill>
+                <a:latin typeface="Times New Roman" pitchFamily="18" charset="0"/>
+              </a:rPr>
+              <a:t> = (spatial) frequency, wavenumber</a:t>
             </a:r>
           </a:p>
         </p:txBody>
@@ -7023,7 +7065,7 @@
         <p:spPr>
           <a:xfrm>
             <a:off x="135468" y="1676800"/>
-            <a:ext cx="8686800" cy="3815950"/>
+            <a:ext cx="8686800" cy="4223750"/>
           </a:xfrm>
           <a:prstGeom prst="rect">
             <a:avLst/>
@@ -7055,6 +7097,48 @@
           <a:p>
             <a:pPr algn="ctr"/>
             <a:endParaRPr lang="en-US"/>
+          </a:p>
+        </p:txBody>
+      </p:sp>
+      <p:sp>
+        <p:nvSpPr>
+          <p:cNvPr id="2" name="TextBox 1">
+            <a:extLst>
+              <a:ext uri="{FF2B5EF4-FFF2-40B4-BE49-F238E27FC236}">
+                <a16:creationId xmlns:a16="http://schemas.microsoft.com/office/drawing/2014/main" id="{42931AF9-5B1C-DD55-CB1E-D815ED54AA1E}"/>
+              </a:ext>
+            </a:extLst>
+          </p:cNvPr>
+          <p:cNvSpPr txBox="1"/>
+          <p:nvPr/>
+        </p:nvSpPr>
+        <p:spPr>
+          <a:xfrm>
+            <a:off x="656495" y="5205050"/>
+            <a:ext cx="351378" cy="461665"/>
+          </a:xfrm>
+          <a:prstGeom prst="rect">
+            <a:avLst/>
+          </a:prstGeom>
+          <a:noFill/>
+        </p:spPr>
+        <p:txBody>
+          <a:bodyPr wrap="none" rtlCol="0">
+            <a:spAutoFit/>
+          </a:bodyPr>
+          <a:lstStyle/>
+          <a:p>
+            <a:r>
+              <a:rPr lang="en-US" sz="2400" dirty="0">
+                <a:latin typeface="Times New Roman" panose="02020603050405020304" pitchFamily="18" charset="0"/>
+                <a:cs typeface="Times New Roman" panose="02020603050405020304" pitchFamily="18" charset="0"/>
+              </a:rPr>
+              <a:t>~</a:t>
+            </a:r>
+            <a:endParaRPr lang="en-US" dirty="0">
+              <a:latin typeface="Times New Roman" panose="02020603050405020304" pitchFamily="18" charset="0"/>
+              <a:cs typeface="Times New Roman" panose="02020603050405020304" pitchFamily="18" charset="0"/>
+            </a:endParaRPr>
           </a:p>
         </p:txBody>
       </p:sp>

--- a/Notes/2_Quantum_TheoryI.pptx
+++ b/Notes/2_Quantum_TheoryI.pptx
@@ -224,7 +224,7 @@
           <a:p>
             <a:fld id="{47B5508F-B9DA-3A4B-92BF-6A4138802024}" type="datetimeFigureOut">
               <a:rPr lang="en-US" smtClean="0"/>
-              <a:t>9/6/24</a:t>
+              <a:t>2/3/25</a:t>
             </a:fld>
             <a:endParaRPr lang="en-US"/>
           </a:p>
@@ -578,6 +578,117 @@
 </p:notes>
 </file>
 
+<file path=ppt/notesSlides/notesSlide2.xml><?xml version="1.0" encoding="utf-8"?>
+<p:notes xmlns:a="http://schemas.openxmlformats.org/drawingml/2006/main" xmlns:r="http://schemas.openxmlformats.org/officeDocument/2006/relationships" xmlns:p="http://schemas.openxmlformats.org/presentationml/2006/main">
+  <p:cSld>
+    <p:spTree>
+      <p:nvGrpSpPr>
+        <p:cNvPr id="1" name=""/>
+        <p:cNvGrpSpPr/>
+        <p:nvPr/>
+      </p:nvGrpSpPr>
+      <p:grpSpPr>
+        <a:xfrm>
+          <a:off x="0" y="0"/>
+          <a:ext cx="0" cy="0"/>
+          <a:chOff x="0" y="0"/>
+          <a:chExt cx="0" cy="0"/>
+        </a:xfrm>
+      </p:grpSpPr>
+      <p:sp>
+        <p:nvSpPr>
+          <p:cNvPr id="2" name="Slide Image Placeholder 1"/>
+          <p:cNvSpPr>
+            <a:spLocks noGrp="1" noRot="1" noChangeAspect="1"/>
+          </p:cNvSpPr>
+          <p:nvPr>
+            <p:ph type="sldImg"/>
+          </p:nvPr>
+        </p:nvSpPr>
+        <p:spPr/>
+      </p:sp>
+      <p:sp>
+        <p:nvSpPr>
+          <p:cNvPr id="3" name="Notes Placeholder 2"/>
+          <p:cNvSpPr>
+            <a:spLocks noGrp="1"/>
+          </p:cNvSpPr>
+          <p:nvPr>
+            <p:ph type="body" idx="1"/>
+          </p:nvPr>
+        </p:nvSpPr>
+        <p:spPr/>
+        <p:txBody>
+          <a:bodyPr/>
+          <a:lstStyle/>
+          <a:p>
+            <a:r>
+              <a:rPr lang="en-US" dirty="0"/>
+              <a:t>rho = 2 h c^2/lam^5 Exp[h c/(lam kB T)]^-1;</a:t>
+            </a:r>
+          </a:p>
+          <a:p>
+            <a:r>
+              <a:rPr lang="en-US" dirty="0" err="1"/>
+              <a:t>df</a:t>
+            </a:r>
+            <a:r>
+              <a:rPr lang="en-US" dirty="0"/>
+              <a:t> = D[f, lam];</a:t>
+            </a:r>
+          </a:p>
+          <a:p>
+            <a:r>
+              <a:rPr lang="en-US" dirty="0"/>
+              <a:t>Solve[</a:t>
+            </a:r>
+            <a:r>
+              <a:rPr lang="en-US" dirty="0" err="1"/>
+              <a:t>df</a:t>
+            </a:r>
+            <a:r>
+              <a:rPr lang="en-US" dirty="0"/>
+              <a:t> == 0, lam]</a:t>
+            </a:r>
+          </a:p>
+        </p:txBody>
+      </p:sp>
+      <p:sp>
+        <p:nvSpPr>
+          <p:cNvPr id="4" name="Slide Number Placeholder 3"/>
+          <p:cNvSpPr>
+            <a:spLocks noGrp="1"/>
+          </p:cNvSpPr>
+          <p:nvPr>
+            <p:ph type="sldNum" sz="quarter" idx="5"/>
+          </p:nvPr>
+        </p:nvSpPr>
+        <p:spPr/>
+        <p:txBody>
+          <a:bodyPr/>
+          <a:lstStyle/>
+          <a:p>
+            <a:fld id="{03E6FDBA-7020-E442-843C-9E0CA2BD00F7}" type="slidenum">
+              <a:rPr lang="en-US" smtClean="0"/>
+              <a:t>16</a:t>
+            </a:fld>
+            <a:endParaRPr lang="en-US"/>
+          </a:p>
+        </p:txBody>
+      </p:sp>
+    </p:spTree>
+    <p:extLst>
+      <p:ext uri="{BB962C8B-B14F-4D97-AF65-F5344CB8AC3E}">
+        <p14:creationId xmlns:p14="http://schemas.microsoft.com/office/powerpoint/2010/main" val="3499933615"/>
+      </p:ext>
+    </p:extLst>
+  </p:cSld>
+  <p:clrMapOvr>
+    <a:masterClrMapping/>
+  </p:clrMapOvr>
+</p:notes>
+</file>
+
 <file path=ppt/slideLayouts/slideLayout1.xml><?xml version="1.0" encoding="utf-8"?>
 <p:sldLayout xmlns:a="http://schemas.openxmlformats.org/drawingml/2006/main" xmlns:r="http://schemas.openxmlformats.org/officeDocument/2006/relationships" xmlns:p="http://schemas.openxmlformats.org/presentationml/2006/main" type="title" preserve="1">
   <p:cSld name="Title Slide">
@@ -758,7 +869,7 @@
             <a:fld id="{B2F2B4BC-311C-574E-AB1F-5BCC7E00BDAB}" type="datetimeFigureOut">
               <a:rPr lang="en-US" smtClean="0"/>
               <a:pPr/>
-              <a:t>9/6/24</a:t>
+              <a:t>2/3/25</a:t>
             </a:fld>
             <a:endParaRPr lang="en-US"/>
           </a:p>
@@ -923,7 +1034,7 @@
             <a:fld id="{B2F2B4BC-311C-574E-AB1F-5BCC7E00BDAB}" type="datetimeFigureOut">
               <a:rPr lang="en-US" smtClean="0"/>
               <a:pPr/>
-              <a:t>9/6/24</a:t>
+              <a:t>2/3/25</a:t>
             </a:fld>
             <a:endParaRPr lang="en-US"/>
           </a:p>
@@ -1098,7 +1209,7 @@
             <a:fld id="{B2F2B4BC-311C-574E-AB1F-5BCC7E00BDAB}" type="datetimeFigureOut">
               <a:rPr lang="en-US" smtClean="0"/>
               <a:pPr/>
-              <a:t>9/6/24</a:t>
+              <a:t>2/3/25</a:t>
             </a:fld>
             <a:endParaRPr lang="en-US"/>
           </a:p>
@@ -1263,7 +1374,7 @@
             <a:fld id="{B2F2B4BC-311C-574E-AB1F-5BCC7E00BDAB}" type="datetimeFigureOut">
               <a:rPr lang="en-US" smtClean="0"/>
               <a:pPr/>
-              <a:t>9/6/24</a:t>
+              <a:t>2/3/25</a:t>
             </a:fld>
             <a:endParaRPr lang="en-US"/>
           </a:p>
@@ -1505,7 +1616,7 @@
             <a:fld id="{B2F2B4BC-311C-574E-AB1F-5BCC7E00BDAB}" type="datetimeFigureOut">
               <a:rPr lang="en-US" smtClean="0"/>
               <a:pPr/>
-              <a:t>9/6/24</a:t>
+              <a:t>2/3/25</a:t>
             </a:fld>
             <a:endParaRPr lang="en-US"/>
           </a:p>
@@ -1787,7 +1898,7 @@
             <a:fld id="{B2F2B4BC-311C-574E-AB1F-5BCC7E00BDAB}" type="datetimeFigureOut">
               <a:rPr lang="en-US" smtClean="0"/>
               <a:pPr/>
-              <a:t>9/6/24</a:t>
+              <a:t>2/3/25</a:t>
             </a:fld>
             <a:endParaRPr lang="en-US"/>
           </a:p>
@@ -2203,7 +2314,7 @@
             <a:fld id="{B2F2B4BC-311C-574E-AB1F-5BCC7E00BDAB}" type="datetimeFigureOut">
               <a:rPr lang="en-US" smtClean="0"/>
               <a:pPr/>
-              <a:t>9/6/24</a:t>
+              <a:t>2/3/25</a:t>
             </a:fld>
             <a:endParaRPr lang="en-US"/>
           </a:p>
@@ -2317,7 +2428,7 @@
             <a:fld id="{B2F2B4BC-311C-574E-AB1F-5BCC7E00BDAB}" type="datetimeFigureOut">
               <a:rPr lang="en-US" smtClean="0"/>
               <a:pPr/>
-              <a:t>9/6/24</a:t>
+              <a:t>2/3/25</a:t>
             </a:fld>
             <a:endParaRPr lang="en-US"/>
           </a:p>
@@ -2409,7 +2520,7 @@
             <a:fld id="{B2F2B4BC-311C-574E-AB1F-5BCC7E00BDAB}" type="datetimeFigureOut">
               <a:rPr lang="en-US" smtClean="0"/>
               <a:pPr/>
-              <a:t>9/6/24</a:t>
+              <a:t>2/3/25</a:t>
             </a:fld>
             <a:endParaRPr lang="en-US"/>
           </a:p>
@@ -2681,7 +2792,7 @@
             <a:fld id="{B2F2B4BC-311C-574E-AB1F-5BCC7E00BDAB}" type="datetimeFigureOut">
               <a:rPr lang="en-US" smtClean="0"/>
               <a:pPr/>
-              <a:t>9/6/24</a:t>
+              <a:t>2/3/25</a:t>
             </a:fld>
             <a:endParaRPr lang="en-US"/>
           </a:p>
@@ -2930,7 +3041,7 @@
             <a:fld id="{B2F2B4BC-311C-574E-AB1F-5BCC7E00BDAB}" type="datetimeFigureOut">
               <a:rPr lang="en-US" smtClean="0"/>
               <a:pPr/>
-              <a:t>9/6/24</a:t>
+              <a:t>2/3/25</a:t>
             </a:fld>
             <a:endParaRPr lang="en-US"/>
           </a:p>
@@ -3138,7 +3249,7 @@
             <a:fld id="{B2F2B4BC-311C-574E-AB1F-5BCC7E00BDAB}" type="datetimeFigureOut">
               <a:rPr lang="en-US" smtClean="0"/>
               <a:pPr/>
-              <a:t>9/6/24</a:t>
+              <a:t>2/3/25</a:t>
             </a:fld>
             <a:endParaRPr lang="en-US"/>
           </a:p>
@@ -3694,7 +3805,7 @@
                       <a:noFill/>
                       <a:extLst>
                         <a:ext uri="{909E8E84-426E-40dd-AFC4-6F175D3DCCD1}">
-                          <a14:hiddenFill xmlns="" xmlns:a14="http://schemas.microsoft.com/office/drawing/2010/main">
+                          <a14:hiddenFill xmlns:a14="http://schemas.microsoft.com/office/drawing/2010/main" xmlns="">
                             <a:blipFill dpi="0" rotWithShape="0">
                               <a:blip/>
                               <a:srcRect/>
@@ -3774,7 +3885,7 @@
                       <a:noFill/>
                       <a:extLst>
                         <a:ext uri="{909E8E84-426E-40dd-AFC4-6F175D3DCCD1}">
-                          <a14:hiddenFill xmlns="" xmlns:a14="http://schemas.microsoft.com/office/drawing/2010/main">
+                          <a14:hiddenFill xmlns:a14="http://schemas.microsoft.com/office/drawing/2010/main" xmlns="">
                             <a:blipFill dpi="0" rotWithShape="0">
                               <a:blip/>
                               <a:srcRect/>
@@ -6250,30 +6361,21 @@
                             </p:childTnLst>
                           </p:cTn>
                         </p:par>
-                      </p:childTnLst>
-                    </p:cTn>
-                  </p:par>
-                  <p:par>
-                    <p:cTn id="15" fill="hold">
-                      <p:stCondLst>
-                        <p:cond delay="indefinite"/>
-                      </p:stCondLst>
-                      <p:childTnLst>
                         <p:par>
-                          <p:cTn id="16" fill="hold">
+                          <p:cTn id="15" fill="hold">
                             <p:stCondLst>
-                              <p:cond delay="0"/>
+                              <p:cond delay="500"/>
                             </p:stCondLst>
                             <p:childTnLst>
                               <p:par>
-                                <p:cTn id="17" presetID="2" presetClass="entr" presetSubtype="4" fill="hold" nodeType="clickEffect">
+                                <p:cTn id="16" presetID="2" presetClass="entr" presetSubtype="4" fill="hold" nodeType="afterEffect">
                                   <p:stCondLst>
                                     <p:cond delay="0"/>
                                   </p:stCondLst>
                                   <p:childTnLst>
                                     <p:set>
                                       <p:cBhvr>
-                                        <p:cTn id="18" dur="1" fill="hold">
+                                        <p:cTn id="17" dur="1" fill="hold">
                                           <p:stCondLst>
                                             <p:cond delay="0"/>
                                           </p:stCondLst>
@@ -6291,7 +6393,7 @@
                                     </p:set>
                                     <p:anim calcmode="lin" valueType="num">
                                       <p:cBhvr additive="base">
-                                        <p:cTn id="19" dur="500" fill="hold"/>
+                                        <p:cTn id="18" dur="500" fill="hold"/>
                                         <p:tgtEl>
                                           <p:spTgt spid="10"/>
                                         </p:tgtEl>
@@ -6314,7 +6416,7 @@
                                     </p:anim>
                                     <p:anim calcmode="lin" valueType="num">
                                       <p:cBhvr additive="base">
-                                        <p:cTn id="20" dur="500" fill="hold"/>
+                                        <p:cTn id="19" dur="500" fill="hold"/>
                                         <p:tgtEl>
                                           <p:spTgt spid="10"/>
                                         </p:tgtEl>
@@ -8197,7 +8299,7 @@
           <p:nvPr/>
         </p:nvPicPr>
         <p:blipFill>
-          <a:blip r:embed="rId2" cstate="print"/>
+          <a:blip r:embed="rId3" cstate="print"/>
           <a:srcRect/>
           <a:stretch>
             <a:fillRect/>
@@ -8236,8 +8338,8 @@
         </p:nvSpPr>
         <p:spPr bwMode="auto">
           <a:xfrm>
-            <a:off x="56093" y="465667"/>
-            <a:ext cx="8991601" cy="1127125"/>
+            <a:off x="56093" y="465668"/>
+            <a:ext cx="8991601" cy="623316"/>
           </a:xfrm>
           <a:prstGeom prst="rect">
             <a:avLst/>
@@ -8302,7 +8404,7 @@
         </p:nvSpPr>
         <p:spPr>
           <a:xfrm>
-            <a:off x="135468" y="1659348"/>
+            <a:off x="135468" y="1249043"/>
             <a:ext cx="8686800" cy="461665"/>
           </a:xfrm>
           <a:prstGeom prst="rect">
@@ -8409,14 +8511,14 @@
           <p:nvPr/>
         </p:nvPicPr>
         <p:blipFill>
-          <a:blip r:embed="rId3"/>
+          <a:blip r:embed="rId4"/>
           <a:stretch>
             <a:fillRect/>
           </a:stretch>
         </p:blipFill>
         <p:spPr>
           <a:xfrm>
-            <a:off x="3214613" y="2358111"/>
+            <a:off x="1059401" y="2636457"/>
             <a:ext cx="1813610" cy="677985"/>
           </a:xfrm>
           <a:prstGeom prst="rect">
@@ -8438,7 +8540,7 @@
         </p:nvSpPr>
         <p:spPr>
           <a:xfrm>
-            <a:off x="255385" y="3606461"/>
+            <a:off x="255385" y="4696190"/>
             <a:ext cx="8279015" cy="1313180"/>
           </a:xfrm>
           <a:prstGeom prst="rect">
@@ -8626,6 +8728,493 @@
           </a:p>
         </p:txBody>
       </p:sp>
+      <p:sp>
+        <p:nvSpPr>
+          <p:cNvPr id="8" name="TextBox 7">
+            <a:extLst>
+              <a:ext uri="{FF2B5EF4-FFF2-40B4-BE49-F238E27FC236}">
+                <a16:creationId xmlns:a16="http://schemas.microsoft.com/office/drawing/2014/main" id="{00E7FEFD-FE0E-D51E-B046-254285CE4C79}"/>
+              </a:ext>
+            </a:extLst>
+          </p:cNvPr>
+          <p:cNvSpPr txBox="1"/>
+          <p:nvPr/>
+        </p:nvSpPr>
+        <p:spPr>
+          <a:xfrm>
+            <a:off x="4782039" y="2425861"/>
+            <a:ext cx="4221285" cy="461665"/>
+          </a:xfrm>
+          <a:prstGeom prst="rect">
+            <a:avLst/>
+          </a:prstGeom>
+          <a:solidFill>
+            <a:schemeClr val="accent1">
+              <a:lumMod val="20000"/>
+              <a:lumOff val="80000"/>
+            </a:schemeClr>
+          </a:solidFill>
+        </p:spPr>
+        <p:txBody>
+          <a:bodyPr wrap="square" rtlCol="0">
+            <a:spAutoFit/>
+          </a:bodyPr>
+          <a:lstStyle/>
+          <a:p>
+            <a:r>
+              <a:rPr lang="en-US" sz="1200" b="1" dirty="0">
+                <a:latin typeface="Courier" pitchFamily="2" charset="0"/>
+              </a:rPr>
+              <a:t>rho = 2 h c^2/lam^5 Exp[h c/(lam kB T)]^-1;</a:t>
+            </a:r>
+          </a:p>
+          <a:p>
+            <a:r>
+              <a:rPr lang="en-US" sz="1200" b="1" dirty="0" err="1">
+                <a:latin typeface="Courier" pitchFamily="2" charset="0"/>
+              </a:rPr>
+              <a:t>drho</a:t>
+            </a:r>
+            <a:r>
+              <a:rPr lang="en-US" sz="1200" b="1" dirty="0">
+                <a:latin typeface="Courier" pitchFamily="2" charset="0"/>
+              </a:rPr>
+              <a:t> = D[rho, lam]</a:t>
+            </a:r>
+          </a:p>
+        </p:txBody>
+      </p:sp>
+      <p:sp>
+        <p:nvSpPr>
+          <p:cNvPr id="9" name="TextBox 8">
+            <a:extLst>
+              <a:ext uri="{FF2B5EF4-FFF2-40B4-BE49-F238E27FC236}">
+                <a16:creationId xmlns:a16="http://schemas.microsoft.com/office/drawing/2014/main" id="{CE9E63F3-639F-3E4D-4ADA-62410DDB8A43}"/>
+              </a:ext>
+            </a:extLst>
+          </p:cNvPr>
+          <p:cNvSpPr txBox="1"/>
+          <p:nvPr/>
+        </p:nvSpPr>
+        <p:spPr>
+          <a:xfrm>
+            <a:off x="4789469" y="3795517"/>
+            <a:ext cx="2211714" cy="276999"/>
+          </a:xfrm>
+          <a:prstGeom prst="rect">
+            <a:avLst/>
+          </a:prstGeom>
+          <a:solidFill>
+            <a:schemeClr val="accent1">
+              <a:lumMod val="20000"/>
+              <a:lumOff val="80000"/>
+            </a:schemeClr>
+          </a:solidFill>
+        </p:spPr>
+        <p:txBody>
+          <a:bodyPr wrap="square" rtlCol="0">
+            <a:spAutoFit/>
+          </a:bodyPr>
+          <a:lstStyle/>
+          <a:p>
+            <a:r>
+              <a:rPr lang="en-US" sz="1200" b="1" dirty="0">
+                <a:latin typeface="Courier" pitchFamily="2" charset="0"/>
+              </a:rPr>
+              <a:t>Solve[</a:t>
+            </a:r>
+            <a:r>
+              <a:rPr lang="en-US" sz="1200" b="1" dirty="0" err="1">
+                <a:latin typeface="Courier" pitchFamily="2" charset="0"/>
+              </a:rPr>
+              <a:t>drho</a:t>
+            </a:r>
+            <a:r>
+              <a:rPr lang="en-US" sz="1200" b="1" dirty="0">
+                <a:latin typeface="Courier" pitchFamily="2" charset="0"/>
+              </a:rPr>
+              <a:t> == 0, lam]</a:t>
+            </a:r>
+          </a:p>
+        </p:txBody>
+      </p:sp>
+      <p:pic>
+        <p:nvPicPr>
+          <p:cNvPr id="10" name="Picture 9">
+            <a:extLst>
+              <a:ext uri="{FF2B5EF4-FFF2-40B4-BE49-F238E27FC236}">
+                <a16:creationId xmlns:a16="http://schemas.microsoft.com/office/drawing/2014/main" id="{50EE5950-A279-5836-F768-45B3F5182444}"/>
+              </a:ext>
+            </a:extLst>
+          </p:cNvPr>
+          <p:cNvPicPr>
+            <a:picLocks noChangeAspect="1"/>
+          </p:cNvPicPr>
+          <p:nvPr/>
+        </p:nvPicPr>
+        <p:blipFill>
+          <a:blip r:embed="rId5"/>
+          <a:stretch>
+            <a:fillRect/>
+          </a:stretch>
+        </p:blipFill>
+        <p:spPr>
+          <a:xfrm>
+            <a:off x="6084930" y="1873093"/>
+            <a:ext cx="1171656" cy="441772"/>
+          </a:xfrm>
+          <a:prstGeom prst="rect">
+            <a:avLst/>
+          </a:prstGeom>
+        </p:spPr>
+      </p:pic>
+      <p:pic>
+        <p:nvPicPr>
+          <p:cNvPr id="13" name="Picture 12">
+            <a:extLst>
+              <a:ext uri="{FF2B5EF4-FFF2-40B4-BE49-F238E27FC236}">
+                <a16:creationId xmlns:a16="http://schemas.microsoft.com/office/drawing/2014/main" id="{0DE27CF9-C00A-4BBD-7C89-C6401181C398}"/>
+              </a:ext>
+            </a:extLst>
+          </p:cNvPr>
+          <p:cNvPicPr>
+            <a:picLocks noChangeAspect="1"/>
+          </p:cNvPicPr>
+          <p:nvPr/>
+        </p:nvPicPr>
+        <p:blipFill>
+          <a:blip r:embed="rId6"/>
+          <a:stretch>
+            <a:fillRect/>
+          </a:stretch>
+        </p:blipFill>
+        <p:spPr>
+          <a:xfrm>
+            <a:off x="5568627" y="2975076"/>
+            <a:ext cx="3007458" cy="583164"/>
+          </a:xfrm>
+          <a:prstGeom prst="rect">
+            <a:avLst/>
+          </a:prstGeom>
+        </p:spPr>
+      </p:pic>
+      <p:pic>
+        <p:nvPicPr>
+          <p:cNvPr id="14" name="Picture 13">
+            <a:extLst>
+              <a:ext uri="{FF2B5EF4-FFF2-40B4-BE49-F238E27FC236}">
+                <a16:creationId xmlns:a16="http://schemas.microsoft.com/office/drawing/2014/main" id="{CA60D42F-3E48-B377-ADE6-B178E9A9FB0D}"/>
+              </a:ext>
+            </a:extLst>
+          </p:cNvPr>
+          <p:cNvPicPr>
+            <a:picLocks noChangeAspect="1"/>
+          </p:cNvPicPr>
+          <p:nvPr/>
+        </p:nvPicPr>
+        <p:blipFill>
+          <a:blip r:embed="rId7"/>
+          <a:stretch>
+            <a:fillRect/>
+          </a:stretch>
+        </p:blipFill>
+        <p:spPr>
+          <a:xfrm>
+            <a:off x="7001183" y="3983134"/>
+            <a:ext cx="1574902" cy="449972"/>
+          </a:xfrm>
+          <a:prstGeom prst="rect">
+            <a:avLst/>
+          </a:prstGeom>
+        </p:spPr>
+      </p:pic>
+      <p:sp>
+        <p:nvSpPr>
+          <p:cNvPr id="15" name="Rectangle 14">
+            <a:extLst>
+              <a:ext uri="{FF2B5EF4-FFF2-40B4-BE49-F238E27FC236}">
+                <a16:creationId xmlns:a16="http://schemas.microsoft.com/office/drawing/2014/main" id="{B387609E-89D9-6FCF-EF9B-63E40E61C80E}"/>
+              </a:ext>
+            </a:extLst>
+          </p:cNvPr>
+          <p:cNvSpPr/>
+          <p:nvPr/>
+        </p:nvSpPr>
+        <p:spPr>
+          <a:xfrm>
+            <a:off x="974037" y="2557114"/>
+            <a:ext cx="2004646" cy="908362"/>
+          </a:xfrm>
+          <a:prstGeom prst="rect">
+            <a:avLst/>
+          </a:prstGeom>
+          <a:noFill/>
+          <a:ln w="57150" cmpd="sng">
+            <a:solidFill>
+              <a:srgbClr val="008000"/>
+            </a:solidFill>
+          </a:ln>
+        </p:spPr>
+        <p:style>
+          <a:lnRef idx="1">
+            <a:schemeClr val="accent1"/>
+          </a:lnRef>
+          <a:fillRef idx="3">
+            <a:schemeClr val="accent1"/>
+          </a:fillRef>
+          <a:effectRef idx="2">
+            <a:schemeClr val="accent1"/>
+          </a:effectRef>
+          <a:fontRef idx="minor">
+            <a:schemeClr val="lt1"/>
+          </a:fontRef>
+        </p:style>
+        <p:txBody>
+          <a:bodyPr rtlCol="0" anchor="ctr"/>
+          <a:lstStyle/>
+          <a:p>
+            <a:pPr algn="ctr"/>
+            <a:endParaRPr lang="en-US"/>
+          </a:p>
+        </p:txBody>
+      </p:sp>
+      <p:sp>
+        <p:nvSpPr>
+          <p:cNvPr id="16" name="TextBox 15">
+            <a:extLst>
+              <a:ext uri="{FF2B5EF4-FFF2-40B4-BE49-F238E27FC236}">
+                <a16:creationId xmlns:a16="http://schemas.microsoft.com/office/drawing/2014/main" id="{F73B0564-7B72-63AC-BFC9-078B4E9F3B70}"/>
+              </a:ext>
+            </a:extLst>
+          </p:cNvPr>
+          <p:cNvSpPr txBox="1"/>
+          <p:nvPr/>
+        </p:nvSpPr>
+        <p:spPr>
+          <a:xfrm>
+            <a:off x="709764" y="3516528"/>
+            <a:ext cx="2612703" cy="369332"/>
+          </a:xfrm>
+          <a:prstGeom prst="rect">
+            <a:avLst/>
+          </a:prstGeom>
+          <a:noFill/>
+        </p:spPr>
+        <p:txBody>
+          <a:bodyPr wrap="none" rtlCol="0">
+            <a:spAutoFit/>
+          </a:bodyPr>
+          <a:lstStyle/>
+          <a:p>
+            <a:r>
+              <a:rPr lang="en-US" b="1" dirty="0">
+                <a:latin typeface="Times New Roman" panose="02020603050405020304" pitchFamily="18" charset="0"/>
+                <a:cs typeface="Times New Roman" panose="02020603050405020304" pitchFamily="18" charset="0"/>
+              </a:rPr>
+              <a:t>Wein’s displacement law</a:t>
+            </a:r>
+          </a:p>
+        </p:txBody>
+      </p:sp>
+      <p:cxnSp>
+        <p:nvCxnSpPr>
+          <p:cNvPr id="18" name="Straight Arrow Connector 17">
+            <a:extLst>
+              <a:ext uri="{FF2B5EF4-FFF2-40B4-BE49-F238E27FC236}">
+                <a16:creationId xmlns:a16="http://schemas.microsoft.com/office/drawing/2014/main" id="{CEC6643E-5B0B-13D4-F179-003954CC1106}"/>
+              </a:ext>
+            </a:extLst>
+          </p:cNvPr>
+          <p:cNvCxnSpPr>
+            <a:cxnSpLocks/>
+          </p:cNvCxnSpPr>
+          <p:nvPr/>
+        </p:nvCxnSpPr>
+        <p:spPr>
+          <a:xfrm flipH="1">
+            <a:off x="5234609" y="2107231"/>
+            <a:ext cx="823817" cy="331882"/>
+          </a:xfrm>
+          <a:prstGeom prst="straightConnector1">
+            <a:avLst/>
+          </a:prstGeom>
+          <a:ln>
+            <a:tailEnd type="triangle"/>
+          </a:ln>
+        </p:spPr>
+        <p:style>
+          <a:lnRef idx="2">
+            <a:schemeClr val="accent1"/>
+          </a:lnRef>
+          <a:fillRef idx="0">
+            <a:schemeClr val="accent1"/>
+          </a:fillRef>
+          <a:effectRef idx="1">
+            <a:schemeClr val="accent1"/>
+          </a:effectRef>
+          <a:fontRef idx="minor">
+            <a:schemeClr val="tx1"/>
+          </a:fontRef>
+        </p:style>
+      </p:cxnSp>
+      <p:cxnSp>
+        <p:nvCxnSpPr>
+          <p:cNvPr id="19" name="Straight Arrow Connector 18">
+            <a:extLst>
+              <a:ext uri="{FF2B5EF4-FFF2-40B4-BE49-F238E27FC236}">
+                <a16:creationId xmlns:a16="http://schemas.microsoft.com/office/drawing/2014/main" id="{E9B19A15-0EAE-81DE-3623-9372F98CD44A}"/>
+              </a:ext>
+            </a:extLst>
+          </p:cNvPr>
+          <p:cNvCxnSpPr>
+            <a:cxnSpLocks/>
+            <a:endCxn id="13" idx="1"/>
+          </p:cNvCxnSpPr>
+          <p:nvPr/>
+        </p:nvCxnSpPr>
+        <p:spPr>
+          <a:xfrm>
+            <a:off x="4388466" y="2927993"/>
+            <a:ext cx="1180161" cy="338665"/>
+          </a:xfrm>
+          <a:prstGeom prst="straightConnector1">
+            <a:avLst/>
+          </a:prstGeom>
+          <a:ln>
+            <a:tailEnd type="triangle"/>
+          </a:ln>
+        </p:spPr>
+        <p:style>
+          <a:lnRef idx="2">
+            <a:schemeClr val="accent1"/>
+          </a:lnRef>
+          <a:fillRef idx="0">
+            <a:schemeClr val="accent1"/>
+          </a:fillRef>
+          <a:effectRef idx="1">
+            <a:schemeClr val="accent1"/>
+          </a:effectRef>
+          <a:fontRef idx="minor">
+            <a:schemeClr val="tx1"/>
+          </a:fontRef>
+        </p:style>
+      </p:cxnSp>
+      <p:cxnSp>
+        <p:nvCxnSpPr>
+          <p:cNvPr id="22" name="Straight Arrow Connector 21">
+            <a:extLst>
+              <a:ext uri="{FF2B5EF4-FFF2-40B4-BE49-F238E27FC236}">
+                <a16:creationId xmlns:a16="http://schemas.microsoft.com/office/drawing/2014/main" id="{1BB8459B-C6D7-375B-BEF3-9853AE1BB9F9}"/>
+              </a:ext>
+            </a:extLst>
+          </p:cNvPr>
+          <p:cNvCxnSpPr>
+            <a:cxnSpLocks/>
+          </p:cNvCxnSpPr>
+          <p:nvPr/>
+        </p:nvCxnSpPr>
+        <p:spPr>
+          <a:xfrm flipV="1">
+            <a:off x="4388466" y="2765412"/>
+            <a:ext cx="447157" cy="159316"/>
+          </a:xfrm>
+          <a:prstGeom prst="straightConnector1">
+            <a:avLst/>
+          </a:prstGeom>
+          <a:ln>
+            <a:tailEnd type="triangle"/>
+          </a:ln>
+        </p:spPr>
+        <p:style>
+          <a:lnRef idx="2">
+            <a:schemeClr val="accent1"/>
+          </a:lnRef>
+          <a:fillRef idx="0">
+            <a:schemeClr val="accent1"/>
+          </a:fillRef>
+          <a:effectRef idx="1">
+            <a:schemeClr val="accent1"/>
+          </a:effectRef>
+          <a:fontRef idx="minor">
+            <a:schemeClr val="tx1"/>
+          </a:fontRef>
+        </p:style>
+      </p:cxnSp>
+      <p:pic>
+        <p:nvPicPr>
+          <p:cNvPr id="25" name="Picture 24">
+            <a:extLst>
+              <a:ext uri="{FF2B5EF4-FFF2-40B4-BE49-F238E27FC236}">
+                <a16:creationId xmlns:a16="http://schemas.microsoft.com/office/drawing/2014/main" id="{B4F4B92D-A175-12E6-C15A-441D1F7D745E}"/>
+              </a:ext>
+            </a:extLst>
+          </p:cNvPr>
+          <p:cNvPicPr>
+            <a:picLocks noChangeAspect="1"/>
+          </p:cNvPicPr>
+          <p:nvPr/>
+        </p:nvPicPr>
+        <p:blipFill>
+          <a:blip r:embed="rId8"/>
+          <a:stretch>
+            <a:fillRect/>
+          </a:stretch>
+        </p:blipFill>
+        <p:spPr>
+          <a:xfrm>
+            <a:off x="4079276" y="2650409"/>
+            <a:ext cx="268394" cy="503238"/>
+          </a:xfrm>
+          <a:prstGeom prst="rect">
+            <a:avLst/>
+          </a:prstGeom>
+        </p:spPr>
+      </p:pic>
+      <p:sp>
+        <p:nvSpPr>
+          <p:cNvPr id="27" name="TextBox 26">
+            <a:extLst>
+              <a:ext uri="{FF2B5EF4-FFF2-40B4-BE49-F238E27FC236}">
+                <a16:creationId xmlns:a16="http://schemas.microsoft.com/office/drawing/2014/main" id="{B19C6CDE-743C-A2F3-DD03-8DF9DD9813AB}"/>
+              </a:ext>
+            </a:extLst>
+          </p:cNvPr>
+          <p:cNvSpPr txBox="1"/>
+          <p:nvPr/>
+        </p:nvSpPr>
+        <p:spPr>
+          <a:xfrm>
+            <a:off x="4347670" y="1921566"/>
+            <a:ext cx="759632" cy="369332"/>
+          </a:xfrm>
+          <a:prstGeom prst="rect">
+            <a:avLst/>
+          </a:prstGeom>
+          <a:noFill/>
+        </p:spPr>
+        <p:txBody>
+          <a:bodyPr wrap="none" rtlCol="0">
+            <a:spAutoFit/>
+          </a:bodyPr>
+          <a:lstStyle/>
+          <a:p>
+            <a:r>
+              <a:rPr lang="en-US" i="1" dirty="0">
+                <a:latin typeface="Times New Roman" panose="02020603050405020304" pitchFamily="18" charset="0"/>
+                <a:cs typeface="Times New Roman" panose="02020603050405020304" pitchFamily="18" charset="0"/>
+              </a:rPr>
+              <a:t>proof</a:t>
+            </a:r>
+            <a:r>
+              <a:rPr lang="en-US" dirty="0">
+                <a:latin typeface="Times New Roman" panose="02020603050405020304" pitchFamily="18" charset="0"/>
+                <a:cs typeface="Times New Roman" panose="02020603050405020304" pitchFamily="18" charset="0"/>
+              </a:rPr>
+              <a:t>:</a:t>
+            </a:r>
+          </a:p>
+        </p:txBody>
+      </p:sp>
     </p:spTree>
     <p:extLst>
       <p:ext uri="{BB962C8B-B14F-4D97-AF65-F5344CB8AC3E}">
@@ -8636,6 +9225,816 @@
   <p:clrMapOvr>
     <a:masterClrMapping/>
   </p:clrMapOvr>
+  <p:timing>
+    <p:tnLst>
+      <p:par>
+        <p:cTn id="1" dur="indefinite" restart="never" nodeType="tmRoot">
+          <p:childTnLst>
+            <p:seq concurrent="1" nextAc="seek">
+              <p:cTn id="2" dur="indefinite" nodeType="mainSeq">
+                <p:childTnLst>
+                  <p:par>
+                    <p:cTn id="3" fill="hold">
+                      <p:stCondLst>
+                        <p:cond delay="indefinite"/>
+                      </p:stCondLst>
+                      <p:childTnLst>
+                        <p:par>
+                          <p:cTn id="4" fill="hold">
+                            <p:stCondLst>
+                              <p:cond delay="0"/>
+                            </p:stCondLst>
+                            <p:childTnLst>
+                              <p:par>
+                                <p:cTn id="5" presetID="2" presetClass="entr" presetSubtype="4" fill="hold" nodeType="clickEffect">
+                                  <p:stCondLst>
+                                    <p:cond delay="0"/>
+                                  </p:stCondLst>
+                                  <p:childTnLst>
+                                    <p:set>
+                                      <p:cBhvr>
+                                        <p:cTn id="6" dur="1" fill="hold">
+                                          <p:stCondLst>
+                                            <p:cond delay="0"/>
+                                          </p:stCondLst>
+                                        </p:cTn>
+                                        <p:tgtEl>
+                                          <p:spTgt spid="10"/>
+                                        </p:tgtEl>
+                                        <p:attrNameLst>
+                                          <p:attrName>style.visibility</p:attrName>
+                                        </p:attrNameLst>
+                                      </p:cBhvr>
+                                      <p:to>
+                                        <p:strVal val="visible"/>
+                                      </p:to>
+                                    </p:set>
+                                    <p:anim calcmode="lin" valueType="num">
+                                      <p:cBhvr additive="base">
+                                        <p:cTn id="7" dur="500" fill="hold"/>
+                                        <p:tgtEl>
+                                          <p:spTgt spid="10"/>
+                                        </p:tgtEl>
+                                        <p:attrNameLst>
+                                          <p:attrName>ppt_x</p:attrName>
+                                        </p:attrNameLst>
+                                      </p:cBhvr>
+                                      <p:tavLst>
+                                        <p:tav tm="0">
+                                          <p:val>
+                                            <p:strVal val="#ppt_x"/>
+                                          </p:val>
+                                        </p:tav>
+                                        <p:tav tm="100000">
+                                          <p:val>
+                                            <p:strVal val="#ppt_x"/>
+                                          </p:val>
+                                        </p:tav>
+                                      </p:tavLst>
+                                    </p:anim>
+                                    <p:anim calcmode="lin" valueType="num">
+                                      <p:cBhvr additive="base">
+                                        <p:cTn id="8" dur="500" fill="hold"/>
+                                        <p:tgtEl>
+                                          <p:spTgt spid="10"/>
+                                        </p:tgtEl>
+                                        <p:attrNameLst>
+                                          <p:attrName>ppt_y</p:attrName>
+                                        </p:attrNameLst>
+                                      </p:cBhvr>
+                                      <p:tavLst>
+                                        <p:tav tm="0">
+                                          <p:val>
+                                            <p:strVal val="1+#ppt_h/2"/>
+                                          </p:val>
+                                        </p:tav>
+                                        <p:tav tm="100000">
+                                          <p:val>
+                                            <p:strVal val="#ppt_y"/>
+                                          </p:val>
+                                        </p:tav>
+                                      </p:tavLst>
+                                    </p:anim>
+                                  </p:childTnLst>
+                                </p:cTn>
+                              </p:par>
+                              <p:par>
+                                <p:cTn id="9" presetID="2" presetClass="entr" presetSubtype="4" fill="hold" grpId="0" nodeType="withEffect">
+                                  <p:stCondLst>
+                                    <p:cond delay="0"/>
+                                  </p:stCondLst>
+                                  <p:childTnLst>
+                                    <p:set>
+                                      <p:cBhvr>
+                                        <p:cTn id="10" dur="1" fill="hold">
+                                          <p:stCondLst>
+                                            <p:cond delay="0"/>
+                                          </p:stCondLst>
+                                        </p:cTn>
+                                        <p:tgtEl>
+                                          <p:spTgt spid="27"/>
+                                        </p:tgtEl>
+                                        <p:attrNameLst>
+                                          <p:attrName>style.visibility</p:attrName>
+                                        </p:attrNameLst>
+                                      </p:cBhvr>
+                                      <p:to>
+                                        <p:strVal val="visible"/>
+                                      </p:to>
+                                    </p:set>
+                                    <p:anim calcmode="lin" valueType="num">
+                                      <p:cBhvr additive="base">
+                                        <p:cTn id="11" dur="500" fill="hold"/>
+                                        <p:tgtEl>
+                                          <p:spTgt spid="27"/>
+                                        </p:tgtEl>
+                                        <p:attrNameLst>
+                                          <p:attrName>ppt_x</p:attrName>
+                                        </p:attrNameLst>
+                                      </p:cBhvr>
+                                      <p:tavLst>
+                                        <p:tav tm="0">
+                                          <p:val>
+                                            <p:strVal val="#ppt_x"/>
+                                          </p:val>
+                                        </p:tav>
+                                        <p:tav tm="100000">
+                                          <p:val>
+                                            <p:strVal val="#ppt_x"/>
+                                          </p:val>
+                                        </p:tav>
+                                      </p:tavLst>
+                                    </p:anim>
+                                    <p:anim calcmode="lin" valueType="num">
+                                      <p:cBhvr additive="base">
+                                        <p:cTn id="12" dur="500" fill="hold"/>
+                                        <p:tgtEl>
+                                          <p:spTgt spid="27"/>
+                                        </p:tgtEl>
+                                        <p:attrNameLst>
+                                          <p:attrName>ppt_y</p:attrName>
+                                        </p:attrNameLst>
+                                      </p:cBhvr>
+                                      <p:tavLst>
+                                        <p:tav tm="0">
+                                          <p:val>
+                                            <p:strVal val="1+#ppt_h/2"/>
+                                          </p:val>
+                                        </p:tav>
+                                        <p:tav tm="100000">
+                                          <p:val>
+                                            <p:strVal val="#ppt_y"/>
+                                          </p:val>
+                                        </p:tav>
+                                      </p:tavLst>
+                                    </p:anim>
+                                  </p:childTnLst>
+                                </p:cTn>
+                              </p:par>
+                            </p:childTnLst>
+                          </p:cTn>
+                        </p:par>
+                        <p:par>
+                          <p:cTn id="13" fill="hold">
+                            <p:stCondLst>
+                              <p:cond delay="500"/>
+                            </p:stCondLst>
+                            <p:childTnLst>
+                              <p:par>
+                                <p:cTn id="14" presetID="2" presetClass="entr" presetSubtype="4" fill="hold" nodeType="afterEffect">
+                                  <p:stCondLst>
+                                    <p:cond delay="0"/>
+                                  </p:stCondLst>
+                                  <p:childTnLst>
+                                    <p:set>
+                                      <p:cBhvr>
+                                        <p:cTn id="15" dur="1" fill="hold">
+                                          <p:stCondLst>
+                                            <p:cond delay="0"/>
+                                          </p:stCondLst>
+                                        </p:cTn>
+                                        <p:tgtEl>
+                                          <p:spTgt spid="18"/>
+                                        </p:tgtEl>
+                                        <p:attrNameLst>
+                                          <p:attrName>style.visibility</p:attrName>
+                                        </p:attrNameLst>
+                                      </p:cBhvr>
+                                      <p:to>
+                                        <p:strVal val="visible"/>
+                                      </p:to>
+                                    </p:set>
+                                    <p:anim calcmode="lin" valueType="num">
+                                      <p:cBhvr additive="base">
+                                        <p:cTn id="16" dur="500" fill="hold"/>
+                                        <p:tgtEl>
+                                          <p:spTgt spid="18"/>
+                                        </p:tgtEl>
+                                        <p:attrNameLst>
+                                          <p:attrName>ppt_x</p:attrName>
+                                        </p:attrNameLst>
+                                      </p:cBhvr>
+                                      <p:tavLst>
+                                        <p:tav tm="0">
+                                          <p:val>
+                                            <p:strVal val="#ppt_x"/>
+                                          </p:val>
+                                        </p:tav>
+                                        <p:tav tm="100000">
+                                          <p:val>
+                                            <p:strVal val="#ppt_x"/>
+                                          </p:val>
+                                        </p:tav>
+                                      </p:tavLst>
+                                    </p:anim>
+                                    <p:anim calcmode="lin" valueType="num">
+                                      <p:cBhvr additive="base">
+                                        <p:cTn id="17" dur="500" fill="hold"/>
+                                        <p:tgtEl>
+                                          <p:spTgt spid="18"/>
+                                        </p:tgtEl>
+                                        <p:attrNameLst>
+                                          <p:attrName>ppt_y</p:attrName>
+                                        </p:attrNameLst>
+                                      </p:cBhvr>
+                                      <p:tavLst>
+                                        <p:tav tm="0">
+                                          <p:val>
+                                            <p:strVal val="1+#ppt_h/2"/>
+                                          </p:val>
+                                        </p:tav>
+                                        <p:tav tm="100000">
+                                          <p:val>
+                                            <p:strVal val="#ppt_y"/>
+                                          </p:val>
+                                        </p:tav>
+                                      </p:tavLst>
+                                    </p:anim>
+                                  </p:childTnLst>
+                                </p:cTn>
+                              </p:par>
+                              <p:par>
+                                <p:cTn id="18" presetID="2" presetClass="entr" presetSubtype="4" fill="hold" grpId="0" nodeType="withEffect">
+                                  <p:stCondLst>
+                                    <p:cond delay="0"/>
+                                  </p:stCondLst>
+                                  <p:childTnLst>
+                                    <p:set>
+                                      <p:cBhvr>
+                                        <p:cTn id="19" dur="1" fill="hold">
+                                          <p:stCondLst>
+                                            <p:cond delay="0"/>
+                                          </p:stCondLst>
+                                        </p:cTn>
+                                        <p:tgtEl>
+                                          <p:spTgt spid="8"/>
+                                        </p:tgtEl>
+                                        <p:attrNameLst>
+                                          <p:attrName>style.visibility</p:attrName>
+                                        </p:attrNameLst>
+                                      </p:cBhvr>
+                                      <p:to>
+                                        <p:strVal val="visible"/>
+                                      </p:to>
+                                    </p:set>
+                                    <p:anim calcmode="lin" valueType="num">
+                                      <p:cBhvr additive="base">
+                                        <p:cTn id="20" dur="500" fill="hold"/>
+                                        <p:tgtEl>
+                                          <p:spTgt spid="8"/>
+                                        </p:tgtEl>
+                                        <p:attrNameLst>
+                                          <p:attrName>ppt_x</p:attrName>
+                                        </p:attrNameLst>
+                                      </p:cBhvr>
+                                      <p:tavLst>
+                                        <p:tav tm="0">
+                                          <p:val>
+                                            <p:strVal val="#ppt_x"/>
+                                          </p:val>
+                                        </p:tav>
+                                        <p:tav tm="100000">
+                                          <p:val>
+                                            <p:strVal val="#ppt_x"/>
+                                          </p:val>
+                                        </p:tav>
+                                      </p:tavLst>
+                                    </p:anim>
+                                    <p:anim calcmode="lin" valueType="num">
+                                      <p:cBhvr additive="base">
+                                        <p:cTn id="21" dur="500" fill="hold"/>
+                                        <p:tgtEl>
+                                          <p:spTgt spid="8"/>
+                                        </p:tgtEl>
+                                        <p:attrNameLst>
+                                          <p:attrName>ppt_y</p:attrName>
+                                        </p:attrNameLst>
+                                      </p:cBhvr>
+                                      <p:tavLst>
+                                        <p:tav tm="0">
+                                          <p:val>
+                                            <p:strVal val="1+#ppt_h/2"/>
+                                          </p:val>
+                                        </p:tav>
+                                        <p:tav tm="100000">
+                                          <p:val>
+                                            <p:strVal val="#ppt_y"/>
+                                          </p:val>
+                                        </p:tav>
+                                      </p:tavLst>
+                                    </p:anim>
+                                  </p:childTnLst>
+                                </p:cTn>
+                              </p:par>
+                            </p:childTnLst>
+                          </p:cTn>
+                        </p:par>
+                        <p:par>
+                          <p:cTn id="22" fill="hold">
+                            <p:stCondLst>
+                              <p:cond delay="1000"/>
+                            </p:stCondLst>
+                            <p:childTnLst>
+                              <p:par>
+                                <p:cTn id="23" presetID="2" presetClass="entr" presetSubtype="4" fill="hold" nodeType="afterEffect">
+                                  <p:stCondLst>
+                                    <p:cond delay="0"/>
+                                  </p:stCondLst>
+                                  <p:childTnLst>
+                                    <p:set>
+                                      <p:cBhvr>
+                                        <p:cTn id="24" dur="1" fill="hold">
+                                          <p:stCondLst>
+                                            <p:cond delay="0"/>
+                                          </p:stCondLst>
+                                        </p:cTn>
+                                        <p:tgtEl>
+                                          <p:spTgt spid="25"/>
+                                        </p:tgtEl>
+                                        <p:attrNameLst>
+                                          <p:attrName>style.visibility</p:attrName>
+                                        </p:attrNameLst>
+                                      </p:cBhvr>
+                                      <p:to>
+                                        <p:strVal val="visible"/>
+                                      </p:to>
+                                    </p:set>
+                                    <p:anim calcmode="lin" valueType="num">
+                                      <p:cBhvr additive="base">
+                                        <p:cTn id="25" dur="500" fill="hold"/>
+                                        <p:tgtEl>
+                                          <p:spTgt spid="25"/>
+                                        </p:tgtEl>
+                                        <p:attrNameLst>
+                                          <p:attrName>ppt_x</p:attrName>
+                                        </p:attrNameLst>
+                                      </p:cBhvr>
+                                      <p:tavLst>
+                                        <p:tav tm="0">
+                                          <p:val>
+                                            <p:strVal val="#ppt_x"/>
+                                          </p:val>
+                                        </p:tav>
+                                        <p:tav tm="100000">
+                                          <p:val>
+                                            <p:strVal val="#ppt_x"/>
+                                          </p:val>
+                                        </p:tav>
+                                      </p:tavLst>
+                                    </p:anim>
+                                    <p:anim calcmode="lin" valueType="num">
+                                      <p:cBhvr additive="base">
+                                        <p:cTn id="26" dur="500" fill="hold"/>
+                                        <p:tgtEl>
+                                          <p:spTgt spid="25"/>
+                                        </p:tgtEl>
+                                        <p:attrNameLst>
+                                          <p:attrName>ppt_y</p:attrName>
+                                        </p:attrNameLst>
+                                      </p:cBhvr>
+                                      <p:tavLst>
+                                        <p:tav tm="0">
+                                          <p:val>
+                                            <p:strVal val="1+#ppt_h/2"/>
+                                          </p:val>
+                                        </p:tav>
+                                        <p:tav tm="100000">
+                                          <p:val>
+                                            <p:strVal val="#ppt_y"/>
+                                          </p:val>
+                                        </p:tav>
+                                      </p:tavLst>
+                                    </p:anim>
+                                  </p:childTnLst>
+                                </p:cTn>
+                              </p:par>
+                              <p:par>
+                                <p:cTn id="27" presetID="2" presetClass="entr" presetSubtype="4" fill="hold" nodeType="withEffect">
+                                  <p:stCondLst>
+                                    <p:cond delay="0"/>
+                                  </p:stCondLst>
+                                  <p:childTnLst>
+                                    <p:set>
+                                      <p:cBhvr>
+                                        <p:cTn id="28" dur="1" fill="hold">
+                                          <p:stCondLst>
+                                            <p:cond delay="0"/>
+                                          </p:stCondLst>
+                                        </p:cTn>
+                                        <p:tgtEl>
+                                          <p:spTgt spid="22"/>
+                                        </p:tgtEl>
+                                        <p:attrNameLst>
+                                          <p:attrName>style.visibility</p:attrName>
+                                        </p:attrNameLst>
+                                      </p:cBhvr>
+                                      <p:to>
+                                        <p:strVal val="visible"/>
+                                      </p:to>
+                                    </p:set>
+                                    <p:anim calcmode="lin" valueType="num">
+                                      <p:cBhvr additive="base">
+                                        <p:cTn id="29" dur="500" fill="hold"/>
+                                        <p:tgtEl>
+                                          <p:spTgt spid="22"/>
+                                        </p:tgtEl>
+                                        <p:attrNameLst>
+                                          <p:attrName>ppt_x</p:attrName>
+                                        </p:attrNameLst>
+                                      </p:cBhvr>
+                                      <p:tavLst>
+                                        <p:tav tm="0">
+                                          <p:val>
+                                            <p:strVal val="#ppt_x"/>
+                                          </p:val>
+                                        </p:tav>
+                                        <p:tav tm="100000">
+                                          <p:val>
+                                            <p:strVal val="#ppt_x"/>
+                                          </p:val>
+                                        </p:tav>
+                                      </p:tavLst>
+                                    </p:anim>
+                                    <p:anim calcmode="lin" valueType="num">
+                                      <p:cBhvr additive="base">
+                                        <p:cTn id="30" dur="500" fill="hold"/>
+                                        <p:tgtEl>
+                                          <p:spTgt spid="22"/>
+                                        </p:tgtEl>
+                                        <p:attrNameLst>
+                                          <p:attrName>ppt_y</p:attrName>
+                                        </p:attrNameLst>
+                                      </p:cBhvr>
+                                      <p:tavLst>
+                                        <p:tav tm="0">
+                                          <p:val>
+                                            <p:strVal val="1+#ppt_h/2"/>
+                                          </p:val>
+                                        </p:tav>
+                                        <p:tav tm="100000">
+                                          <p:val>
+                                            <p:strVal val="#ppt_y"/>
+                                          </p:val>
+                                        </p:tav>
+                                      </p:tavLst>
+                                    </p:anim>
+                                  </p:childTnLst>
+                                </p:cTn>
+                              </p:par>
+                              <p:par>
+                                <p:cTn id="31" presetID="2" presetClass="entr" presetSubtype="4" fill="hold" nodeType="withEffect">
+                                  <p:stCondLst>
+                                    <p:cond delay="0"/>
+                                  </p:stCondLst>
+                                  <p:childTnLst>
+                                    <p:set>
+                                      <p:cBhvr>
+                                        <p:cTn id="32" dur="1" fill="hold">
+                                          <p:stCondLst>
+                                            <p:cond delay="0"/>
+                                          </p:stCondLst>
+                                        </p:cTn>
+                                        <p:tgtEl>
+                                          <p:spTgt spid="19"/>
+                                        </p:tgtEl>
+                                        <p:attrNameLst>
+                                          <p:attrName>style.visibility</p:attrName>
+                                        </p:attrNameLst>
+                                      </p:cBhvr>
+                                      <p:to>
+                                        <p:strVal val="visible"/>
+                                      </p:to>
+                                    </p:set>
+                                    <p:anim calcmode="lin" valueType="num">
+                                      <p:cBhvr additive="base">
+                                        <p:cTn id="33" dur="500" fill="hold"/>
+                                        <p:tgtEl>
+                                          <p:spTgt spid="19"/>
+                                        </p:tgtEl>
+                                        <p:attrNameLst>
+                                          <p:attrName>ppt_x</p:attrName>
+                                        </p:attrNameLst>
+                                      </p:cBhvr>
+                                      <p:tavLst>
+                                        <p:tav tm="0">
+                                          <p:val>
+                                            <p:strVal val="#ppt_x"/>
+                                          </p:val>
+                                        </p:tav>
+                                        <p:tav tm="100000">
+                                          <p:val>
+                                            <p:strVal val="#ppt_x"/>
+                                          </p:val>
+                                        </p:tav>
+                                      </p:tavLst>
+                                    </p:anim>
+                                    <p:anim calcmode="lin" valueType="num">
+                                      <p:cBhvr additive="base">
+                                        <p:cTn id="34" dur="500" fill="hold"/>
+                                        <p:tgtEl>
+                                          <p:spTgt spid="19"/>
+                                        </p:tgtEl>
+                                        <p:attrNameLst>
+                                          <p:attrName>ppt_y</p:attrName>
+                                        </p:attrNameLst>
+                                      </p:cBhvr>
+                                      <p:tavLst>
+                                        <p:tav tm="0">
+                                          <p:val>
+                                            <p:strVal val="1+#ppt_h/2"/>
+                                          </p:val>
+                                        </p:tav>
+                                        <p:tav tm="100000">
+                                          <p:val>
+                                            <p:strVal val="#ppt_y"/>
+                                          </p:val>
+                                        </p:tav>
+                                      </p:tavLst>
+                                    </p:anim>
+                                  </p:childTnLst>
+                                </p:cTn>
+                              </p:par>
+                              <p:par>
+                                <p:cTn id="35" presetID="2" presetClass="entr" presetSubtype="4" fill="hold" nodeType="withEffect">
+                                  <p:stCondLst>
+                                    <p:cond delay="0"/>
+                                  </p:stCondLst>
+                                  <p:childTnLst>
+                                    <p:set>
+                                      <p:cBhvr>
+                                        <p:cTn id="36" dur="1" fill="hold">
+                                          <p:stCondLst>
+                                            <p:cond delay="0"/>
+                                          </p:stCondLst>
+                                        </p:cTn>
+                                        <p:tgtEl>
+                                          <p:spTgt spid="13"/>
+                                        </p:tgtEl>
+                                        <p:attrNameLst>
+                                          <p:attrName>style.visibility</p:attrName>
+                                        </p:attrNameLst>
+                                      </p:cBhvr>
+                                      <p:to>
+                                        <p:strVal val="visible"/>
+                                      </p:to>
+                                    </p:set>
+                                    <p:anim calcmode="lin" valueType="num">
+                                      <p:cBhvr additive="base">
+                                        <p:cTn id="37" dur="500" fill="hold"/>
+                                        <p:tgtEl>
+                                          <p:spTgt spid="13"/>
+                                        </p:tgtEl>
+                                        <p:attrNameLst>
+                                          <p:attrName>ppt_x</p:attrName>
+                                        </p:attrNameLst>
+                                      </p:cBhvr>
+                                      <p:tavLst>
+                                        <p:tav tm="0">
+                                          <p:val>
+                                            <p:strVal val="#ppt_x"/>
+                                          </p:val>
+                                        </p:tav>
+                                        <p:tav tm="100000">
+                                          <p:val>
+                                            <p:strVal val="#ppt_x"/>
+                                          </p:val>
+                                        </p:tav>
+                                      </p:tavLst>
+                                    </p:anim>
+                                    <p:anim calcmode="lin" valueType="num">
+                                      <p:cBhvr additive="base">
+                                        <p:cTn id="38" dur="500" fill="hold"/>
+                                        <p:tgtEl>
+                                          <p:spTgt spid="13"/>
+                                        </p:tgtEl>
+                                        <p:attrNameLst>
+                                          <p:attrName>ppt_y</p:attrName>
+                                        </p:attrNameLst>
+                                      </p:cBhvr>
+                                      <p:tavLst>
+                                        <p:tav tm="0">
+                                          <p:val>
+                                            <p:strVal val="1+#ppt_h/2"/>
+                                          </p:val>
+                                        </p:tav>
+                                        <p:tav tm="100000">
+                                          <p:val>
+                                            <p:strVal val="#ppt_y"/>
+                                          </p:val>
+                                        </p:tav>
+                                      </p:tavLst>
+                                    </p:anim>
+                                  </p:childTnLst>
+                                </p:cTn>
+                              </p:par>
+                            </p:childTnLst>
+                          </p:cTn>
+                        </p:par>
+                        <p:par>
+                          <p:cTn id="39" fill="hold">
+                            <p:stCondLst>
+                              <p:cond delay="1500"/>
+                            </p:stCondLst>
+                            <p:childTnLst>
+                              <p:par>
+                                <p:cTn id="40" presetID="2" presetClass="entr" presetSubtype="4" fill="hold" grpId="0" nodeType="afterEffect">
+                                  <p:stCondLst>
+                                    <p:cond delay="0"/>
+                                  </p:stCondLst>
+                                  <p:childTnLst>
+                                    <p:set>
+                                      <p:cBhvr>
+                                        <p:cTn id="41" dur="1" fill="hold">
+                                          <p:stCondLst>
+                                            <p:cond delay="0"/>
+                                          </p:stCondLst>
+                                        </p:cTn>
+                                        <p:tgtEl>
+                                          <p:spTgt spid="9"/>
+                                        </p:tgtEl>
+                                        <p:attrNameLst>
+                                          <p:attrName>style.visibility</p:attrName>
+                                        </p:attrNameLst>
+                                      </p:cBhvr>
+                                      <p:to>
+                                        <p:strVal val="visible"/>
+                                      </p:to>
+                                    </p:set>
+                                    <p:anim calcmode="lin" valueType="num">
+                                      <p:cBhvr additive="base">
+                                        <p:cTn id="42" dur="500" fill="hold"/>
+                                        <p:tgtEl>
+                                          <p:spTgt spid="9"/>
+                                        </p:tgtEl>
+                                        <p:attrNameLst>
+                                          <p:attrName>ppt_x</p:attrName>
+                                        </p:attrNameLst>
+                                      </p:cBhvr>
+                                      <p:tavLst>
+                                        <p:tav tm="0">
+                                          <p:val>
+                                            <p:strVal val="#ppt_x"/>
+                                          </p:val>
+                                        </p:tav>
+                                        <p:tav tm="100000">
+                                          <p:val>
+                                            <p:strVal val="#ppt_x"/>
+                                          </p:val>
+                                        </p:tav>
+                                      </p:tavLst>
+                                    </p:anim>
+                                    <p:anim calcmode="lin" valueType="num">
+                                      <p:cBhvr additive="base">
+                                        <p:cTn id="43" dur="500" fill="hold"/>
+                                        <p:tgtEl>
+                                          <p:spTgt spid="9"/>
+                                        </p:tgtEl>
+                                        <p:attrNameLst>
+                                          <p:attrName>ppt_y</p:attrName>
+                                        </p:attrNameLst>
+                                      </p:cBhvr>
+                                      <p:tavLst>
+                                        <p:tav tm="0">
+                                          <p:val>
+                                            <p:strVal val="1+#ppt_h/2"/>
+                                          </p:val>
+                                        </p:tav>
+                                        <p:tav tm="100000">
+                                          <p:val>
+                                            <p:strVal val="#ppt_y"/>
+                                          </p:val>
+                                        </p:tav>
+                                      </p:tavLst>
+                                    </p:anim>
+                                  </p:childTnLst>
+                                </p:cTn>
+                              </p:par>
+                              <p:par>
+                                <p:cTn id="44" presetID="2" presetClass="entr" presetSubtype="4" fill="hold" nodeType="withEffect">
+                                  <p:stCondLst>
+                                    <p:cond delay="0"/>
+                                  </p:stCondLst>
+                                  <p:childTnLst>
+                                    <p:set>
+                                      <p:cBhvr>
+                                        <p:cTn id="45" dur="1" fill="hold">
+                                          <p:stCondLst>
+                                            <p:cond delay="0"/>
+                                          </p:stCondLst>
+                                        </p:cTn>
+                                        <p:tgtEl>
+                                          <p:spTgt spid="14"/>
+                                        </p:tgtEl>
+                                        <p:attrNameLst>
+                                          <p:attrName>style.visibility</p:attrName>
+                                        </p:attrNameLst>
+                                      </p:cBhvr>
+                                      <p:to>
+                                        <p:strVal val="visible"/>
+                                      </p:to>
+                                    </p:set>
+                                    <p:anim calcmode="lin" valueType="num">
+                                      <p:cBhvr additive="base">
+                                        <p:cTn id="46" dur="500" fill="hold"/>
+                                        <p:tgtEl>
+                                          <p:spTgt spid="14"/>
+                                        </p:tgtEl>
+                                        <p:attrNameLst>
+                                          <p:attrName>ppt_x</p:attrName>
+                                        </p:attrNameLst>
+                                      </p:cBhvr>
+                                      <p:tavLst>
+                                        <p:tav tm="0">
+                                          <p:val>
+                                            <p:strVal val="#ppt_x"/>
+                                          </p:val>
+                                        </p:tav>
+                                        <p:tav tm="100000">
+                                          <p:val>
+                                            <p:strVal val="#ppt_x"/>
+                                          </p:val>
+                                        </p:tav>
+                                      </p:tavLst>
+                                    </p:anim>
+                                    <p:anim calcmode="lin" valueType="num">
+                                      <p:cBhvr additive="base">
+                                        <p:cTn id="47" dur="500" fill="hold"/>
+                                        <p:tgtEl>
+                                          <p:spTgt spid="14"/>
+                                        </p:tgtEl>
+                                        <p:attrNameLst>
+                                          <p:attrName>ppt_y</p:attrName>
+                                        </p:attrNameLst>
+                                      </p:cBhvr>
+                                      <p:tavLst>
+                                        <p:tav tm="0">
+                                          <p:val>
+                                            <p:strVal val="1+#ppt_h/2"/>
+                                          </p:val>
+                                        </p:tav>
+                                        <p:tav tm="100000">
+                                          <p:val>
+                                            <p:strVal val="#ppt_y"/>
+                                          </p:val>
+                                        </p:tav>
+                                      </p:tavLst>
+                                    </p:anim>
+                                  </p:childTnLst>
+                                </p:cTn>
+                              </p:par>
+                            </p:childTnLst>
+                          </p:cTn>
+                        </p:par>
+                      </p:childTnLst>
+                    </p:cTn>
+                  </p:par>
+                </p:childTnLst>
+              </p:cTn>
+              <p:prevCondLst>
+                <p:cond evt="onPrev" delay="0">
+                  <p:tgtEl>
+                    <p:sldTgt/>
+                  </p:tgtEl>
+                </p:cond>
+              </p:prevCondLst>
+              <p:nextCondLst>
+                <p:cond evt="onNext" delay="0">
+                  <p:tgtEl>
+                    <p:sldTgt/>
+                  </p:tgtEl>
+                </p:cond>
+              </p:nextCondLst>
+            </p:seq>
+          </p:childTnLst>
+        </p:cTn>
+      </p:par>
+    </p:tnLst>
+    <p:bldLst>
+      <p:bldP spid="8" grpId="0" animBg="1"/>
+      <p:bldP spid="9" grpId="0" animBg="1"/>
+      <p:bldP spid="27" grpId="0"/>
+    </p:bldLst>
+  </p:timing>
 </p:sld>
 </file>
 
